--- a/Fashion-insta.pptx
+++ b/Fashion-insta.pptx
@@ -5,7 +5,7 @@
     <p:sldMasterId id="2147483660" r:id="rId1"/>
   </p:sldMasterIdLst>
   <p:notesMasterIdLst>
-    <p:notesMasterId r:id="rId15"/>
+    <p:notesMasterId r:id="rId21"/>
   </p:notesMasterIdLst>
   <p:sldIdLst>
     <p:sldId id="2561" r:id="rId2"/>
@@ -19,8 +19,14 @@
     <p:sldId id="2571" r:id="rId10"/>
     <p:sldId id="2572" r:id="rId11"/>
     <p:sldId id="2573" r:id="rId12"/>
-    <p:sldId id="2562" r:id="rId13"/>
-    <p:sldId id="2563" r:id="rId14"/>
+    <p:sldId id="2575" r:id="rId13"/>
+    <p:sldId id="2579" r:id="rId14"/>
+    <p:sldId id="2576" r:id="rId15"/>
+    <p:sldId id="2578" r:id="rId16"/>
+    <p:sldId id="2577" r:id="rId17"/>
+    <p:sldId id="2574" r:id="rId18"/>
+    <p:sldId id="2562" r:id="rId19"/>
+    <p:sldId id="2563" r:id="rId20"/>
   </p:sldIdLst>
   <p:sldSz cx="12192000" cy="6858000"/>
   <p:notesSz cx="6858000" cy="9144000"/>
@@ -135,6 +141,12 @@
             <p14:sldId id="2571"/>
             <p14:sldId id="2572"/>
             <p14:sldId id="2573"/>
+            <p14:sldId id="2575"/>
+            <p14:sldId id="2579"/>
+            <p14:sldId id="2576"/>
+            <p14:sldId id="2578"/>
+            <p14:sldId id="2577"/>
+            <p14:sldId id="2574"/>
             <p14:sldId id="2562"/>
           </p14:sldIdLst>
         </p14:section>
@@ -144,6 +156,9 @@
           </p14:sldIdLst>
         </p14:section>
       </p14:sectionLst>
+    </p:ext>
+    <p:ext uri="{EFAFB233-063F-42B5-8137-9DF3F51BA10A}">
+      <p15:sldGuideLst xmlns:p15="http://schemas.microsoft.com/office/powerpoint/2012/main"/>
     </p:ext>
   </p:extLst>
 </p:presentation>
@@ -896,7 +911,1271 @@
 </dgm:colorsDef>
 </file>
 
+<file path=ppt/diagrams/colors2.xml><?xml version="1.0" encoding="utf-8"?>
+<dgm:colorsDef xmlns:dgm="http://schemas.openxmlformats.org/drawingml/2006/diagram" xmlns:a="http://schemas.openxmlformats.org/drawingml/2006/main" uniqueId="urn:microsoft.com/office/officeart/2005/8/colors/accent1_2">
+  <dgm:title val=""/>
+  <dgm:desc val=""/>
+  <dgm:catLst>
+    <dgm:cat type="accent1" pri="11200"/>
+  </dgm:catLst>
+  <dgm:styleLbl name="node0">
+    <dgm:fillClrLst meth="repeat">
+      <a:schemeClr val="accent1"/>
+    </dgm:fillClrLst>
+    <dgm:linClrLst meth="repeat">
+      <a:schemeClr val="lt1"/>
+    </dgm:linClrLst>
+    <dgm:effectClrLst/>
+    <dgm:txLinClrLst/>
+    <dgm:txFillClrLst/>
+    <dgm:txEffectClrLst/>
+  </dgm:styleLbl>
+  <dgm:styleLbl name="alignNode1">
+    <dgm:fillClrLst meth="repeat">
+      <a:schemeClr val="accent1"/>
+    </dgm:fillClrLst>
+    <dgm:linClrLst meth="repeat">
+      <a:schemeClr val="accent1"/>
+    </dgm:linClrLst>
+    <dgm:effectClrLst/>
+    <dgm:txLinClrLst/>
+    <dgm:txFillClrLst/>
+    <dgm:txEffectClrLst/>
+  </dgm:styleLbl>
+  <dgm:styleLbl name="node1">
+    <dgm:fillClrLst meth="repeat">
+      <a:schemeClr val="accent1"/>
+    </dgm:fillClrLst>
+    <dgm:linClrLst meth="repeat">
+      <a:schemeClr val="lt1"/>
+    </dgm:linClrLst>
+    <dgm:effectClrLst/>
+    <dgm:txLinClrLst/>
+    <dgm:txFillClrLst/>
+    <dgm:txEffectClrLst/>
+  </dgm:styleLbl>
+  <dgm:styleLbl name="lnNode1">
+    <dgm:fillClrLst meth="repeat">
+      <a:schemeClr val="accent1"/>
+    </dgm:fillClrLst>
+    <dgm:linClrLst meth="repeat">
+      <a:schemeClr val="lt1"/>
+    </dgm:linClrLst>
+    <dgm:effectClrLst/>
+    <dgm:txLinClrLst/>
+    <dgm:txFillClrLst/>
+    <dgm:txEffectClrLst/>
+  </dgm:styleLbl>
+  <dgm:styleLbl name="vennNode1">
+    <dgm:fillClrLst meth="repeat">
+      <a:schemeClr val="accent1">
+        <a:alpha val="50000"/>
+      </a:schemeClr>
+    </dgm:fillClrLst>
+    <dgm:linClrLst meth="repeat">
+      <a:schemeClr val="lt1"/>
+    </dgm:linClrLst>
+    <dgm:effectClrLst/>
+    <dgm:txLinClrLst/>
+    <dgm:txFillClrLst/>
+    <dgm:txEffectClrLst/>
+  </dgm:styleLbl>
+  <dgm:styleLbl name="node2">
+    <dgm:fillClrLst meth="repeat">
+      <a:schemeClr val="accent1"/>
+    </dgm:fillClrLst>
+    <dgm:linClrLst meth="repeat">
+      <a:schemeClr val="lt1"/>
+    </dgm:linClrLst>
+    <dgm:effectClrLst/>
+    <dgm:txLinClrLst/>
+    <dgm:txFillClrLst/>
+    <dgm:txEffectClrLst/>
+  </dgm:styleLbl>
+  <dgm:styleLbl name="node3">
+    <dgm:fillClrLst meth="repeat">
+      <a:schemeClr val="accent1"/>
+    </dgm:fillClrLst>
+    <dgm:linClrLst meth="repeat">
+      <a:schemeClr val="lt1"/>
+    </dgm:linClrLst>
+    <dgm:effectClrLst/>
+    <dgm:txLinClrLst/>
+    <dgm:txFillClrLst/>
+    <dgm:txEffectClrLst/>
+  </dgm:styleLbl>
+  <dgm:styleLbl name="node4">
+    <dgm:fillClrLst meth="repeat">
+      <a:schemeClr val="accent1"/>
+    </dgm:fillClrLst>
+    <dgm:linClrLst meth="repeat">
+      <a:schemeClr val="lt1"/>
+    </dgm:linClrLst>
+    <dgm:effectClrLst/>
+    <dgm:txLinClrLst/>
+    <dgm:txFillClrLst/>
+    <dgm:txEffectClrLst/>
+  </dgm:styleLbl>
+  <dgm:styleLbl name="fgImgPlace1">
+    <dgm:fillClrLst meth="repeat">
+      <a:schemeClr val="accent1">
+        <a:tint val="50000"/>
+      </a:schemeClr>
+    </dgm:fillClrLst>
+    <dgm:linClrLst meth="repeat">
+      <a:schemeClr val="lt1"/>
+    </dgm:linClrLst>
+    <dgm:effectClrLst/>
+    <dgm:txLinClrLst/>
+    <dgm:txFillClrLst meth="repeat">
+      <a:schemeClr val="lt1"/>
+    </dgm:txFillClrLst>
+    <dgm:txEffectClrLst/>
+  </dgm:styleLbl>
+  <dgm:styleLbl name="alignImgPlace1">
+    <dgm:fillClrLst meth="repeat">
+      <a:schemeClr val="accent1">
+        <a:tint val="50000"/>
+      </a:schemeClr>
+    </dgm:fillClrLst>
+    <dgm:linClrLst meth="repeat">
+      <a:schemeClr val="lt1"/>
+    </dgm:linClrLst>
+    <dgm:effectClrLst/>
+    <dgm:txLinClrLst/>
+    <dgm:txFillClrLst meth="repeat">
+      <a:schemeClr val="lt1"/>
+    </dgm:txFillClrLst>
+    <dgm:txEffectClrLst/>
+  </dgm:styleLbl>
+  <dgm:styleLbl name="bgImgPlace1">
+    <dgm:fillClrLst meth="repeat">
+      <a:schemeClr val="accent1">
+        <a:tint val="50000"/>
+      </a:schemeClr>
+    </dgm:fillClrLst>
+    <dgm:linClrLst meth="repeat">
+      <a:schemeClr val="lt1"/>
+    </dgm:linClrLst>
+    <dgm:effectClrLst/>
+    <dgm:txLinClrLst/>
+    <dgm:txFillClrLst meth="repeat">
+      <a:schemeClr val="lt1"/>
+    </dgm:txFillClrLst>
+    <dgm:txEffectClrLst/>
+  </dgm:styleLbl>
+  <dgm:styleLbl name="sibTrans2D1">
+    <dgm:fillClrLst meth="repeat">
+      <a:schemeClr val="accent1">
+        <a:tint val="60000"/>
+      </a:schemeClr>
+    </dgm:fillClrLst>
+    <dgm:linClrLst meth="repeat">
+      <a:schemeClr val="accent1">
+        <a:tint val="60000"/>
+      </a:schemeClr>
+    </dgm:linClrLst>
+    <dgm:effectClrLst/>
+    <dgm:txLinClrLst/>
+    <dgm:txFillClrLst/>
+    <dgm:txEffectClrLst/>
+  </dgm:styleLbl>
+  <dgm:styleLbl name="fgSibTrans2D1">
+    <dgm:fillClrLst meth="repeat">
+      <a:schemeClr val="accent1">
+        <a:tint val="60000"/>
+      </a:schemeClr>
+    </dgm:fillClrLst>
+    <dgm:linClrLst meth="repeat">
+      <a:schemeClr val="accent1">
+        <a:tint val="60000"/>
+      </a:schemeClr>
+    </dgm:linClrLst>
+    <dgm:effectClrLst/>
+    <dgm:txLinClrLst/>
+    <dgm:txFillClrLst/>
+    <dgm:txEffectClrLst/>
+  </dgm:styleLbl>
+  <dgm:styleLbl name="bgSibTrans2D1">
+    <dgm:fillClrLst meth="repeat">
+      <a:schemeClr val="accent1">
+        <a:tint val="60000"/>
+      </a:schemeClr>
+    </dgm:fillClrLst>
+    <dgm:linClrLst meth="repeat">
+      <a:schemeClr val="accent1">
+        <a:tint val="60000"/>
+      </a:schemeClr>
+    </dgm:linClrLst>
+    <dgm:effectClrLst/>
+    <dgm:txLinClrLst/>
+    <dgm:txFillClrLst/>
+    <dgm:txEffectClrLst/>
+  </dgm:styleLbl>
+  <dgm:styleLbl name="sibTrans1D1">
+    <dgm:fillClrLst meth="repeat">
+      <a:schemeClr val="accent1"/>
+    </dgm:fillClrLst>
+    <dgm:linClrLst meth="repeat">
+      <a:schemeClr val="accent1"/>
+    </dgm:linClrLst>
+    <dgm:effectClrLst/>
+    <dgm:txLinClrLst/>
+    <dgm:txFillClrLst meth="repeat">
+      <a:schemeClr val="tx1"/>
+    </dgm:txFillClrLst>
+    <dgm:txEffectClrLst/>
+  </dgm:styleLbl>
+  <dgm:styleLbl name="callout">
+    <dgm:fillClrLst meth="repeat">
+      <a:schemeClr val="accent1"/>
+    </dgm:fillClrLst>
+    <dgm:linClrLst meth="repeat">
+      <a:schemeClr val="accent1">
+        <a:tint val="50000"/>
+      </a:schemeClr>
+    </dgm:linClrLst>
+    <dgm:effectClrLst/>
+    <dgm:txLinClrLst/>
+    <dgm:txFillClrLst meth="repeat">
+      <a:schemeClr val="tx1"/>
+    </dgm:txFillClrLst>
+    <dgm:txEffectClrLst/>
+  </dgm:styleLbl>
+  <dgm:styleLbl name="asst0">
+    <dgm:fillClrLst meth="repeat">
+      <a:schemeClr val="accent1"/>
+    </dgm:fillClrLst>
+    <dgm:linClrLst meth="repeat">
+      <a:schemeClr val="lt1"/>
+    </dgm:linClrLst>
+    <dgm:effectClrLst/>
+    <dgm:txLinClrLst/>
+    <dgm:txFillClrLst/>
+    <dgm:txEffectClrLst/>
+  </dgm:styleLbl>
+  <dgm:styleLbl name="asst1">
+    <dgm:fillClrLst meth="repeat">
+      <a:schemeClr val="accent1"/>
+    </dgm:fillClrLst>
+    <dgm:linClrLst meth="repeat">
+      <a:schemeClr val="lt1"/>
+    </dgm:linClrLst>
+    <dgm:effectClrLst/>
+    <dgm:txLinClrLst/>
+    <dgm:txFillClrLst/>
+    <dgm:txEffectClrLst/>
+  </dgm:styleLbl>
+  <dgm:styleLbl name="asst2">
+    <dgm:fillClrLst meth="repeat">
+      <a:schemeClr val="accent1"/>
+    </dgm:fillClrLst>
+    <dgm:linClrLst meth="repeat">
+      <a:schemeClr val="lt1"/>
+    </dgm:linClrLst>
+    <dgm:effectClrLst/>
+    <dgm:txLinClrLst/>
+    <dgm:txFillClrLst/>
+    <dgm:txEffectClrLst/>
+  </dgm:styleLbl>
+  <dgm:styleLbl name="asst3">
+    <dgm:fillClrLst meth="repeat">
+      <a:schemeClr val="accent1"/>
+    </dgm:fillClrLst>
+    <dgm:linClrLst meth="repeat">
+      <a:schemeClr val="lt1"/>
+    </dgm:linClrLst>
+    <dgm:effectClrLst/>
+    <dgm:txLinClrLst/>
+    <dgm:txFillClrLst/>
+    <dgm:txEffectClrLst/>
+  </dgm:styleLbl>
+  <dgm:styleLbl name="asst4">
+    <dgm:fillClrLst meth="repeat">
+      <a:schemeClr val="accent1"/>
+    </dgm:fillClrLst>
+    <dgm:linClrLst meth="repeat">
+      <a:schemeClr val="lt1"/>
+    </dgm:linClrLst>
+    <dgm:effectClrLst/>
+    <dgm:txLinClrLst/>
+    <dgm:txFillClrLst/>
+    <dgm:txEffectClrLst/>
+  </dgm:styleLbl>
+  <dgm:styleLbl name="parChTrans2D1">
+    <dgm:fillClrLst meth="repeat">
+      <a:schemeClr val="accent1">
+        <a:tint val="60000"/>
+      </a:schemeClr>
+    </dgm:fillClrLst>
+    <dgm:linClrLst meth="repeat">
+      <a:schemeClr val="accent1">
+        <a:tint val="60000"/>
+      </a:schemeClr>
+    </dgm:linClrLst>
+    <dgm:effectClrLst/>
+    <dgm:txLinClrLst/>
+    <dgm:txFillClrLst meth="repeat">
+      <a:schemeClr val="lt1"/>
+    </dgm:txFillClrLst>
+    <dgm:txEffectClrLst/>
+  </dgm:styleLbl>
+  <dgm:styleLbl name="parChTrans2D2">
+    <dgm:fillClrLst meth="repeat">
+      <a:schemeClr val="accent1"/>
+    </dgm:fillClrLst>
+    <dgm:linClrLst meth="repeat">
+      <a:schemeClr val="accent1"/>
+    </dgm:linClrLst>
+    <dgm:effectClrLst/>
+    <dgm:txLinClrLst/>
+    <dgm:txFillClrLst meth="repeat">
+      <a:schemeClr val="lt1"/>
+    </dgm:txFillClrLst>
+    <dgm:txEffectClrLst/>
+  </dgm:styleLbl>
+  <dgm:styleLbl name="parChTrans2D3">
+    <dgm:fillClrLst meth="repeat">
+      <a:schemeClr val="accent1"/>
+    </dgm:fillClrLst>
+    <dgm:linClrLst meth="repeat">
+      <a:schemeClr val="accent1"/>
+    </dgm:linClrLst>
+    <dgm:effectClrLst/>
+    <dgm:txLinClrLst/>
+    <dgm:txFillClrLst meth="repeat">
+      <a:schemeClr val="lt1"/>
+    </dgm:txFillClrLst>
+    <dgm:txEffectClrLst/>
+  </dgm:styleLbl>
+  <dgm:styleLbl name="parChTrans2D4">
+    <dgm:fillClrLst meth="repeat">
+      <a:schemeClr val="accent1"/>
+    </dgm:fillClrLst>
+    <dgm:linClrLst meth="repeat">
+      <a:schemeClr val="accent1"/>
+    </dgm:linClrLst>
+    <dgm:effectClrLst/>
+    <dgm:txLinClrLst/>
+    <dgm:txFillClrLst meth="repeat">
+      <a:schemeClr val="lt1"/>
+    </dgm:txFillClrLst>
+    <dgm:txEffectClrLst/>
+  </dgm:styleLbl>
+  <dgm:styleLbl name="parChTrans1D1">
+    <dgm:fillClrLst meth="repeat">
+      <a:schemeClr val="accent1"/>
+    </dgm:fillClrLst>
+    <dgm:linClrLst meth="repeat">
+      <a:schemeClr val="accent1">
+        <a:shade val="60000"/>
+      </a:schemeClr>
+    </dgm:linClrLst>
+    <dgm:effectClrLst/>
+    <dgm:txLinClrLst/>
+    <dgm:txFillClrLst meth="repeat">
+      <a:schemeClr val="tx1"/>
+    </dgm:txFillClrLst>
+    <dgm:txEffectClrLst/>
+  </dgm:styleLbl>
+  <dgm:styleLbl name="parChTrans1D2">
+    <dgm:fillClrLst meth="repeat">
+      <a:schemeClr val="accent1"/>
+    </dgm:fillClrLst>
+    <dgm:linClrLst meth="repeat">
+      <a:schemeClr val="accent1">
+        <a:shade val="60000"/>
+      </a:schemeClr>
+    </dgm:linClrLst>
+    <dgm:effectClrLst/>
+    <dgm:txLinClrLst/>
+    <dgm:txFillClrLst meth="repeat">
+      <a:schemeClr val="tx1"/>
+    </dgm:txFillClrLst>
+    <dgm:txEffectClrLst/>
+  </dgm:styleLbl>
+  <dgm:styleLbl name="parChTrans1D3">
+    <dgm:fillClrLst meth="repeat">
+      <a:schemeClr val="accent1"/>
+    </dgm:fillClrLst>
+    <dgm:linClrLst meth="repeat">
+      <a:schemeClr val="accent1">
+        <a:shade val="80000"/>
+      </a:schemeClr>
+    </dgm:linClrLst>
+    <dgm:effectClrLst/>
+    <dgm:txLinClrLst/>
+    <dgm:txFillClrLst meth="repeat">
+      <a:schemeClr val="tx1"/>
+    </dgm:txFillClrLst>
+    <dgm:txEffectClrLst/>
+  </dgm:styleLbl>
+  <dgm:styleLbl name="parChTrans1D4">
+    <dgm:fillClrLst meth="repeat">
+      <a:schemeClr val="accent1"/>
+    </dgm:fillClrLst>
+    <dgm:linClrLst meth="repeat">
+      <a:schemeClr val="accent1">
+        <a:shade val="80000"/>
+      </a:schemeClr>
+    </dgm:linClrLst>
+    <dgm:effectClrLst/>
+    <dgm:txLinClrLst/>
+    <dgm:txFillClrLst meth="repeat">
+      <a:schemeClr val="tx1"/>
+    </dgm:txFillClrLst>
+    <dgm:txEffectClrLst/>
+  </dgm:styleLbl>
+  <dgm:styleLbl name="fgAcc1">
+    <dgm:fillClrLst meth="repeat">
+      <a:schemeClr val="lt1">
+        <a:alpha val="90000"/>
+      </a:schemeClr>
+    </dgm:fillClrLst>
+    <dgm:linClrLst meth="repeat">
+      <a:schemeClr val="accent1"/>
+    </dgm:linClrLst>
+    <dgm:effectClrLst/>
+    <dgm:txLinClrLst/>
+    <dgm:txFillClrLst meth="repeat">
+      <a:schemeClr val="dk1"/>
+    </dgm:txFillClrLst>
+    <dgm:txEffectClrLst/>
+  </dgm:styleLbl>
+  <dgm:styleLbl name="conFgAcc1">
+    <dgm:fillClrLst meth="repeat">
+      <a:schemeClr val="lt1">
+        <a:alpha val="90000"/>
+      </a:schemeClr>
+    </dgm:fillClrLst>
+    <dgm:linClrLst meth="repeat">
+      <a:schemeClr val="accent1"/>
+    </dgm:linClrLst>
+    <dgm:effectClrLst/>
+    <dgm:txLinClrLst/>
+    <dgm:txFillClrLst meth="repeat">
+      <a:schemeClr val="dk1"/>
+    </dgm:txFillClrLst>
+    <dgm:txEffectClrLst/>
+  </dgm:styleLbl>
+  <dgm:styleLbl name="alignAcc1">
+    <dgm:fillClrLst meth="repeat">
+      <a:schemeClr val="lt1">
+        <a:alpha val="90000"/>
+      </a:schemeClr>
+    </dgm:fillClrLst>
+    <dgm:linClrLst meth="repeat">
+      <a:schemeClr val="accent1"/>
+    </dgm:linClrLst>
+    <dgm:effectClrLst/>
+    <dgm:txLinClrLst/>
+    <dgm:txFillClrLst meth="repeat">
+      <a:schemeClr val="dk1"/>
+    </dgm:txFillClrLst>
+    <dgm:txEffectClrLst/>
+  </dgm:styleLbl>
+  <dgm:styleLbl name="trAlignAcc1">
+    <dgm:fillClrLst meth="repeat">
+      <a:schemeClr val="lt1">
+        <a:alpha val="40000"/>
+      </a:schemeClr>
+    </dgm:fillClrLst>
+    <dgm:linClrLst meth="repeat">
+      <a:schemeClr val="accent1"/>
+    </dgm:linClrLst>
+    <dgm:effectClrLst/>
+    <dgm:txLinClrLst/>
+    <dgm:txFillClrLst meth="repeat">
+      <a:schemeClr val="dk1"/>
+    </dgm:txFillClrLst>
+    <dgm:txEffectClrLst/>
+  </dgm:styleLbl>
+  <dgm:styleLbl name="bgAcc1">
+    <dgm:fillClrLst meth="repeat">
+      <a:schemeClr val="lt1">
+        <a:alpha val="90000"/>
+      </a:schemeClr>
+    </dgm:fillClrLst>
+    <dgm:linClrLst meth="repeat">
+      <a:schemeClr val="accent1"/>
+    </dgm:linClrLst>
+    <dgm:effectClrLst/>
+    <dgm:txLinClrLst/>
+    <dgm:txFillClrLst meth="repeat">
+      <a:schemeClr val="dk1"/>
+    </dgm:txFillClrLst>
+    <dgm:txEffectClrLst/>
+  </dgm:styleLbl>
+  <dgm:styleLbl name="solidFgAcc1">
+    <dgm:fillClrLst meth="repeat">
+      <a:schemeClr val="lt1"/>
+    </dgm:fillClrLst>
+    <dgm:linClrLst meth="repeat">
+      <a:schemeClr val="accent1"/>
+    </dgm:linClrLst>
+    <dgm:effectClrLst/>
+    <dgm:txLinClrLst/>
+    <dgm:txFillClrLst meth="repeat">
+      <a:schemeClr val="dk1"/>
+    </dgm:txFillClrLst>
+    <dgm:txEffectClrLst/>
+  </dgm:styleLbl>
+  <dgm:styleLbl name="solidAlignAcc1">
+    <dgm:fillClrLst meth="repeat">
+      <a:schemeClr val="lt1"/>
+    </dgm:fillClrLst>
+    <dgm:linClrLst meth="repeat">
+      <a:schemeClr val="accent1"/>
+    </dgm:linClrLst>
+    <dgm:effectClrLst/>
+    <dgm:txLinClrLst/>
+    <dgm:txFillClrLst meth="repeat">
+      <a:schemeClr val="dk1"/>
+    </dgm:txFillClrLst>
+    <dgm:txEffectClrLst/>
+  </dgm:styleLbl>
+  <dgm:styleLbl name="solidBgAcc1">
+    <dgm:fillClrLst meth="repeat">
+      <a:schemeClr val="lt1"/>
+    </dgm:fillClrLst>
+    <dgm:linClrLst meth="repeat">
+      <a:schemeClr val="accent1"/>
+    </dgm:linClrLst>
+    <dgm:effectClrLst/>
+    <dgm:txLinClrLst/>
+    <dgm:txFillClrLst meth="repeat">
+      <a:schemeClr val="dk1"/>
+    </dgm:txFillClrLst>
+    <dgm:txEffectClrLst/>
+  </dgm:styleLbl>
+  <dgm:styleLbl name="fgAccFollowNode1">
+    <dgm:fillClrLst meth="repeat">
+      <a:schemeClr val="accent1">
+        <a:alpha val="90000"/>
+        <a:tint val="40000"/>
+      </a:schemeClr>
+    </dgm:fillClrLst>
+    <dgm:linClrLst meth="repeat">
+      <a:schemeClr val="accent1">
+        <a:alpha val="90000"/>
+        <a:tint val="40000"/>
+      </a:schemeClr>
+    </dgm:linClrLst>
+    <dgm:effectClrLst/>
+    <dgm:txLinClrLst/>
+    <dgm:txFillClrLst meth="repeat">
+      <a:schemeClr val="dk1"/>
+    </dgm:txFillClrLst>
+    <dgm:txEffectClrLst/>
+  </dgm:styleLbl>
+  <dgm:styleLbl name="alignAccFollowNode1">
+    <dgm:fillClrLst meth="repeat">
+      <a:schemeClr val="accent1">
+        <a:alpha val="90000"/>
+        <a:tint val="40000"/>
+      </a:schemeClr>
+    </dgm:fillClrLst>
+    <dgm:linClrLst meth="repeat">
+      <a:schemeClr val="accent1">
+        <a:alpha val="90000"/>
+        <a:tint val="40000"/>
+      </a:schemeClr>
+    </dgm:linClrLst>
+    <dgm:effectClrLst/>
+    <dgm:txLinClrLst/>
+    <dgm:txFillClrLst meth="repeat">
+      <a:schemeClr val="dk1"/>
+    </dgm:txFillClrLst>
+    <dgm:txEffectClrLst/>
+  </dgm:styleLbl>
+  <dgm:styleLbl name="bgAccFollowNode1">
+    <dgm:fillClrLst meth="repeat">
+      <a:schemeClr val="accent1">
+        <a:alpha val="90000"/>
+        <a:tint val="40000"/>
+      </a:schemeClr>
+    </dgm:fillClrLst>
+    <dgm:linClrLst meth="repeat">
+      <a:schemeClr val="accent1">
+        <a:alpha val="90000"/>
+        <a:tint val="40000"/>
+      </a:schemeClr>
+    </dgm:linClrLst>
+    <dgm:effectClrLst/>
+    <dgm:txLinClrLst/>
+    <dgm:txFillClrLst meth="repeat">
+      <a:schemeClr val="dk1"/>
+    </dgm:txFillClrLst>
+    <dgm:txEffectClrLst/>
+  </dgm:styleLbl>
+  <dgm:styleLbl name="fgAcc0">
+    <dgm:fillClrLst meth="repeat">
+      <a:schemeClr val="lt1">
+        <a:alpha val="90000"/>
+      </a:schemeClr>
+    </dgm:fillClrLst>
+    <dgm:linClrLst meth="repeat">
+      <a:schemeClr val="accent1"/>
+    </dgm:linClrLst>
+    <dgm:effectClrLst/>
+    <dgm:txLinClrLst/>
+    <dgm:txFillClrLst meth="repeat">
+      <a:schemeClr val="dk1"/>
+    </dgm:txFillClrLst>
+    <dgm:txEffectClrLst/>
+  </dgm:styleLbl>
+  <dgm:styleLbl name="fgAcc2">
+    <dgm:fillClrLst meth="repeat">
+      <a:schemeClr val="lt1">
+        <a:alpha val="90000"/>
+      </a:schemeClr>
+    </dgm:fillClrLst>
+    <dgm:linClrLst meth="repeat">
+      <a:schemeClr val="accent1"/>
+    </dgm:linClrLst>
+    <dgm:effectClrLst/>
+    <dgm:txLinClrLst/>
+    <dgm:txFillClrLst meth="repeat">
+      <a:schemeClr val="dk1"/>
+    </dgm:txFillClrLst>
+    <dgm:txEffectClrLst/>
+  </dgm:styleLbl>
+  <dgm:styleLbl name="fgAcc3">
+    <dgm:fillClrLst meth="repeat">
+      <a:schemeClr val="lt1">
+        <a:alpha val="90000"/>
+      </a:schemeClr>
+    </dgm:fillClrLst>
+    <dgm:linClrLst meth="repeat">
+      <a:schemeClr val="accent1"/>
+    </dgm:linClrLst>
+    <dgm:effectClrLst/>
+    <dgm:txLinClrLst/>
+    <dgm:txFillClrLst meth="repeat">
+      <a:schemeClr val="dk1"/>
+    </dgm:txFillClrLst>
+    <dgm:txEffectClrLst/>
+  </dgm:styleLbl>
+  <dgm:styleLbl name="fgAcc4">
+    <dgm:fillClrLst meth="repeat">
+      <a:schemeClr val="lt1">
+        <a:alpha val="90000"/>
+      </a:schemeClr>
+    </dgm:fillClrLst>
+    <dgm:linClrLst meth="repeat">
+      <a:schemeClr val="accent1"/>
+    </dgm:linClrLst>
+    <dgm:effectClrLst/>
+    <dgm:txLinClrLst/>
+    <dgm:txFillClrLst meth="repeat">
+      <a:schemeClr val="dk1"/>
+    </dgm:txFillClrLst>
+    <dgm:txEffectClrLst/>
+  </dgm:styleLbl>
+  <dgm:styleLbl name="bgShp">
+    <dgm:fillClrLst meth="repeat">
+      <a:schemeClr val="accent1">
+        <a:tint val="40000"/>
+      </a:schemeClr>
+    </dgm:fillClrLst>
+    <dgm:linClrLst meth="repeat">
+      <a:schemeClr val="accent1"/>
+    </dgm:linClrLst>
+    <dgm:effectClrLst/>
+    <dgm:txLinClrLst/>
+    <dgm:txFillClrLst meth="repeat">
+      <a:schemeClr val="dk1"/>
+    </dgm:txFillClrLst>
+    <dgm:txEffectClrLst/>
+  </dgm:styleLbl>
+  <dgm:styleLbl name="dkBgShp">
+    <dgm:fillClrLst meth="repeat">
+      <a:schemeClr val="accent1">
+        <a:shade val="80000"/>
+      </a:schemeClr>
+    </dgm:fillClrLst>
+    <dgm:linClrLst meth="repeat">
+      <a:schemeClr val="accent1"/>
+    </dgm:linClrLst>
+    <dgm:effectClrLst/>
+    <dgm:txLinClrLst/>
+    <dgm:txFillClrLst meth="repeat">
+      <a:schemeClr val="lt1"/>
+    </dgm:txFillClrLst>
+    <dgm:txEffectClrLst/>
+  </dgm:styleLbl>
+  <dgm:styleLbl name="trBgShp">
+    <dgm:fillClrLst meth="repeat">
+      <a:schemeClr val="accent1">
+        <a:tint val="50000"/>
+        <a:alpha val="40000"/>
+      </a:schemeClr>
+    </dgm:fillClrLst>
+    <dgm:linClrLst meth="repeat">
+      <a:schemeClr val="accent1"/>
+    </dgm:linClrLst>
+    <dgm:effectClrLst/>
+    <dgm:txLinClrLst/>
+    <dgm:txFillClrLst meth="repeat">
+      <a:schemeClr val="lt1"/>
+    </dgm:txFillClrLst>
+    <dgm:txEffectClrLst/>
+  </dgm:styleLbl>
+  <dgm:styleLbl name="fgShp">
+    <dgm:fillClrLst meth="repeat">
+      <a:schemeClr val="accent1">
+        <a:tint val="60000"/>
+      </a:schemeClr>
+    </dgm:fillClrLst>
+    <dgm:linClrLst meth="repeat">
+      <a:schemeClr val="lt1"/>
+    </dgm:linClrLst>
+    <dgm:effectClrLst/>
+    <dgm:txLinClrLst/>
+    <dgm:txFillClrLst meth="repeat">
+      <a:schemeClr val="dk1"/>
+    </dgm:txFillClrLst>
+    <dgm:txEffectClrLst/>
+  </dgm:styleLbl>
+  <dgm:styleLbl name="revTx">
+    <dgm:fillClrLst meth="repeat">
+      <a:schemeClr val="lt1">
+        <a:alpha val="0"/>
+      </a:schemeClr>
+    </dgm:fillClrLst>
+    <dgm:linClrLst meth="repeat">
+      <a:schemeClr val="dk1">
+        <a:alpha val="0"/>
+      </a:schemeClr>
+    </dgm:linClrLst>
+    <dgm:effectClrLst/>
+    <dgm:txLinClrLst/>
+    <dgm:txFillClrLst meth="repeat">
+      <a:schemeClr val="tx1"/>
+    </dgm:txFillClrLst>
+    <dgm:txEffectClrLst/>
+  </dgm:styleLbl>
+</dgm:colorsDef>
+</file>
+
 <file path=ppt/diagrams/data1.xml><?xml version="1.0" encoding="utf-8"?>
+<dgm:dataModel xmlns:dgm="http://schemas.openxmlformats.org/drawingml/2006/diagram" xmlns:a="http://schemas.openxmlformats.org/drawingml/2006/main">
+  <dgm:ptLst>
+    <dgm:pt modelId="{8C40BFBB-F052-41B1-9C03-4582C5905D6D}" type="doc">
+      <dgm:prSet loTypeId="urn:microsoft.com/office/officeart/2018/2/layout/IconVerticalSolidList" loCatId="icon" qsTypeId="urn:microsoft.com/office/officeart/2005/8/quickstyle/simple1" qsCatId="simple" csTypeId="urn:microsoft.com/office/officeart/2005/8/colors/accent1_2" csCatId="accent1" phldr="1"/>
+      <dgm:spPr/>
+      <dgm:t>
+        <a:bodyPr/>
+        <a:lstStyle/>
+        <a:p>
+          <a:endParaRPr lang="en-US"/>
+        </a:p>
+      </dgm:t>
+    </dgm:pt>
+    <dgm:pt modelId="{EF04503E-A61A-4C8F-BA97-3E00B3F87F4A}">
+      <dgm:prSet/>
+      <dgm:spPr/>
+      <dgm:t>
+        <a:bodyPr/>
+        <a:lstStyle/>
+        <a:p>
+          <a:r>
+            <a:rPr lang="en-US"/>
+            <a:t>Project goal tied to Company Vision</a:t>
+          </a:r>
+        </a:p>
+      </dgm:t>
+    </dgm:pt>
+    <dgm:pt modelId="{8F84F401-C7D1-4A15-B3B5-9D1BF15BC40C}" type="parTrans" cxnId="{30B04F97-9280-424A-AC3F-9D2FA177FF84}">
+      <dgm:prSet/>
+      <dgm:spPr/>
+      <dgm:t>
+        <a:bodyPr/>
+        <a:lstStyle/>
+        <a:p>
+          <a:endParaRPr lang="en-US"/>
+        </a:p>
+      </dgm:t>
+    </dgm:pt>
+    <dgm:pt modelId="{B14FC427-3F69-4840-862D-D4F160612E17}" type="sibTrans" cxnId="{30B04F97-9280-424A-AC3F-9D2FA177FF84}">
+      <dgm:prSet/>
+      <dgm:spPr/>
+      <dgm:t>
+        <a:bodyPr/>
+        <a:lstStyle/>
+        <a:p>
+          <a:endParaRPr lang="en-US"/>
+        </a:p>
+      </dgm:t>
+    </dgm:pt>
+    <dgm:pt modelId="{B8FAADC1-640F-4388-B5FB-96980DEB5DD4}">
+      <dgm:prSet/>
+      <dgm:spPr/>
+      <dgm:t>
+        <a:bodyPr/>
+        <a:lstStyle/>
+        <a:p>
+          <a:r>
+            <a:rPr lang="en-US"/>
+            <a:t>Value Proposition</a:t>
+          </a:r>
+        </a:p>
+      </dgm:t>
+    </dgm:pt>
+    <dgm:pt modelId="{1FDF0CF4-7E08-49DE-ABEB-E377EA8868B7}" type="parTrans" cxnId="{3E2BCF6B-9388-41F6-A6E5-23FD956FD10A}">
+      <dgm:prSet/>
+      <dgm:spPr/>
+      <dgm:t>
+        <a:bodyPr/>
+        <a:lstStyle/>
+        <a:p>
+          <a:endParaRPr lang="en-US"/>
+        </a:p>
+      </dgm:t>
+    </dgm:pt>
+    <dgm:pt modelId="{B1531B58-50E0-42F6-B48D-C4AA7F6F432F}" type="sibTrans" cxnId="{3E2BCF6B-9388-41F6-A6E5-23FD956FD10A}">
+      <dgm:prSet/>
+      <dgm:spPr/>
+      <dgm:t>
+        <a:bodyPr/>
+        <a:lstStyle/>
+        <a:p>
+          <a:endParaRPr lang="en-US"/>
+        </a:p>
+      </dgm:t>
+    </dgm:pt>
+    <dgm:pt modelId="{F1C30C8D-0347-4F37-A48C-D6B4CE241503}">
+      <dgm:prSet/>
+      <dgm:spPr/>
+      <dgm:t>
+        <a:bodyPr/>
+        <a:lstStyle/>
+        <a:p>
+          <a:r>
+            <a:rPr lang="en-US"/>
+            <a:t>Project Scope: Timeline</a:t>
+          </a:r>
+        </a:p>
+      </dgm:t>
+    </dgm:pt>
+    <dgm:pt modelId="{E4A14D3B-044E-41D6-B39E-173E0DCEE49E}" type="parTrans" cxnId="{B1F7D12C-1A5F-453B-9799-5A0A80E3495B}">
+      <dgm:prSet/>
+      <dgm:spPr/>
+      <dgm:t>
+        <a:bodyPr/>
+        <a:lstStyle/>
+        <a:p>
+          <a:endParaRPr lang="en-US"/>
+        </a:p>
+      </dgm:t>
+    </dgm:pt>
+    <dgm:pt modelId="{7825C307-7F91-4896-99EE-D33053066310}" type="sibTrans" cxnId="{B1F7D12C-1A5F-453B-9799-5A0A80E3495B}">
+      <dgm:prSet/>
+      <dgm:spPr/>
+      <dgm:t>
+        <a:bodyPr/>
+        <a:lstStyle/>
+        <a:p>
+          <a:endParaRPr lang="en-US"/>
+        </a:p>
+      </dgm:t>
+    </dgm:pt>
+    <dgm:pt modelId="{1B46159E-4146-4AB0-B8AF-FBE3DAC21D05}">
+      <dgm:prSet/>
+      <dgm:spPr/>
+      <dgm:t>
+        <a:bodyPr/>
+        <a:lstStyle/>
+        <a:p>
+          <a:r>
+            <a:rPr lang="en-US"/>
+            <a:t>Project Cost: Financial, Technical. Legal and Ethical compliance</a:t>
+          </a:r>
+        </a:p>
+      </dgm:t>
+    </dgm:pt>
+    <dgm:pt modelId="{1E370C65-56F3-40E4-96F9-21BBF6D8AA3B}" type="parTrans" cxnId="{37B8F4E5-101E-42F0-9432-C9CB6B20B665}">
+      <dgm:prSet/>
+      <dgm:spPr/>
+      <dgm:t>
+        <a:bodyPr/>
+        <a:lstStyle/>
+        <a:p>
+          <a:endParaRPr lang="en-US"/>
+        </a:p>
+      </dgm:t>
+    </dgm:pt>
+    <dgm:pt modelId="{7FD01955-7B31-4825-AD48-96245B10D4C3}" type="sibTrans" cxnId="{37B8F4E5-101E-42F0-9432-C9CB6B20B665}">
+      <dgm:prSet/>
+      <dgm:spPr/>
+      <dgm:t>
+        <a:bodyPr/>
+        <a:lstStyle/>
+        <a:p>
+          <a:endParaRPr lang="en-US"/>
+        </a:p>
+      </dgm:t>
+    </dgm:pt>
+    <dgm:pt modelId="{28B07F4A-575A-4E6A-929A-266F8FD39C38}">
+      <dgm:prSet/>
+      <dgm:spPr/>
+      <dgm:t>
+        <a:bodyPr/>
+        <a:lstStyle/>
+        <a:p>
+          <a:r>
+            <a:rPr lang="en-US"/>
+            <a:t>ROI</a:t>
+          </a:r>
+        </a:p>
+      </dgm:t>
+    </dgm:pt>
+    <dgm:pt modelId="{F186B604-D91B-49C8-A54B-5824E3EBADA5}" type="parTrans" cxnId="{320B4C4F-F01B-4242-BCE4-92DB55373256}">
+      <dgm:prSet/>
+      <dgm:spPr/>
+      <dgm:t>
+        <a:bodyPr/>
+        <a:lstStyle/>
+        <a:p>
+          <a:endParaRPr lang="en-US"/>
+        </a:p>
+      </dgm:t>
+    </dgm:pt>
+    <dgm:pt modelId="{05275D61-62BE-4DB6-A9AE-CBF18A14470B}" type="sibTrans" cxnId="{320B4C4F-F01B-4242-BCE4-92DB55373256}">
+      <dgm:prSet/>
+      <dgm:spPr/>
+      <dgm:t>
+        <a:bodyPr/>
+        <a:lstStyle/>
+        <a:p>
+          <a:endParaRPr lang="en-US"/>
+        </a:p>
+      </dgm:t>
+    </dgm:pt>
+    <dgm:pt modelId="{4C5B4C2B-6766-4138-9EE7-8E0196A1CB83}" type="pres">
+      <dgm:prSet presAssocID="{8C40BFBB-F052-41B1-9C03-4582C5905D6D}" presName="root" presStyleCnt="0">
+        <dgm:presLayoutVars>
+          <dgm:dir/>
+          <dgm:resizeHandles val="exact"/>
+        </dgm:presLayoutVars>
+      </dgm:prSet>
+      <dgm:spPr/>
+    </dgm:pt>
+    <dgm:pt modelId="{18C94557-D760-4E1E-A179-0FFAE36D0D23}" type="pres">
+      <dgm:prSet presAssocID="{EF04503E-A61A-4C8F-BA97-3E00B3F87F4A}" presName="compNode" presStyleCnt="0"/>
+      <dgm:spPr/>
+    </dgm:pt>
+    <dgm:pt modelId="{B4C9C033-549B-4B3D-929C-86A4B3D2DA2C}" type="pres">
+      <dgm:prSet presAssocID="{EF04503E-A61A-4C8F-BA97-3E00B3F87F4A}" presName="bgRect" presStyleLbl="bgShp" presStyleIdx="0" presStyleCnt="5"/>
+      <dgm:spPr/>
+    </dgm:pt>
+    <dgm:pt modelId="{09A02C42-D633-4BB9-AF07-EAFBFCB88728}" type="pres">
+      <dgm:prSet presAssocID="{EF04503E-A61A-4C8F-BA97-3E00B3F87F4A}" presName="iconRect" presStyleLbl="node1" presStyleIdx="0" presStyleCnt="5"/>
+      <dgm:spPr>
+        <a:blipFill>
+          <a:blip xmlns:r="http://schemas.openxmlformats.org/officeDocument/2006/relationships" r:embed="rId1">
+            <a:extLst>
+              <a:ext uri="{28A0092B-C50C-407E-A947-70E740481C1C}">
+                <a14:useLocalDpi xmlns:a14="http://schemas.microsoft.com/office/drawing/2010/main" val="0"/>
+              </a:ext>
+              <a:ext uri="{96DAC541-7B7A-43D3-8B79-37D633B846F1}">
+                <asvg:svgBlip xmlns:asvg="http://schemas.microsoft.com/office/drawing/2016/SVG/main" r:embed="rId2"/>
+              </a:ext>
+            </a:extLst>
+          </a:blip>
+          <a:stretch>
+            <a:fillRect/>
+          </a:stretch>
+        </a:blipFill>
+        <a:ln>
+          <a:noFill/>
+        </a:ln>
+      </dgm:spPr>
+      <dgm:extLst>
+        <a:ext uri="{E40237B7-FDA0-4F09-8148-C483321AD2D9}">
+          <dgm14:cNvPr xmlns:dgm14="http://schemas.microsoft.com/office/drawing/2010/diagram" id="0" name="" descr="Bullseye"/>
+        </a:ext>
+      </dgm:extLst>
+    </dgm:pt>
+    <dgm:pt modelId="{7997AEC4-A597-43FD-83F1-C12B2DAB09EC}" type="pres">
+      <dgm:prSet presAssocID="{EF04503E-A61A-4C8F-BA97-3E00B3F87F4A}" presName="spaceRect" presStyleCnt="0"/>
+      <dgm:spPr/>
+    </dgm:pt>
+    <dgm:pt modelId="{D6AA7D11-33DE-4E6F-9F8C-FDE8141FEAD5}" type="pres">
+      <dgm:prSet presAssocID="{EF04503E-A61A-4C8F-BA97-3E00B3F87F4A}" presName="parTx" presStyleLbl="revTx" presStyleIdx="0" presStyleCnt="5">
+        <dgm:presLayoutVars>
+          <dgm:chMax val="0"/>
+          <dgm:chPref val="0"/>
+        </dgm:presLayoutVars>
+      </dgm:prSet>
+      <dgm:spPr/>
+    </dgm:pt>
+    <dgm:pt modelId="{6CFE78C8-4DF9-4A96-A852-79BB7644ED2D}" type="pres">
+      <dgm:prSet presAssocID="{B14FC427-3F69-4840-862D-D4F160612E17}" presName="sibTrans" presStyleCnt="0"/>
+      <dgm:spPr/>
+    </dgm:pt>
+    <dgm:pt modelId="{AAC0B3F8-59F1-4771-ADE8-F9DDFF1F050B}" type="pres">
+      <dgm:prSet presAssocID="{B8FAADC1-640F-4388-B5FB-96980DEB5DD4}" presName="compNode" presStyleCnt="0"/>
+      <dgm:spPr/>
+    </dgm:pt>
+    <dgm:pt modelId="{44EA7E16-4E48-4527-8B3E-CD33866892F3}" type="pres">
+      <dgm:prSet presAssocID="{B8FAADC1-640F-4388-B5FB-96980DEB5DD4}" presName="bgRect" presStyleLbl="bgShp" presStyleIdx="1" presStyleCnt="5"/>
+      <dgm:spPr/>
+    </dgm:pt>
+    <dgm:pt modelId="{EE3FD82D-EABE-40ED-9DD3-C494FCB001B5}" type="pres">
+      <dgm:prSet presAssocID="{B8FAADC1-640F-4388-B5FB-96980DEB5DD4}" presName="iconRect" presStyleLbl="node1" presStyleIdx="1" presStyleCnt="5"/>
+      <dgm:spPr>
+        <a:blipFill>
+          <a:blip xmlns:r="http://schemas.openxmlformats.org/officeDocument/2006/relationships" r:embed="rId3">
+            <a:extLst>
+              <a:ext uri="{28A0092B-C50C-407E-A947-70E740481C1C}">
+                <a14:useLocalDpi xmlns:a14="http://schemas.microsoft.com/office/drawing/2010/main" val="0"/>
+              </a:ext>
+              <a:ext uri="{96DAC541-7B7A-43D3-8B79-37D633B846F1}">
+                <asvg:svgBlip xmlns:asvg="http://schemas.microsoft.com/office/drawing/2016/SVG/main" r:embed="rId4"/>
+              </a:ext>
+            </a:extLst>
+          </a:blip>
+          <a:stretch>
+            <a:fillRect/>
+          </a:stretch>
+        </a:blipFill>
+        <a:ln>
+          <a:noFill/>
+        </a:ln>
+      </dgm:spPr>
+      <dgm:extLst>
+        <a:ext uri="{E40237B7-FDA0-4F09-8148-C483321AD2D9}">
+          <dgm14:cNvPr xmlns:dgm14="http://schemas.microsoft.com/office/drawing/2010/diagram" id="0" name="" descr="Handshake"/>
+        </a:ext>
+      </dgm:extLst>
+    </dgm:pt>
+    <dgm:pt modelId="{DD4B926D-D2D2-41E3-AF68-6610214C915A}" type="pres">
+      <dgm:prSet presAssocID="{B8FAADC1-640F-4388-B5FB-96980DEB5DD4}" presName="spaceRect" presStyleCnt="0"/>
+      <dgm:spPr/>
+    </dgm:pt>
+    <dgm:pt modelId="{34A55657-61D8-4B72-9688-D0DC63D370B5}" type="pres">
+      <dgm:prSet presAssocID="{B8FAADC1-640F-4388-B5FB-96980DEB5DD4}" presName="parTx" presStyleLbl="revTx" presStyleIdx="1" presStyleCnt="5">
+        <dgm:presLayoutVars>
+          <dgm:chMax val="0"/>
+          <dgm:chPref val="0"/>
+        </dgm:presLayoutVars>
+      </dgm:prSet>
+      <dgm:spPr/>
+    </dgm:pt>
+    <dgm:pt modelId="{CDC2062C-5AF2-4349-8A62-0F43692A24FE}" type="pres">
+      <dgm:prSet presAssocID="{B1531B58-50E0-42F6-B48D-C4AA7F6F432F}" presName="sibTrans" presStyleCnt="0"/>
+      <dgm:spPr/>
+    </dgm:pt>
+    <dgm:pt modelId="{493BAA26-6600-4569-8250-FD5DA3FE077F}" type="pres">
+      <dgm:prSet presAssocID="{F1C30C8D-0347-4F37-A48C-D6B4CE241503}" presName="compNode" presStyleCnt="0"/>
+      <dgm:spPr/>
+    </dgm:pt>
+    <dgm:pt modelId="{E3550E14-23A0-449E-9E55-DC46E621F54E}" type="pres">
+      <dgm:prSet presAssocID="{F1C30C8D-0347-4F37-A48C-D6B4CE241503}" presName="bgRect" presStyleLbl="bgShp" presStyleIdx="2" presStyleCnt="5"/>
+      <dgm:spPr/>
+    </dgm:pt>
+    <dgm:pt modelId="{B517C48B-E41F-4A85-B28F-851BD051F4FE}" type="pres">
+      <dgm:prSet presAssocID="{F1C30C8D-0347-4F37-A48C-D6B4CE241503}" presName="iconRect" presStyleLbl="node1" presStyleIdx="2" presStyleCnt="5"/>
+      <dgm:spPr>
+        <a:blipFill>
+          <a:blip xmlns:r="http://schemas.openxmlformats.org/officeDocument/2006/relationships" r:embed="rId5">
+            <a:extLst>
+              <a:ext uri="{28A0092B-C50C-407E-A947-70E740481C1C}">
+                <a14:useLocalDpi xmlns:a14="http://schemas.microsoft.com/office/drawing/2010/main" val="0"/>
+              </a:ext>
+              <a:ext uri="{96DAC541-7B7A-43D3-8B79-37D633B846F1}">
+                <asvg:svgBlip xmlns:asvg="http://schemas.microsoft.com/office/drawing/2016/SVG/main" r:embed="rId6"/>
+              </a:ext>
+            </a:extLst>
+          </a:blip>
+          <a:stretch>
+            <a:fillRect/>
+          </a:stretch>
+        </a:blipFill>
+        <a:ln>
+          <a:noFill/>
+        </a:ln>
+      </dgm:spPr>
+      <dgm:extLst>
+        <a:ext uri="{E40237B7-FDA0-4F09-8148-C483321AD2D9}">
+          <dgm14:cNvPr xmlns:dgm14="http://schemas.microsoft.com/office/drawing/2010/diagram" id="0" name="" descr="Checkmark"/>
+        </a:ext>
+      </dgm:extLst>
+    </dgm:pt>
+    <dgm:pt modelId="{C72E4665-0607-4185-9CBD-DF7A9DBD419E}" type="pres">
+      <dgm:prSet presAssocID="{F1C30C8D-0347-4F37-A48C-D6B4CE241503}" presName="spaceRect" presStyleCnt="0"/>
+      <dgm:spPr/>
+    </dgm:pt>
+    <dgm:pt modelId="{E14F366B-040E-4850-B4A0-25AD541D2AC1}" type="pres">
+      <dgm:prSet presAssocID="{F1C30C8D-0347-4F37-A48C-D6B4CE241503}" presName="parTx" presStyleLbl="revTx" presStyleIdx="2" presStyleCnt="5">
+        <dgm:presLayoutVars>
+          <dgm:chMax val="0"/>
+          <dgm:chPref val="0"/>
+        </dgm:presLayoutVars>
+      </dgm:prSet>
+      <dgm:spPr/>
+    </dgm:pt>
+    <dgm:pt modelId="{246968F7-02C7-45C3-97B9-18E5C1CE402B}" type="pres">
+      <dgm:prSet presAssocID="{7825C307-7F91-4896-99EE-D33053066310}" presName="sibTrans" presStyleCnt="0"/>
+      <dgm:spPr/>
+    </dgm:pt>
+    <dgm:pt modelId="{97C0976E-ED41-479F-B79A-B5F31D9BEFBC}" type="pres">
+      <dgm:prSet presAssocID="{1B46159E-4146-4AB0-B8AF-FBE3DAC21D05}" presName="compNode" presStyleCnt="0"/>
+      <dgm:spPr/>
+    </dgm:pt>
+    <dgm:pt modelId="{136124B6-06FB-4E3F-B7D6-52EA998A97A9}" type="pres">
+      <dgm:prSet presAssocID="{1B46159E-4146-4AB0-B8AF-FBE3DAC21D05}" presName="bgRect" presStyleLbl="bgShp" presStyleIdx="3" presStyleCnt="5"/>
+      <dgm:spPr/>
+    </dgm:pt>
+    <dgm:pt modelId="{6DB9F6C9-9C5B-47AB-A9E9-CA94ECA43585}" type="pres">
+      <dgm:prSet presAssocID="{1B46159E-4146-4AB0-B8AF-FBE3DAC21D05}" presName="iconRect" presStyleLbl="node1" presStyleIdx="3" presStyleCnt="5"/>
+      <dgm:spPr>
+        <a:blipFill>
+          <a:blip xmlns:r="http://schemas.openxmlformats.org/officeDocument/2006/relationships" r:embed="rId7">
+            <a:extLst>
+              <a:ext uri="{28A0092B-C50C-407E-A947-70E740481C1C}">
+                <a14:useLocalDpi xmlns:a14="http://schemas.microsoft.com/office/drawing/2010/main" val="0"/>
+              </a:ext>
+              <a:ext uri="{96DAC541-7B7A-43D3-8B79-37D633B846F1}">
+                <asvg:svgBlip xmlns:asvg="http://schemas.microsoft.com/office/drawing/2016/SVG/main" r:embed="rId8"/>
+              </a:ext>
+            </a:extLst>
+          </a:blip>
+          <a:stretch>
+            <a:fillRect/>
+          </a:stretch>
+        </a:blipFill>
+        <a:ln>
+          <a:noFill/>
+        </a:ln>
+      </dgm:spPr>
+      <dgm:extLst>
+        <a:ext uri="{E40237B7-FDA0-4F09-8148-C483321AD2D9}">
+          <dgm14:cNvPr xmlns:dgm14="http://schemas.microsoft.com/office/drawing/2010/diagram" id="0" name="" descr="Scales of Justice"/>
+        </a:ext>
+      </dgm:extLst>
+    </dgm:pt>
+    <dgm:pt modelId="{A4DB964F-83D8-4AEE-A62F-E70B8B6D23F3}" type="pres">
+      <dgm:prSet presAssocID="{1B46159E-4146-4AB0-B8AF-FBE3DAC21D05}" presName="spaceRect" presStyleCnt="0"/>
+      <dgm:spPr/>
+    </dgm:pt>
+    <dgm:pt modelId="{4550AECF-F2BE-4416-8B0E-C87B6DDD9955}" type="pres">
+      <dgm:prSet presAssocID="{1B46159E-4146-4AB0-B8AF-FBE3DAC21D05}" presName="parTx" presStyleLbl="revTx" presStyleIdx="3" presStyleCnt="5">
+        <dgm:presLayoutVars>
+          <dgm:chMax val="0"/>
+          <dgm:chPref val="0"/>
+        </dgm:presLayoutVars>
+      </dgm:prSet>
+      <dgm:spPr/>
+    </dgm:pt>
+    <dgm:pt modelId="{77439460-F3F3-401D-997C-E6A32DE864CF}" type="pres">
+      <dgm:prSet presAssocID="{7FD01955-7B31-4825-AD48-96245B10D4C3}" presName="sibTrans" presStyleCnt="0"/>
+      <dgm:spPr/>
+    </dgm:pt>
+    <dgm:pt modelId="{FC4217DA-A30B-4A9A-B103-6956A743CC1D}" type="pres">
+      <dgm:prSet presAssocID="{28B07F4A-575A-4E6A-929A-266F8FD39C38}" presName="compNode" presStyleCnt="0"/>
+      <dgm:spPr/>
+    </dgm:pt>
+    <dgm:pt modelId="{36F479B0-0D9A-45B0-A619-6503639ED3C7}" type="pres">
+      <dgm:prSet presAssocID="{28B07F4A-575A-4E6A-929A-266F8FD39C38}" presName="bgRect" presStyleLbl="bgShp" presStyleIdx="4" presStyleCnt="5"/>
+      <dgm:spPr/>
+    </dgm:pt>
+    <dgm:pt modelId="{2538D235-7861-4698-9FC3-4B445F4C6A2C}" type="pres">
+      <dgm:prSet presAssocID="{28B07F4A-575A-4E6A-929A-266F8FD39C38}" presName="iconRect" presStyleLbl="node1" presStyleIdx="4" presStyleCnt="5"/>
+      <dgm:spPr>
+        <a:blipFill>
+          <a:blip xmlns:r="http://schemas.openxmlformats.org/officeDocument/2006/relationships" r:embed="rId9">
+            <a:extLst>
+              <a:ext uri="{28A0092B-C50C-407E-A947-70E740481C1C}">
+                <a14:useLocalDpi xmlns:a14="http://schemas.microsoft.com/office/drawing/2010/main" val="0"/>
+              </a:ext>
+              <a:ext uri="{96DAC541-7B7A-43D3-8B79-37D633B846F1}">
+                <asvg:svgBlip xmlns:asvg="http://schemas.microsoft.com/office/drawing/2016/SVG/main" r:embed="rId10"/>
+              </a:ext>
+            </a:extLst>
+          </a:blip>
+          <a:stretch>
+            <a:fillRect/>
+          </a:stretch>
+        </a:blipFill>
+        <a:ln>
+          <a:noFill/>
+        </a:ln>
+      </dgm:spPr>
+      <dgm:extLst>
+        <a:ext uri="{E40237B7-FDA0-4F09-8148-C483321AD2D9}">
+          <dgm14:cNvPr xmlns:dgm14="http://schemas.microsoft.com/office/drawing/2010/diagram" id="0" name="" descr="Upward trend"/>
+        </a:ext>
+      </dgm:extLst>
+    </dgm:pt>
+    <dgm:pt modelId="{2877228F-714A-46A8-8B34-8882EB9DAE3B}" type="pres">
+      <dgm:prSet presAssocID="{28B07F4A-575A-4E6A-929A-266F8FD39C38}" presName="spaceRect" presStyleCnt="0"/>
+      <dgm:spPr/>
+    </dgm:pt>
+    <dgm:pt modelId="{2C56CC2C-AD30-4F29-AE4E-DE015755DE72}" type="pres">
+      <dgm:prSet presAssocID="{28B07F4A-575A-4E6A-929A-266F8FD39C38}" presName="parTx" presStyleLbl="revTx" presStyleIdx="4" presStyleCnt="5">
+        <dgm:presLayoutVars>
+          <dgm:chMax val="0"/>
+          <dgm:chPref val="0"/>
+        </dgm:presLayoutVars>
+      </dgm:prSet>
+      <dgm:spPr/>
+    </dgm:pt>
+  </dgm:ptLst>
+  <dgm:cxnLst>
+    <dgm:cxn modelId="{B1F7D12C-1A5F-453B-9799-5A0A80E3495B}" srcId="{8C40BFBB-F052-41B1-9C03-4582C5905D6D}" destId="{F1C30C8D-0347-4F37-A48C-D6B4CE241503}" srcOrd="2" destOrd="0" parTransId="{E4A14D3B-044E-41D6-B39E-173E0DCEE49E}" sibTransId="{7825C307-7F91-4896-99EE-D33053066310}"/>
+    <dgm:cxn modelId="{045ABA38-0C82-4E43-BE46-F9519CDFD914}" type="presOf" srcId="{B8FAADC1-640F-4388-B5FB-96980DEB5DD4}" destId="{34A55657-61D8-4B72-9688-D0DC63D370B5}" srcOrd="0" destOrd="0" presId="urn:microsoft.com/office/officeart/2018/2/layout/IconVerticalSolidList"/>
+    <dgm:cxn modelId="{8BE31F3A-BC84-4591-A930-CCB9C43C6454}" type="presOf" srcId="{1B46159E-4146-4AB0-B8AF-FBE3DAC21D05}" destId="{4550AECF-F2BE-4416-8B0E-C87B6DDD9955}" srcOrd="0" destOrd="0" presId="urn:microsoft.com/office/officeart/2018/2/layout/IconVerticalSolidList"/>
+    <dgm:cxn modelId="{3E2BCF6B-9388-41F6-A6E5-23FD956FD10A}" srcId="{8C40BFBB-F052-41B1-9C03-4582C5905D6D}" destId="{B8FAADC1-640F-4388-B5FB-96980DEB5DD4}" srcOrd="1" destOrd="0" parTransId="{1FDF0CF4-7E08-49DE-ABEB-E377EA8868B7}" sibTransId="{B1531B58-50E0-42F6-B48D-C4AA7F6F432F}"/>
+    <dgm:cxn modelId="{320B4C4F-F01B-4242-BCE4-92DB55373256}" srcId="{8C40BFBB-F052-41B1-9C03-4582C5905D6D}" destId="{28B07F4A-575A-4E6A-929A-266F8FD39C38}" srcOrd="4" destOrd="0" parTransId="{F186B604-D91B-49C8-A54B-5824E3EBADA5}" sibTransId="{05275D61-62BE-4DB6-A9AE-CBF18A14470B}"/>
+    <dgm:cxn modelId="{9A4A9255-A597-4DD0-9BC4-0FC03814EA9B}" type="presOf" srcId="{EF04503E-A61A-4C8F-BA97-3E00B3F87F4A}" destId="{D6AA7D11-33DE-4E6F-9F8C-FDE8141FEAD5}" srcOrd="0" destOrd="0" presId="urn:microsoft.com/office/officeart/2018/2/layout/IconVerticalSolidList"/>
+    <dgm:cxn modelId="{B7954177-CB84-405F-A2E2-02C76B080278}" type="presOf" srcId="{28B07F4A-575A-4E6A-929A-266F8FD39C38}" destId="{2C56CC2C-AD30-4F29-AE4E-DE015755DE72}" srcOrd="0" destOrd="0" presId="urn:microsoft.com/office/officeart/2018/2/layout/IconVerticalSolidList"/>
+    <dgm:cxn modelId="{30B04F97-9280-424A-AC3F-9D2FA177FF84}" srcId="{8C40BFBB-F052-41B1-9C03-4582C5905D6D}" destId="{EF04503E-A61A-4C8F-BA97-3E00B3F87F4A}" srcOrd="0" destOrd="0" parTransId="{8F84F401-C7D1-4A15-B3B5-9D1BF15BC40C}" sibTransId="{B14FC427-3F69-4840-862D-D4F160612E17}"/>
+    <dgm:cxn modelId="{93108CD9-F11C-48C3-9F74-DDCA3E565F15}" type="presOf" srcId="{F1C30C8D-0347-4F37-A48C-D6B4CE241503}" destId="{E14F366B-040E-4850-B4A0-25AD541D2AC1}" srcOrd="0" destOrd="0" presId="urn:microsoft.com/office/officeart/2018/2/layout/IconVerticalSolidList"/>
+    <dgm:cxn modelId="{EA6728E4-64DD-4BDD-807F-8B583D77C88C}" type="presOf" srcId="{8C40BFBB-F052-41B1-9C03-4582C5905D6D}" destId="{4C5B4C2B-6766-4138-9EE7-8E0196A1CB83}" srcOrd="0" destOrd="0" presId="urn:microsoft.com/office/officeart/2018/2/layout/IconVerticalSolidList"/>
+    <dgm:cxn modelId="{37B8F4E5-101E-42F0-9432-C9CB6B20B665}" srcId="{8C40BFBB-F052-41B1-9C03-4582C5905D6D}" destId="{1B46159E-4146-4AB0-B8AF-FBE3DAC21D05}" srcOrd="3" destOrd="0" parTransId="{1E370C65-56F3-40E4-96F9-21BBF6D8AA3B}" sibTransId="{7FD01955-7B31-4825-AD48-96245B10D4C3}"/>
+    <dgm:cxn modelId="{74854D87-0150-44D7-8575-D092D7BA2380}" type="presParOf" srcId="{4C5B4C2B-6766-4138-9EE7-8E0196A1CB83}" destId="{18C94557-D760-4E1E-A179-0FFAE36D0D23}" srcOrd="0" destOrd="0" presId="urn:microsoft.com/office/officeart/2018/2/layout/IconVerticalSolidList"/>
+    <dgm:cxn modelId="{3138F32F-8BEF-4727-8860-66387B264061}" type="presParOf" srcId="{18C94557-D760-4E1E-A179-0FFAE36D0D23}" destId="{B4C9C033-549B-4B3D-929C-86A4B3D2DA2C}" srcOrd="0" destOrd="0" presId="urn:microsoft.com/office/officeart/2018/2/layout/IconVerticalSolidList"/>
+    <dgm:cxn modelId="{B81C72AF-5C8D-4D77-B56B-4CB4B5E5D0F8}" type="presParOf" srcId="{18C94557-D760-4E1E-A179-0FFAE36D0D23}" destId="{09A02C42-D633-4BB9-AF07-EAFBFCB88728}" srcOrd="1" destOrd="0" presId="urn:microsoft.com/office/officeart/2018/2/layout/IconVerticalSolidList"/>
+    <dgm:cxn modelId="{C1D3C2AA-7FA6-4553-924E-9416FF91CD25}" type="presParOf" srcId="{18C94557-D760-4E1E-A179-0FFAE36D0D23}" destId="{7997AEC4-A597-43FD-83F1-C12B2DAB09EC}" srcOrd="2" destOrd="0" presId="urn:microsoft.com/office/officeart/2018/2/layout/IconVerticalSolidList"/>
+    <dgm:cxn modelId="{EEB68E05-0B14-4724-981C-7289438591F1}" type="presParOf" srcId="{18C94557-D760-4E1E-A179-0FFAE36D0D23}" destId="{D6AA7D11-33DE-4E6F-9F8C-FDE8141FEAD5}" srcOrd="3" destOrd="0" presId="urn:microsoft.com/office/officeart/2018/2/layout/IconVerticalSolidList"/>
+    <dgm:cxn modelId="{828C2B7E-7A89-4BD5-B482-7143D0229715}" type="presParOf" srcId="{4C5B4C2B-6766-4138-9EE7-8E0196A1CB83}" destId="{6CFE78C8-4DF9-4A96-A852-79BB7644ED2D}" srcOrd="1" destOrd="0" presId="urn:microsoft.com/office/officeart/2018/2/layout/IconVerticalSolidList"/>
+    <dgm:cxn modelId="{2705982A-1F94-4634-8A1E-1BE3BCDFD3BA}" type="presParOf" srcId="{4C5B4C2B-6766-4138-9EE7-8E0196A1CB83}" destId="{AAC0B3F8-59F1-4771-ADE8-F9DDFF1F050B}" srcOrd="2" destOrd="0" presId="urn:microsoft.com/office/officeart/2018/2/layout/IconVerticalSolidList"/>
+    <dgm:cxn modelId="{7FB877F4-FE8A-4D06-8FCF-9D91DE46B6AA}" type="presParOf" srcId="{AAC0B3F8-59F1-4771-ADE8-F9DDFF1F050B}" destId="{44EA7E16-4E48-4527-8B3E-CD33866892F3}" srcOrd="0" destOrd="0" presId="urn:microsoft.com/office/officeart/2018/2/layout/IconVerticalSolidList"/>
+    <dgm:cxn modelId="{3BB91CEC-A94F-4ECB-8000-03CBB6059EB5}" type="presParOf" srcId="{AAC0B3F8-59F1-4771-ADE8-F9DDFF1F050B}" destId="{EE3FD82D-EABE-40ED-9DD3-C494FCB001B5}" srcOrd="1" destOrd="0" presId="urn:microsoft.com/office/officeart/2018/2/layout/IconVerticalSolidList"/>
+    <dgm:cxn modelId="{19CEAC33-B0BA-4CE7-911C-1E864EA6E2C9}" type="presParOf" srcId="{AAC0B3F8-59F1-4771-ADE8-F9DDFF1F050B}" destId="{DD4B926D-D2D2-41E3-AF68-6610214C915A}" srcOrd="2" destOrd="0" presId="urn:microsoft.com/office/officeart/2018/2/layout/IconVerticalSolidList"/>
+    <dgm:cxn modelId="{1CA44F37-5D1B-4995-B35D-5D3542BEE21E}" type="presParOf" srcId="{AAC0B3F8-59F1-4771-ADE8-F9DDFF1F050B}" destId="{34A55657-61D8-4B72-9688-D0DC63D370B5}" srcOrd="3" destOrd="0" presId="urn:microsoft.com/office/officeart/2018/2/layout/IconVerticalSolidList"/>
+    <dgm:cxn modelId="{949967D3-688C-4642-B331-6C3CC082847D}" type="presParOf" srcId="{4C5B4C2B-6766-4138-9EE7-8E0196A1CB83}" destId="{CDC2062C-5AF2-4349-8A62-0F43692A24FE}" srcOrd="3" destOrd="0" presId="urn:microsoft.com/office/officeart/2018/2/layout/IconVerticalSolidList"/>
+    <dgm:cxn modelId="{F00A8532-01C1-4EED-968B-9BD0C75361B2}" type="presParOf" srcId="{4C5B4C2B-6766-4138-9EE7-8E0196A1CB83}" destId="{493BAA26-6600-4569-8250-FD5DA3FE077F}" srcOrd="4" destOrd="0" presId="urn:microsoft.com/office/officeart/2018/2/layout/IconVerticalSolidList"/>
+    <dgm:cxn modelId="{FB04B504-3D06-433B-82AE-7D121BBE69CB}" type="presParOf" srcId="{493BAA26-6600-4569-8250-FD5DA3FE077F}" destId="{E3550E14-23A0-449E-9E55-DC46E621F54E}" srcOrd="0" destOrd="0" presId="urn:microsoft.com/office/officeart/2018/2/layout/IconVerticalSolidList"/>
+    <dgm:cxn modelId="{A83F5F51-BEE5-4F3A-8CEF-24D556A82748}" type="presParOf" srcId="{493BAA26-6600-4569-8250-FD5DA3FE077F}" destId="{B517C48B-E41F-4A85-B28F-851BD051F4FE}" srcOrd="1" destOrd="0" presId="urn:microsoft.com/office/officeart/2018/2/layout/IconVerticalSolidList"/>
+    <dgm:cxn modelId="{BEAED49D-B8EC-4C9B-9E6E-AC45D05F3901}" type="presParOf" srcId="{493BAA26-6600-4569-8250-FD5DA3FE077F}" destId="{C72E4665-0607-4185-9CBD-DF7A9DBD419E}" srcOrd="2" destOrd="0" presId="urn:microsoft.com/office/officeart/2018/2/layout/IconVerticalSolidList"/>
+    <dgm:cxn modelId="{E0C19C1C-798C-48A8-B858-8F077DF53986}" type="presParOf" srcId="{493BAA26-6600-4569-8250-FD5DA3FE077F}" destId="{E14F366B-040E-4850-B4A0-25AD541D2AC1}" srcOrd="3" destOrd="0" presId="urn:microsoft.com/office/officeart/2018/2/layout/IconVerticalSolidList"/>
+    <dgm:cxn modelId="{04929EFB-5750-4079-A545-6B96320B7758}" type="presParOf" srcId="{4C5B4C2B-6766-4138-9EE7-8E0196A1CB83}" destId="{246968F7-02C7-45C3-97B9-18E5C1CE402B}" srcOrd="5" destOrd="0" presId="urn:microsoft.com/office/officeart/2018/2/layout/IconVerticalSolidList"/>
+    <dgm:cxn modelId="{8312EF48-4246-4E5F-AC00-E07E4915F9E5}" type="presParOf" srcId="{4C5B4C2B-6766-4138-9EE7-8E0196A1CB83}" destId="{97C0976E-ED41-479F-B79A-B5F31D9BEFBC}" srcOrd="6" destOrd="0" presId="urn:microsoft.com/office/officeart/2018/2/layout/IconVerticalSolidList"/>
+    <dgm:cxn modelId="{99A7FF94-57FB-4EB2-A55C-D6A51ED35059}" type="presParOf" srcId="{97C0976E-ED41-479F-B79A-B5F31D9BEFBC}" destId="{136124B6-06FB-4E3F-B7D6-52EA998A97A9}" srcOrd="0" destOrd="0" presId="urn:microsoft.com/office/officeart/2018/2/layout/IconVerticalSolidList"/>
+    <dgm:cxn modelId="{6FC57051-248E-4733-BD61-F73A9A91B6A9}" type="presParOf" srcId="{97C0976E-ED41-479F-B79A-B5F31D9BEFBC}" destId="{6DB9F6C9-9C5B-47AB-A9E9-CA94ECA43585}" srcOrd="1" destOrd="0" presId="urn:microsoft.com/office/officeart/2018/2/layout/IconVerticalSolidList"/>
+    <dgm:cxn modelId="{A84BD33D-B549-4732-9D23-F5AB0C01A354}" type="presParOf" srcId="{97C0976E-ED41-479F-B79A-B5F31D9BEFBC}" destId="{A4DB964F-83D8-4AEE-A62F-E70B8B6D23F3}" srcOrd="2" destOrd="0" presId="urn:microsoft.com/office/officeart/2018/2/layout/IconVerticalSolidList"/>
+    <dgm:cxn modelId="{790650E0-F56B-4406-A3B5-671D22B0E523}" type="presParOf" srcId="{97C0976E-ED41-479F-B79A-B5F31D9BEFBC}" destId="{4550AECF-F2BE-4416-8B0E-C87B6DDD9955}" srcOrd="3" destOrd="0" presId="urn:microsoft.com/office/officeart/2018/2/layout/IconVerticalSolidList"/>
+    <dgm:cxn modelId="{048B0D0E-DB9E-462F-B23F-75BEA58B108A}" type="presParOf" srcId="{4C5B4C2B-6766-4138-9EE7-8E0196A1CB83}" destId="{77439460-F3F3-401D-997C-E6A32DE864CF}" srcOrd="7" destOrd="0" presId="urn:microsoft.com/office/officeart/2018/2/layout/IconVerticalSolidList"/>
+    <dgm:cxn modelId="{3B6E4E16-07AA-43D2-AD4B-5AE5DEDF18E7}" type="presParOf" srcId="{4C5B4C2B-6766-4138-9EE7-8E0196A1CB83}" destId="{FC4217DA-A30B-4A9A-B103-6956A743CC1D}" srcOrd="8" destOrd="0" presId="urn:microsoft.com/office/officeart/2018/2/layout/IconVerticalSolidList"/>
+    <dgm:cxn modelId="{EE018A6E-C422-4602-903C-68A5BC440D5B}" type="presParOf" srcId="{FC4217DA-A30B-4A9A-B103-6956A743CC1D}" destId="{36F479B0-0D9A-45B0-A619-6503639ED3C7}" srcOrd="0" destOrd="0" presId="urn:microsoft.com/office/officeart/2018/2/layout/IconVerticalSolidList"/>
+    <dgm:cxn modelId="{8894FE75-FE1A-48C5-B79E-36EBAE7B7AD0}" type="presParOf" srcId="{FC4217DA-A30B-4A9A-B103-6956A743CC1D}" destId="{2538D235-7861-4698-9FC3-4B445F4C6A2C}" srcOrd="1" destOrd="0" presId="urn:microsoft.com/office/officeart/2018/2/layout/IconVerticalSolidList"/>
+    <dgm:cxn modelId="{85F5C200-65C1-41C0-90F5-B5E344433383}" type="presParOf" srcId="{FC4217DA-A30B-4A9A-B103-6956A743CC1D}" destId="{2877228F-714A-46A8-8B34-8882EB9DAE3B}" srcOrd="2" destOrd="0" presId="urn:microsoft.com/office/officeart/2018/2/layout/IconVerticalSolidList"/>
+    <dgm:cxn modelId="{A5CA3257-23DF-4879-B650-83C6886967D2}" type="presParOf" srcId="{FC4217DA-A30B-4A9A-B103-6956A743CC1D}" destId="{2C56CC2C-AD30-4F29-AE4E-DE015755DE72}" srcOrd="3" destOrd="0" presId="urn:microsoft.com/office/officeart/2018/2/layout/IconVerticalSolidList"/>
+  </dgm:cxnLst>
+  <dgm:bg/>
+  <dgm:whole/>
+  <dgm:extLst>
+    <a:ext uri="http://schemas.microsoft.com/office/drawing/2008/diagram">
+      <dsp:dataModelExt xmlns:dsp="http://schemas.microsoft.com/office/drawing/2008/diagram" relId="rId6" minVer="http://schemas.openxmlformats.org/drawingml/2006/diagram"/>
+    </a:ext>
+  </dgm:extLst>
+</dgm:dataModel>
+</file>
+
+<file path=ppt/diagrams/data2.xml><?xml version="1.0" encoding="utf-8"?>
 <dgm:dataModel xmlns:dgm="http://schemas.openxmlformats.org/drawingml/2006/diagram" xmlns:a="http://schemas.openxmlformats.org/drawingml/2006/main">
   <dgm:ptLst>
     <dgm:pt modelId="{2CA1048A-87B5-4F33-AD56-83C94840B080}" type="doc">
@@ -1298,6 +2577,778 @@
       <dsp:cNvGrpSpPr/>
     </dsp:nvGrpSpPr>
     <dsp:grpSpPr/>
+    <dsp:sp modelId="{B4C9C033-549B-4B3D-929C-86A4B3D2DA2C}">
+      <dsp:nvSpPr>
+        <dsp:cNvPr id="0" name=""/>
+        <dsp:cNvSpPr/>
+      </dsp:nvSpPr>
+      <dsp:spPr>
+        <a:xfrm>
+          <a:off x="0" y="4471"/>
+          <a:ext cx="7159752" cy="952533"/>
+        </a:xfrm>
+        <a:prstGeom prst="roundRect">
+          <a:avLst>
+            <a:gd name="adj" fmla="val 10000"/>
+          </a:avLst>
+        </a:prstGeom>
+        <a:solidFill>
+          <a:schemeClr val="accent1">
+            <a:tint val="40000"/>
+            <a:hueOff val="0"/>
+            <a:satOff val="0"/>
+            <a:lumOff val="0"/>
+            <a:alphaOff val="0"/>
+          </a:schemeClr>
+        </a:solidFill>
+        <a:ln>
+          <a:noFill/>
+        </a:ln>
+        <a:effectLst/>
+      </dsp:spPr>
+      <dsp:style>
+        <a:lnRef idx="0">
+          <a:scrgbClr r="0" g="0" b="0"/>
+        </a:lnRef>
+        <a:fillRef idx="1">
+          <a:scrgbClr r="0" g="0" b="0"/>
+        </a:fillRef>
+        <a:effectRef idx="0">
+          <a:scrgbClr r="0" g="0" b="0"/>
+        </a:effectRef>
+        <a:fontRef idx="minor"/>
+      </dsp:style>
+    </dsp:sp>
+    <dsp:sp modelId="{09A02C42-D633-4BB9-AF07-EAFBFCB88728}">
+      <dsp:nvSpPr>
+        <dsp:cNvPr id="0" name=""/>
+        <dsp:cNvSpPr/>
+      </dsp:nvSpPr>
+      <dsp:spPr>
+        <a:xfrm>
+          <a:off x="288141" y="218791"/>
+          <a:ext cx="523893" cy="523893"/>
+        </a:xfrm>
+        <a:prstGeom prst="rect">
+          <a:avLst/>
+        </a:prstGeom>
+        <a:blipFill>
+          <a:blip xmlns:r="http://schemas.openxmlformats.org/officeDocument/2006/relationships" r:embed="rId1">
+            <a:extLst>
+              <a:ext uri="{28A0092B-C50C-407E-A947-70E740481C1C}">
+                <a14:useLocalDpi xmlns:a14="http://schemas.microsoft.com/office/drawing/2010/main" val="0"/>
+              </a:ext>
+              <a:ext uri="{96DAC541-7B7A-43D3-8B79-37D633B846F1}">
+                <asvg:svgBlip xmlns:asvg="http://schemas.microsoft.com/office/drawing/2016/SVG/main" r:embed="rId2"/>
+              </a:ext>
+            </a:extLst>
+          </a:blip>
+          <a:stretch>
+            <a:fillRect/>
+          </a:stretch>
+        </a:blipFill>
+        <a:ln w="12700" cap="flat" cmpd="sng" algn="ctr">
+          <a:noFill/>
+          <a:prstDash val="solid"/>
+          <a:miter lim="800000"/>
+        </a:ln>
+        <a:effectLst/>
+      </dsp:spPr>
+      <dsp:style>
+        <a:lnRef idx="2">
+          <a:scrgbClr r="0" g="0" b="0"/>
+        </a:lnRef>
+        <a:fillRef idx="1">
+          <a:scrgbClr r="0" g="0" b="0"/>
+        </a:fillRef>
+        <a:effectRef idx="0">
+          <a:scrgbClr r="0" g="0" b="0"/>
+        </a:effectRef>
+        <a:fontRef idx="minor">
+          <a:schemeClr val="lt1"/>
+        </a:fontRef>
+      </dsp:style>
+    </dsp:sp>
+    <dsp:sp modelId="{D6AA7D11-33DE-4E6F-9F8C-FDE8141FEAD5}">
+      <dsp:nvSpPr>
+        <dsp:cNvPr id="0" name=""/>
+        <dsp:cNvSpPr/>
+      </dsp:nvSpPr>
+      <dsp:spPr>
+        <a:xfrm>
+          <a:off x="1100176" y="4471"/>
+          <a:ext cx="6059575" cy="952533"/>
+        </a:xfrm>
+        <a:prstGeom prst="rect">
+          <a:avLst/>
+        </a:prstGeom>
+        <a:noFill/>
+        <a:ln>
+          <a:noFill/>
+        </a:ln>
+        <a:effectLst/>
+      </dsp:spPr>
+      <dsp:style>
+        <a:lnRef idx="0">
+          <a:scrgbClr r="0" g="0" b="0"/>
+        </a:lnRef>
+        <a:fillRef idx="0">
+          <a:scrgbClr r="0" g="0" b="0"/>
+        </a:fillRef>
+        <a:effectRef idx="0">
+          <a:scrgbClr r="0" g="0" b="0"/>
+        </a:effectRef>
+        <a:fontRef idx="minor"/>
+      </dsp:style>
+      <dsp:txBody>
+        <a:bodyPr spcFirstLastPara="0" vert="horz" wrap="square" lIns="100810" tIns="100810" rIns="100810" bIns="100810" numCol="1" spcCol="1270" anchor="ctr" anchorCtr="0">
+          <a:noAutofit/>
+        </a:bodyPr>
+        <a:lstStyle/>
+        <a:p>
+          <a:pPr marL="0" lvl="0" indent="0" algn="l" defTabSz="844550">
+            <a:lnSpc>
+              <a:spcPct val="90000"/>
+            </a:lnSpc>
+            <a:spcBef>
+              <a:spcPct val="0"/>
+            </a:spcBef>
+            <a:spcAft>
+              <a:spcPct val="35000"/>
+            </a:spcAft>
+            <a:buNone/>
+          </a:pPr>
+          <a:r>
+            <a:rPr lang="en-US" sz="1900" kern="1200"/>
+            <a:t>Project goal tied to Company Vision</a:t>
+          </a:r>
+        </a:p>
+      </dsp:txBody>
+      <dsp:txXfrm>
+        <a:off x="1100176" y="4471"/>
+        <a:ext cx="6059575" cy="952533"/>
+      </dsp:txXfrm>
+    </dsp:sp>
+    <dsp:sp modelId="{44EA7E16-4E48-4527-8B3E-CD33866892F3}">
+      <dsp:nvSpPr>
+        <dsp:cNvPr id="0" name=""/>
+        <dsp:cNvSpPr/>
+      </dsp:nvSpPr>
+      <dsp:spPr>
+        <a:xfrm>
+          <a:off x="0" y="1195138"/>
+          <a:ext cx="7159752" cy="952533"/>
+        </a:xfrm>
+        <a:prstGeom prst="roundRect">
+          <a:avLst>
+            <a:gd name="adj" fmla="val 10000"/>
+          </a:avLst>
+        </a:prstGeom>
+        <a:solidFill>
+          <a:schemeClr val="accent1">
+            <a:tint val="40000"/>
+            <a:hueOff val="0"/>
+            <a:satOff val="0"/>
+            <a:lumOff val="0"/>
+            <a:alphaOff val="0"/>
+          </a:schemeClr>
+        </a:solidFill>
+        <a:ln>
+          <a:noFill/>
+        </a:ln>
+        <a:effectLst/>
+      </dsp:spPr>
+      <dsp:style>
+        <a:lnRef idx="0">
+          <a:scrgbClr r="0" g="0" b="0"/>
+        </a:lnRef>
+        <a:fillRef idx="1">
+          <a:scrgbClr r="0" g="0" b="0"/>
+        </a:fillRef>
+        <a:effectRef idx="0">
+          <a:scrgbClr r="0" g="0" b="0"/>
+        </a:effectRef>
+        <a:fontRef idx="minor"/>
+      </dsp:style>
+    </dsp:sp>
+    <dsp:sp modelId="{EE3FD82D-EABE-40ED-9DD3-C494FCB001B5}">
+      <dsp:nvSpPr>
+        <dsp:cNvPr id="0" name=""/>
+        <dsp:cNvSpPr/>
+      </dsp:nvSpPr>
+      <dsp:spPr>
+        <a:xfrm>
+          <a:off x="288141" y="1409458"/>
+          <a:ext cx="523893" cy="523893"/>
+        </a:xfrm>
+        <a:prstGeom prst="rect">
+          <a:avLst/>
+        </a:prstGeom>
+        <a:blipFill>
+          <a:blip xmlns:r="http://schemas.openxmlformats.org/officeDocument/2006/relationships" r:embed="rId3">
+            <a:extLst>
+              <a:ext uri="{28A0092B-C50C-407E-A947-70E740481C1C}">
+                <a14:useLocalDpi xmlns:a14="http://schemas.microsoft.com/office/drawing/2010/main" val="0"/>
+              </a:ext>
+              <a:ext uri="{96DAC541-7B7A-43D3-8B79-37D633B846F1}">
+                <asvg:svgBlip xmlns:asvg="http://schemas.microsoft.com/office/drawing/2016/SVG/main" r:embed="rId4"/>
+              </a:ext>
+            </a:extLst>
+          </a:blip>
+          <a:stretch>
+            <a:fillRect/>
+          </a:stretch>
+        </a:blipFill>
+        <a:ln w="12700" cap="flat" cmpd="sng" algn="ctr">
+          <a:noFill/>
+          <a:prstDash val="solid"/>
+          <a:miter lim="800000"/>
+        </a:ln>
+        <a:effectLst/>
+      </dsp:spPr>
+      <dsp:style>
+        <a:lnRef idx="2">
+          <a:scrgbClr r="0" g="0" b="0"/>
+        </a:lnRef>
+        <a:fillRef idx="1">
+          <a:scrgbClr r="0" g="0" b="0"/>
+        </a:fillRef>
+        <a:effectRef idx="0">
+          <a:scrgbClr r="0" g="0" b="0"/>
+        </a:effectRef>
+        <a:fontRef idx="minor">
+          <a:schemeClr val="lt1"/>
+        </a:fontRef>
+      </dsp:style>
+    </dsp:sp>
+    <dsp:sp modelId="{34A55657-61D8-4B72-9688-D0DC63D370B5}">
+      <dsp:nvSpPr>
+        <dsp:cNvPr id="0" name=""/>
+        <dsp:cNvSpPr/>
+      </dsp:nvSpPr>
+      <dsp:spPr>
+        <a:xfrm>
+          <a:off x="1100176" y="1195138"/>
+          <a:ext cx="6059575" cy="952533"/>
+        </a:xfrm>
+        <a:prstGeom prst="rect">
+          <a:avLst/>
+        </a:prstGeom>
+        <a:noFill/>
+        <a:ln>
+          <a:noFill/>
+        </a:ln>
+        <a:effectLst/>
+      </dsp:spPr>
+      <dsp:style>
+        <a:lnRef idx="0">
+          <a:scrgbClr r="0" g="0" b="0"/>
+        </a:lnRef>
+        <a:fillRef idx="0">
+          <a:scrgbClr r="0" g="0" b="0"/>
+        </a:fillRef>
+        <a:effectRef idx="0">
+          <a:scrgbClr r="0" g="0" b="0"/>
+        </a:effectRef>
+        <a:fontRef idx="minor"/>
+      </dsp:style>
+      <dsp:txBody>
+        <a:bodyPr spcFirstLastPara="0" vert="horz" wrap="square" lIns="100810" tIns="100810" rIns="100810" bIns="100810" numCol="1" spcCol="1270" anchor="ctr" anchorCtr="0">
+          <a:noAutofit/>
+        </a:bodyPr>
+        <a:lstStyle/>
+        <a:p>
+          <a:pPr marL="0" lvl="0" indent="0" algn="l" defTabSz="844550">
+            <a:lnSpc>
+              <a:spcPct val="90000"/>
+            </a:lnSpc>
+            <a:spcBef>
+              <a:spcPct val="0"/>
+            </a:spcBef>
+            <a:spcAft>
+              <a:spcPct val="35000"/>
+            </a:spcAft>
+            <a:buNone/>
+          </a:pPr>
+          <a:r>
+            <a:rPr lang="en-US" sz="1900" kern="1200"/>
+            <a:t>Value Proposition</a:t>
+          </a:r>
+        </a:p>
+      </dsp:txBody>
+      <dsp:txXfrm>
+        <a:off x="1100176" y="1195138"/>
+        <a:ext cx="6059575" cy="952533"/>
+      </dsp:txXfrm>
+    </dsp:sp>
+    <dsp:sp modelId="{E3550E14-23A0-449E-9E55-DC46E621F54E}">
+      <dsp:nvSpPr>
+        <dsp:cNvPr id="0" name=""/>
+        <dsp:cNvSpPr/>
+      </dsp:nvSpPr>
+      <dsp:spPr>
+        <a:xfrm>
+          <a:off x="0" y="2385805"/>
+          <a:ext cx="7159752" cy="952533"/>
+        </a:xfrm>
+        <a:prstGeom prst="roundRect">
+          <a:avLst>
+            <a:gd name="adj" fmla="val 10000"/>
+          </a:avLst>
+        </a:prstGeom>
+        <a:solidFill>
+          <a:schemeClr val="accent1">
+            <a:tint val="40000"/>
+            <a:hueOff val="0"/>
+            <a:satOff val="0"/>
+            <a:lumOff val="0"/>
+            <a:alphaOff val="0"/>
+          </a:schemeClr>
+        </a:solidFill>
+        <a:ln>
+          <a:noFill/>
+        </a:ln>
+        <a:effectLst/>
+      </dsp:spPr>
+      <dsp:style>
+        <a:lnRef idx="0">
+          <a:scrgbClr r="0" g="0" b="0"/>
+        </a:lnRef>
+        <a:fillRef idx="1">
+          <a:scrgbClr r="0" g="0" b="0"/>
+        </a:fillRef>
+        <a:effectRef idx="0">
+          <a:scrgbClr r="0" g="0" b="0"/>
+        </a:effectRef>
+        <a:fontRef idx="minor"/>
+      </dsp:style>
+    </dsp:sp>
+    <dsp:sp modelId="{B517C48B-E41F-4A85-B28F-851BD051F4FE}">
+      <dsp:nvSpPr>
+        <dsp:cNvPr id="0" name=""/>
+        <dsp:cNvSpPr/>
+      </dsp:nvSpPr>
+      <dsp:spPr>
+        <a:xfrm>
+          <a:off x="288141" y="2600125"/>
+          <a:ext cx="523893" cy="523893"/>
+        </a:xfrm>
+        <a:prstGeom prst="rect">
+          <a:avLst/>
+        </a:prstGeom>
+        <a:blipFill>
+          <a:blip xmlns:r="http://schemas.openxmlformats.org/officeDocument/2006/relationships" r:embed="rId5">
+            <a:extLst>
+              <a:ext uri="{28A0092B-C50C-407E-A947-70E740481C1C}">
+                <a14:useLocalDpi xmlns:a14="http://schemas.microsoft.com/office/drawing/2010/main" val="0"/>
+              </a:ext>
+              <a:ext uri="{96DAC541-7B7A-43D3-8B79-37D633B846F1}">
+                <asvg:svgBlip xmlns:asvg="http://schemas.microsoft.com/office/drawing/2016/SVG/main" r:embed="rId6"/>
+              </a:ext>
+            </a:extLst>
+          </a:blip>
+          <a:stretch>
+            <a:fillRect/>
+          </a:stretch>
+        </a:blipFill>
+        <a:ln w="12700" cap="flat" cmpd="sng" algn="ctr">
+          <a:noFill/>
+          <a:prstDash val="solid"/>
+          <a:miter lim="800000"/>
+        </a:ln>
+        <a:effectLst/>
+      </dsp:spPr>
+      <dsp:style>
+        <a:lnRef idx="2">
+          <a:scrgbClr r="0" g="0" b="0"/>
+        </a:lnRef>
+        <a:fillRef idx="1">
+          <a:scrgbClr r="0" g="0" b="0"/>
+        </a:fillRef>
+        <a:effectRef idx="0">
+          <a:scrgbClr r="0" g="0" b="0"/>
+        </a:effectRef>
+        <a:fontRef idx="minor">
+          <a:schemeClr val="lt1"/>
+        </a:fontRef>
+      </dsp:style>
+    </dsp:sp>
+    <dsp:sp modelId="{E14F366B-040E-4850-B4A0-25AD541D2AC1}">
+      <dsp:nvSpPr>
+        <dsp:cNvPr id="0" name=""/>
+        <dsp:cNvSpPr/>
+      </dsp:nvSpPr>
+      <dsp:spPr>
+        <a:xfrm>
+          <a:off x="1100176" y="2385805"/>
+          <a:ext cx="6059575" cy="952533"/>
+        </a:xfrm>
+        <a:prstGeom prst="rect">
+          <a:avLst/>
+        </a:prstGeom>
+        <a:noFill/>
+        <a:ln>
+          <a:noFill/>
+        </a:ln>
+        <a:effectLst/>
+      </dsp:spPr>
+      <dsp:style>
+        <a:lnRef idx="0">
+          <a:scrgbClr r="0" g="0" b="0"/>
+        </a:lnRef>
+        <a:fillRef idx="0">
+          <a:scrgbClr r="0" g="0" b="0"/>
+        </a:fillRef>
+        <a:effectRef idx="0">
+          <a:scrgbClr r="0" g="0" b="0"/>
+        </a:effectRef>
+        <a:fontRef idx="minor"/>
+      </dsp:style>
+      <dsp:txBody>
+        <a:bodyPr spcFirstLastPara="0" vert="horz" wrap="square" lIns="100810" tIns="100810" rIns="100810" bIns="100810" numCol="1" spcCol="1270" anchor="ctr" anchorCtr="0">
+          <a:noAutofit/>
+        </a:bodyPr>
+        <a:lstStyle/>
+        <a:p>
+          <a:pPr marL="0" lvl="0" indent="0" algn="l" defTabSz="844550">
+            <a:lnSpc>
+              <a:spcPct val="90000"/>
+            </a:lnSpc>
+            <a:spcBef>
+              <a:spcPct val="0"/>
+            </a:spcBef>
+            <a:spcAft>
+              <a:spcPct val="35000"/>
+            </a:spcAft>
+            <a:buNone/>
+          </a:pPr>
+          <a:r>
+            <a:rPr lang="en-US" sz="1900" kern="1200"/>
+            <a:t>Project Scope: Timeline</a:t>
+          </a:r>
+        </a:p>
+      </dsp:txBody>
+      <dsp:txXfrm>
+        <a:off x="1100176" y="2385805"/>
+        <a:ext cx="6059575" cy="952533"/>
+      </dsp:txXfrm>
+    </dsp:sp>
+    <dsp:sp modelId="{136124B6-06FB-4E3F-B7D6-52EA998A97A9}">
+      <dsp:nvSpPr>
+        <dsp:cNvPr id="0" name=""/>
+        <dsp:cNvSpPr/>
+      </dsp:nvSpPr>
+      <dsp:spPr>
+        <a:xfrm>
+          <a:off x="0" y="3576472"/>
+          <a:ext cx="7159752" cy="952533"/>
+        </a:xfrm>
+        <a:prstGeom prst="roundRect">
+          <a:avLst>
+            <a:gd name="adj" fmla="val 10000"/>
+          </a:avLst>
+        </a:prstGeom>
+        <a:solidFill>
+          <a:schemeClr val="accent1">
+            <a:tint val="40000"/>
+            <a:hueOff val="0"/>
+            <a:satOff val="0"/>
+            <a:lumOff val="0"/>
+            <a:alphaOff val="0"/>
+          </a:schemeClr>
+        </a:solidFill>
+        <a:ln>
+          <a:noFill/>
+        </a:ln>
+        <a:effectLst/>
+      </dsp:spPr>
+      <dsp:style>
+        <a:lnRef idx="0">
+          <a:scrgbClr r="0" g="0" b="0"/>
+        </a:lnRef>
+        <a:fillRef idx="1">
+          <a:scrgbClr r="0" g="0" b="0"/>
+        </a:fillRef>
+        <a:effectRef idx="0">
+          <a:scrgbClr r="0" g="0" b="0"/>
+        </a:effectRef>
+        <a:fontRef idx="minor"/>
+      </dsp:style>
+    </dsp:sp>
+    <dsp:sp modelId="{6DB9F6C9-9C5B-47AB-A9E9-CA94ECA43585}">
+      <dsp:nvSpPr>
+        <dsp:cNvPr id="0" name=""/>
+        <dsp:cNvSpPr/>
+      </dsp:nvSpPr>
+      <dsp:spPr>
+        <a:xfrm>
+          <a:off x="288141" y="3790792"/>
+          <a:ext cx="523893" cy="523893"/>
+        </a:xfrm>
+        <a:prstGeom prst="rect">
+          <a:avLst/>
+        </a:prstGeom>
+        <a:blipFill>
+          <a:blip xmlns:r="http://schemas.openxmlformats.org/officeDocument/2006/relationships" r:embed="rId7">
+            <a:extLst>
+              <a:ext uri="{28A0092B-C50C-407E-A947-70E740481C1C}">
+                <a14:useLocalDpi xmlns:a14="http://schemas.microsoft.com/office/drawing/2010/main" val="0"/>
+              </a:ext>
+              <a:ext uri="{96DAC541-7B7A-43D3-8B79-37D633B846F1}">
+                <asvg:svgBlip xmlns:asvg="http://schemas.microsoft.com/office/drawing/2016/SVG/main" r:embed="rId8"/>
+              </a:ext>
+            </a:extLst>
+          </a:blip>
+          <a:stretch>
+            <a:fillRect/>
+          </a:stretch>
+        </a:blipFill>
+        <a:ln w="12700" cap="flat" cmpd="sng" algn="ctr">
+          <a:noFill/>
+          <a:prstDash val="solid"/>
+          <a:miter lim="800000"/>
+        </a:ln>
+        <a:effectLst/>
+      </dsp:spPr>
+      <dsp:style>
+        <a:lnRef idx="2">
+          <a:scrgbClr r="0" g="0" b="0"/>
+        </a:lnRef>
+        <a:fillRef idx="1">
+          <a:scrgbClr r="0" g="0" b="0"/>
+        </a:fillRef>
+        <a:effectRef idx="0">
+          <a:scrgbClr r="0" g="0" b="0"/>
+        </a:effectRef>
+        <a:fontRef idx="minor">
+          <a:schemeClr val="lt1"/>
+        </a:fontRef>
+      </dsp:style>
+    </dsp:sp>
+    <dsp:sp modelId="{4550AECF-F2BE-4416-8B0E-C87B6DDD9955}">
+      <dsp:nvSpPr>
+        <dsp:cNvPr id="0" name=""/>
+        <dsp:cNvSpPr/>
+      </dsp:nvSpPr>
+      <dsp:spPr>
+        <a:xfrm>
+          <a:off x="1100176" y="3576472"/>
+          <a:ext cx="6059575" cy="952533"/>
+        </a:xfrm>
+        <a:prstGeom prst="rect">
+          <a:avLst/>
+        </a:prstGeom>
+        <a:noFill/>
+        <a:ln>
+          <a:noFill/>
+        </a:ln>
+        <a:effectLst/>
+      </dsp:spPr>
+      <dsp:style>
+        <a:lnRef idx="0">
+          <a:scrgbClr r="0" g="0" b="0"/>
+        </a:lnRef>
+        <a:fillRef idx="0">
+          <a:scrgbClr r="0" g="0" b="0"/>
+        </a:fillRef>
+        <a:effectRef idx="0">
+          <a:scrgbClr r="0" g="0" b="0"/>
+        </a:effectRef>
+        <a:fontRef idx="minor"/>
+      </dsp:style>
+      <dsp:txBody>
+        <a:bodyPr spcFirstLastPara="0" vert="horz" wrap="square" lIns="100810" tIns="100810" rIns="100810" bIns="100810" numCol="1" spcCol="1270" anchor="ctr" anchorCtr="0">
+          <a:noAutofit/>
+        </a:bodyPr>
+        <a:lstStyle/>
+        <a:p>
+          <a:pPr marL="0" lvl="0" indent="0" algn="l" defTabSz="844550">
+            <a:lnSpc>
+              <a:spcPct val="90000"/>
+            </a:lnSpc>
+            <a:spcBef>
+              <a:spcPct val="0"/>
+            </a:spcBef>
+            <a:spcAft>
+              <a:spcPct val="35000"/>
+            </a:spcAft>
+            <a:buNone/>
+          </a:pPr>
+          <a:r>
+            <a:rPr lang="en-US" sz="1900" kern="1200"/>
+            <a:t>Project Cost: Financial, Technical. Legal and Ethical compliance</a:t>
+          </a:r>
+        </a:p>
+      </dsp:txBody>
+      <dsp:txXfrm>
+        <a:off x="1100176" y="3576472"/>
+        <a:ext cx="6059575" cy="952533"/>
+      </dsp:txXfrm>
+    </dsp:sp>
+    <dsp:sp modelId="{36F479B0-0D9A-45B0-A619-6503639ED3C7}">
+      <dsp:nvSpPr>
+        <dsp:cNvPr id="0" name=""/>
+        <dsp:cNvSpPr/>
+      </dsp:nvSpPr>
+      <dsp:spPr>
+        <a:xfrm>
+          <a:off x="0" y="4767138"/>
+          <a:ext cx="7159752" cy="952533"/>
+        </a:xfrm>
+        <a:prstGeom prst="roundRect">
+          <a:avLst>
+            <a:gd name="adj" fmla="val 10000"/>
+          </a:avLst>
+        </a:prstGeom>
+        <a:solidFill>
+          <a:schemeClr val="accent1">
+            <a:tint val="40000"/>
+            <a:hueOff val="0"/>
+            <a:satOff val="0"/>
+            <a:lumOff val="0"/>
+            <a:alphaOff val="0"/>
+          </a:schemeClr>
+        </a:solidFill>
+        <a:ln>
+          <a:noFill/>
+        </a:ln>
+        <a:effectLst/>
+      </dsp:spPr>
+      <dsp:style>
+        <a:lnRef idx="0">
+          <a:scrgbClr r="0" g="0" b="0"/>
+        </a:lnRef>
+        <a:fillRef idx="1">
+          <a:scrgbClr r="0" g="0" b="0"/>
+        </a:fillRef>
+        <a:effectRef idx="0">
+          <a:scrgbClr r="0" g="0" b="0"/>
+        </a:effectRef>
+        <a:fontRef idx="minor"/>
+      </dsp:style>
+    </dsp:sp>
+    <dsp:sp modelId="{2538D235-7861-4698-9FC3-4B445F4C6A2C}">
+      <dsp:nvSpPr>
+        <dsp:cNvPr id="0" name=""/>
+        <dsp:cNvSpPr/>
+      </dsp:nvSpPr>
+      <dsp:spPr>
+        <a:xfrm>
+          <a:off x="288141" y="4981458"/>
+          <a:ext cx="523893" cy="523893"/>
+        </a:xfrm>
+        <a:prstGeom prst="rect">
+          <a:avLst/>
+        </a:prstGeom>
+        <a:blipFill>
+          <a:blip xmlns:r="http://schemas.openxmlformats.org/officeDocument/2006/relationships" r:embed="rId9">
+            <a:extLst>
+              <a:ext uri="{28A0092B-C50C-407E-A947-70E740481C1C}">
+                <a14:useLocalDpi xmlns:a14="http://schemas.microsoft.com/office/drawing/2010/main" val="0"/>
+              </a:ext>
+              <a:ext uri="{96DAC541-7B7A-43D3-8B79-37D633B846F1}">
+                <asvg:svgBlip xmlns:asvg="http://schemas.microsoft.com/office/drawing/2016/SVG/main" r:embed="rId10"/>
+              </a:ext>
+            </a:extLst>
+          </a:blip>
+          <a:stretch>
+            <a:fillRect/>
+          </a:stretch>
+        </a:blipFill>
+        <a:ln w="12700" cap="flat" cmpd="sng" algn="ctr">
+          <a:noFill/>
+          <a:prstDash val="solid"/>
+          <a:miter lim="800000"/>
+        </a:ln>
+        <a:effectLst/>
+      </dsp:spPr>
+      <dsp:style>
+        <a:lnRef idx="2">
+          <a:scrgbClr r="0" g="0" b="0"/>
+        </a:lnRef>
+        <a:fillRef idx="1">
+          <a:scrgbClr r="0" g="0" b="0"/>
+        </a:fillRef>
+        <a:effectRef idx="0">
+          <a:scrgbClr r="0" g="0" b="0"/>
+        </a:effectRef>
+        <a:fontRef idx="minor">
+          <a:schemeClr val="lt1"/>
+        </a:fontRef>
+      </dsp:style>
+    </dsp:sp>
+    <dsp:sp modelId="{2C56CC2C-AD30-4F29-AE4E-DE015755DE72}">
+      <dsp:nvSpPr>
+        <dsp:cNvPr id="0" name=""/>
+        <dsp:cNvSpPr/>
+      </dsp:nvSpPr>
+      <dsp:spPr>
+        <a:xfrm>
+          <a:off x="1100176" y="4767138"/>
+          <a:ext cx="6059575" cy="952533"/>
+        </a:xfrm>
+        <a:prstGeom prst="rect">
+          <a:avLst/>
+        </a:prstGeom>
+        <a:noFill/>
+        <a:ln>
+          <a:noFill/>
+        </a:ln>
+        <a:effectLst/>
+      </dsp:spPr>
+      <dsp:style>
+        <a:lnRef idx="0">
+          <a:scrgbClr r="0" g="0" b="0"/>
+        </a:lnRef>
+        <a:fillRef idx="0">
+          <a:scrgbClr r="0" g="0" b="0"/>
+        </a:fillRef>
+        <a:effectRef idx="0">
+          <a:scrgbClr r="0" g="0" b="0"/>
+        </a:effectRef>
+        <a:fontRef idx="minor"/>
+      </dsp:style>
+      <dsp:txBody>
+        <a:bodyPr spcFirstLastPara="0" vert="horz" wrap="square" lIns="100810" tIns="100810" rIns="100810" bIns="100810" numCol="1" spcCol="1270" anchor="ctr" anchorCtr="0">
+          <a:noAutofit/>
+        </a:bodyPr>
+        <a:lstStyle/>
+        <a:p>
+          <a:pPr marL="0" lvl="0" indent="0" algn="l" defTabSz="844550">
+            <a:lnSpc>
+              <a:spcPct val="90000"/>
+            </a:lnSpc>
+            <a:spcBef>
+              <a:spcPct val="0"/>
+            </a:spcBef>
+            <a:spcAft>
+              <a:spcPct val="35000"/>
+            </a:spcAft>
+            <a:buNone/>
+          </a:pPr>
+          <a:r>
+            <a:rPr lang="en-US" sz="1900" kern="1200"/>
+            <a:t>ROI</a:t>
+          </a:r>
+        </a:p>
+      </dsp:txBody>
+      <dsp:txXfrm>
+        <a:off x="1100176" y="4767138"/>
+        <a:ext cx="6059575" cy="952533"/>
+      </dsp:txXfrm>
+    </dsp:sp>
+  </dsp:spTree>
+</dsp:drawing>
+</file>
+
+<file path=ppt/diagrams/drawing2.xml><?xml version="1.0" encoding="utf-8"?>
+<dsp:drawing xmlns:dgm="http://schemas.openxmlformats.org/drawingml/2006/diagram" xmlns:dsp="http://schemas.microsoft.com/office/drawing/2008/diagram" xmlns:a="http://schemas.openxmlformats.org/drawingml/2006/main">
+  <dsp:spTree>
+    <dsp:nvGrpSpPr>
+      <dsp:cNvPr id="0" name=""/>
+      <dsp:cNvGrpSpPr/>
+    </dsp:nvGrpSpPr>
+    <dsp:grpSpPr/>
     <dsp:sp modelId="{574407C4-89B4-44A4-BF11-DE7538D379A5}">
       <dsp:nvSpPr>
         <dsp:cNvPr id="0" name=""/>
@@ -1666,6 +3717,300 @@
 </file>
 
 <file path=ppt/diagrams/layout1.xml><?xml version="1.0" encoding="utf-8"?>
+<dgm:layoutDef xmlns:dgm="http://schemas.openxmlformats.org/drawingml/2006/diagram" xmlns:a="http://schemas.openxmlformats.org/drawingml/2006/main" uniqueId="urn:microsoft.com/office/officeart/2018/2/layout/IconVerticalSolidList">
+  <dgm:title val="Icon Vertical Solid List"/>
+  <dgm:desc val="Use to show a series of visuals from top to bottom with Level 1 or Level 1 and Level 2 text grouped in a shape. Works best with icons or small pictures with lengthier descriptions."/>
+  <dgm:catLst>
+    <dgm:cat type="icon" pri="500"/>
+  </dgm:catLst>
+  <dgm:sampData useDef="1">
+    <dgm:dataModel>
+      <dgm:ptLst/>
+      <dgm:bg/>
+      <dgm:whole/>
+    </dgm:dataModel>
+  </dgm:sampData>
+  <dgm:styleData useDef="1">
+    <dgm:dataModel>
+      <dgm:ptLst/>
+      <dgm:bg/>
+      <dgm:whole/>
+    </dgm:dataModel>
+  </dgm:styleData>
+  <dgm:clrData useDef="1">
+    <dgm:dataModel>
+      <dgm:ptLst/>
+      <dgm:bg/>
+      <dgm:whole/>
+    </dgm:dataModel>
+  </dgm:clrData>
+  <dgm:layoutNode name="root">
+    <dgm:varLst>
+      <dgm:dir/>
+      <dgm:resizeHandles val="exact"/>
+    </dgm:varLst>
+    <dgm:choose name="Name0">
+      <dgm:if name="Name1" axis="self" func="var" arg="dir" op="equ" val="norm">
+        <dgm:alg type="lin">
+          <dgm:param type="linDir" val="fromT"/>
+          <dgm:param type="nodeHorzAlign" val="l"/>
+        </dgm:alg>
+      </dgm:if>
+      <dgm:else name="Name2">
+        <dgm:alg type="lin">
+          <dgm:param type="linDir" val="fromT"/>
+          <dgm:param type="nodeHorzAlign" val="r"/>
+        </dgm:alg>
+      </dgm:else>
+    </dgm:choose>
+    <dgm:shape xmlns:r="http://schemas.openxmlformats.org/officeDocument/2006/relationships" r:blip="">
+      <dgm:adjLst/>
+    </dgm:shape>
+    <dgm:presOf/>
+    <dgm:choose name="Name3">
+      <dgm:if name="Name4" axis="ch" ptType="node" func="cnt" op="lte" val="3">
+        <dgm:constrLst>
+          <dgm:constr type="h" for="ch" forName="compNode" refType="h" fact="0.3"/>
+          <dgm:constr type="w" for="ch" forName="compNode" refType="w"/>
+          <dgm:constr type="h" for="ch" forName="sibTrans" refType="h" refFor="ch" refForName="compNode" fact="0.25"/>
+          <dgm:constr type="primFontSz" for="des" forName="parTx" val="25"/>
+          <dgm:constr type="primFontSz" for="des" forName="desTx" refType="primFontSz" refFor="des" refForName="parTx" op="lte" fact="0.75"/>
+          <dgm:constr type="h" for="des" forName="compNode" op="equ"/>
+          <dgm:constr type="h" for="des" forName="bgRect" op="equ"/>
+          <dgm:constr type="h" for="des" forName="iconRect" op="equ"/>
+          <dgm:constr type="w" for="des" forName="iconRect" op="equ"/>
+          <dgm:constr type="h" for="des" forName="spaceRect" op="equ"/>
+          <dgm:constr type="h" for="des" forName="parTx" op="equ"/>
+          <dgm:constr type="h" for="des" forName="desTx" op="equ"/>
+        </dgm:constrLst>
+      </dgm:if>
+      <dgm:if name="Name5" axis="ch" ptType="node" func="cnt" op="lte" val="4">
+        <dgm:constrLst>
+          <dgm:constr type="h" for="ch" forName="compNode" refType="h" fact="0.3"/>
+          <dgm:constr type="w" for="ch" forName="compNode" refType="w"/>
+          <dgm:constr type="h" for="ch" forName="sibTrans" refType="h" refFor="ch" refForName="compNode" fact="0.25"/>
+          <dgm:constr type="primFontSz" for="des" forName="parTx" val="22"/>
+          <dgm:constr type="primFontSz" for="des" forName="desTx" refType="primFontSz" refFor="des" refForName="parTx" op="lte" fact="0.75"/>
+          <dgm:constr type="h" for="des" forName="compNode" op="equ"/>
+          <dgm:constr type="h" for="des" forName="bgRect" op="equ"/>
+          <dgm:constr type="h" for="des" forName="iconRect" op="equ"/>
+          <dgm:constr type="w" for="des" forName="iconRect" op="equ"/>
+          <dgm:constr type="h" for="des" forName="spaceRect" op="equ"/>
+          <dgm:constr type="h" for="des" forName="parTx" op="equ"/>
+          <dgm:constr type="h" for="des" forName="desTx" op="equ"/>
+        </dgm:constrLst>
+      </dgm:if>
+      <dgm:if name="Name6" axis="ch" ptType="node" func="cnt" op="lte" val="6">
+        <dgm:constrLst>
+          <dgm:constr type="h" for="ch" forName="compNode" refType="h" fact="0.3"/>
+          <dgm:constr type="w" for="ch" forName="compNode" refType="w"/>
+          <dgm:constr type="h" for="ch" forName="sibTrans" refType="h" refFor="ch" refForName="compNode" fact="0.25"/>
+          <dgm:constr type="primFontSz" for="des" forName="parTx" val="19"/>
+          <dgm:constr type="primFontSz" for="des" forName="desTx" refType="primFontSz" refFor="des" refForName="parTx" op="lte" fact="0.75"/>
+          <dgm:constr type="h" for="des" forName="compNode" op="equ"/>
+          <dgm:constr type="h" for="des" forName="bgRect" op="equ"/>
+          <dgm:constr type="h" for="des" forName="iconRect" op="equ"/>
+          <dgm:constr type="w" for="des" forName="iconRect" op="equ"/>
+          <dgm:constr type="h" for="des" forName="spaceRect" op="equ"/>
+          <dgm:constr type="h" for="des" forName="parTx" op="equ"/>
+          <dgm:constr type="h" for="des" forName="desTx" op="equ"/>
+        </dgm:constrLst>
+      </dgm:if>
+      <dgm:else name="Name7">
+        <dgm:constrLst>
+          <dgm:constr type="h" for="ch" forName="compNode" refType="h" fact="0.3"/>
+          <dgm:constr type="w" for="ch" forName="compNode" refType="w"/>
+          <dgm:constr type="h" for="ch" forName="sibTrans" refType="h" refFor="ch" refForName="compNode" fact="0.25"/>
+          <dgm:constr type="primFontSz" for="des" forName="parTx" val="16"/>
+          <dgm:constr type="primFontSz" for="des" forName="desTx" refType="primFontSz" refFor="des" refForName="parTx" op="lte" fact="0.75"/>
+          <dgm:constr type="h" for="des" forName="compNode" op="equ"/>
+          <dgm:constr type="h" for="des" forName="bgRect" op="equ"/>
+          <dgm:constr type="h" for="des" forName="iconRect" op="equ"/>
+          <dgm:constr type="w" for="des" forName="iconRect" op="equ"/>
+          <dgm:constr type="h" for="des" forName="spaceRect" op="equ"/>
+          <dgm:constr type="h" for="des" forName="parTx" op="equ"/>
+          <dgm:constr type="h" for="des" forName="desTx" op="equ"/>
+        </dgm:constrLst>
+      </dgm:else>
+    </dgm:choose>
+    <dgm:ruleLst>
+      <dgm:rule type="h" for="ch" forName="compNode" val="0" fact="NaN" max="NaN"/>
+    </dgm:ruleLst>
+    <dgm:forEach name="Name8" axis="ch" ptType="node">
+      <dgm:layoutNode name="compNode">
+        <dgm:alg type="composite"/>
+        <dgm:shape xmlns:r="http://schemas.openxmlformats.org/officeDocument/2006/relationships" r:blip="">
+          <dgm:adjLst/>
+        </dgm:shape>
+        <dgm:presOf axis="self"/>
+        <dgm:choose name="Name9">
+          <dgm:if name="Name10" axis="ch" ptType="node" func="cnt" op="gte" val="1">
+            <dgm:constrLst>
+              <dgm:constr type="w" for="ch" forName="bgRect" refType="w"/>
+              <dgm:constr type="h" for="ch" forName="bgRect" refType="h"/>
+              <dgm:constr type="l" for="ch" forName="bgRect"/>
+              <dgm:constr type="t" for="ch" forName="bgRect"/>
+              <dgm:constr type="h" for="ch" forName="iconRect" refType="h" fact="0.55"/>
+              <dgm:constr type="w" for="ch" forName="iconRect" refType="h" refFor="ch" refForName="iconRect"/>
+              <dgm:constr type="l" for="ch" forName="iconRect" refType="h" refFor="ch" refForName="iconRect" fact="0.55"/>
+              <dgm:constr type="ctrY" for="ch" forName="iconRect" refType="ctrY" refFor="ch" refForName="bgRect"/>
+              <dgm:constr type="w" for="ch" forName="spaceRect" refType="l" refFor="ch" refForName="iconRect"/>
+              <dgm:constr type="h" for="ch" forName="spaceRect" refType="h"/>
+              <dgm:constr type="l" for="ch" forName="spaceRect" refType="r" refFor="ch" refForName="iconRect"/>
+              <dgm:constr type="t" for="ch" forName="spaceRect"/>
+              <dgm:constr type="w" for="ch" forName="parTx" refType="w" fact="0.45"/>
+              <dgm:constr type="h" for="ch" forName="parTx" refType="h"/>
+              <dgm:constr type="l" for="ch" forName="parTx" refType="r" refFor="ch" refForName="spaceRect"/>
+              <dgm:constr type="t" for="ch" forName="parTx"/>
+              <dgm:constr type="h" for="ch" forName="desTx" refType="h"/>
+              <dgm:constr type="l" for="ch" forName="desTx" refType="r" refFor="ch" refForName="parTx"/>
+              <dgm:constr type="t" for="ch" forName="desTx"/>
+            </dgm:constrLst>
+          </dgm:if>
+          <dgm:else name="Name11">
+            <dgm:constrLst>
+              <dgm:constr type="w" for="ch" forName="bgRect" refType="w"/>
+              <dgm:constr type="h" for="ch" forName="bgRect" refType="h"/>
+              <dgm:constr type="l" for="ch" forName="bgRect"/>
+              <dgm:constr type="t" for="ch" forName="bgRect"/>
+              <dgm:constr type="h" for="ch" forName="iconRect" refType="h" fact="0.55"/>
+              <dgm:constr type="w" for="ch" forName="iconRect" refType="h" refFor="ch" refForName="iconRect"/>
+              <dgm:constr type="l" for="ch" forName="iconRect" refType="h" refFor="ch" refForName="iconRect" fact="0.55"/>
+              <dgm:constr type="ctrY" for="ch" forName="iconRect" refType="ctrY" refFor="ch" refForName="bgRect"/>
+              <dgm:constr type="w" for="ch" forName="spaceRect" refType="l" refFor="ch" refForName="iconRect"/>
+              <dgm:constr type="h" for="ch" forName="spaceRect" refType="h"/>
+              <dgm:constr type="l" for="ch" forName="spaceRect" refType="r" refFor="ch" refForName="iconRect"/>
+              <dgm:constr type="t" for="ch" forName="spaceRect"/>
+              <dgm:constr type="h" for="ch" forName="parTx" refType="h"/>
+              <dgm:constr type="l" for="ch" forName="parTx" refType="r" refFor="ch" refForName="spaceRect"/>
+              <dgm:constr type="t" for="ch" forName="parTx"/>
+            </dgm:constrLst>
+          </dgm:else>
+        </dgm:choose>
+        <dgm:ruleLst>
+          <dgm:rule type="h" val="INF" fact="NaN" max="NaN"/>
+        </dgm:ruleLst>
+        <dgm:layoutNode name="bgRect" styleLbl="bgShp">
+          <dgm:alg type="sp"/>
+          <dgm:shape xmlns:r="http://schemas.openxmlformats.org/officeDocument/2006/relationships" type="roundRect" r:blip="">
+            <dgm:adjLst>
+              <dgm:adj idx="1" val="0.1"/>
+            </dgm:adjLst>
+          </dgm:shape>
+          <dgm:presOf/>
+          <dgm:constrLst/>
+          <dgm:ruleLst/>
+        </dgm:layoutNode>
+        <dgm:layoutNode name="iconRect" styleLbl="node1">
+          <dgm:alg type="sp"/>
+          <dgm:shape xmlns:r="http://schemas.openxmlformats.org/officeDocument/2006/relationships" type="rect" r:blip="" blipPhldr="1">
+            <dgm:adjLst/>
+          </dgm:shape>
+          <dgm:presOf/>
+          <dgm:constrLst/>
+          <dgm:ruleLst/>
+        </dgm:layoutNode>
+        <dgm:layoutNode name="spaceRect">
+          <dgm:alg type="sp"/>
+          <dgm:shape xmlns:r="http://schemas.openxmlformats.org/officeDocument/2006/relationships" r:blip="">
+            <dgm:adjLst/>
+          </dgm:shape>
+          <dgm:presOf/>
+          <dgm:constrLst/>
+          <dgm:ruleLst/>
+        </dgm:layoutNode>
+        <dgm:layoutNode name="parTx" styleLbl="revTx">
+          <dgm:varLst>
+            <dgm:chMax val="0"/>
+            <dgm:chPref val="0"/>
+          </dgm:varLst>
+          <dgm:alg type="tx">
+            <dgm:param type="txAnchorVert" val="mid"/>
+            <dgm:param type="parTxLTRAlign" val="l"/>
+            <dgm:param type="shpTxLTRAlignCh" val="l"/>
+            <dgm:param type="parTxRTLAlign" val="r"/>
+            <dgm:param type="shpTxRTLAlignCh" val="r"/>
+          </dgm:alg>
+          <dgm:shape xmlns:r="http://schemas.openxmlformats.org/officeDocument/2006/relationships" type="rect" r:blip="">
+            <dgm:adjLst/>
+          </dgm:shape>
+          <dgm:presOf axis="self" ptType="node"/>
+          <dgm:constrLst>
+            <dgm:constr type="lMarg" refType="h" fact="0.3"/>
+            <dgm:constr type="rMarg" refType="h" fact="0.3"/>
+            <dgm:constr type="tMarg" refType="h" fact="0.3"/>
+            <dgm:constr type="bMarg" refType="h" fact="0.3"/>
+          </dgm:constrLst>
+          <dgm:ruleLst>
+            <dgm:rule type="primFontSz" val="14" fact="NaN" max="NaN"/>
+            <dgm:rule type="h" val="INF" fact="NaN" max="NaN"/>
+          </dgm:ruleLst>
+        </dgm:layoutNode>
+        <dgm:choose name="Name12">
+          <dgm:if name="Name13" axis="ch" ptType="node" func="cnt" op="gte" val="1">
+            <dgm:layoutNode name="desTx" styleLbl="revTx">
+              <dgm:varLst/>
+              <dgm:alg type="tx">
+                <dgm:param type="txAnchorVertCh" val="mid"/>
+                <dgm:param type="parTxLTRAlign" val="l"/>
+                <dgm:param type="shpTxLTRAlignCh" val="l"/>
+                <dgm:param type="parTxRTLAlign" val="r"/>
+                <dgm:param type="shpTxRTLAlignCh" val="r"/>
+                <dgm:param type="stBulletLvl" val="0"/>
+              </dgm:alg>
+              <dgm:shape xmlns:r="http://schemas.openxmlformats.org/officeDocument/2006/relationships" type="rect" r:blip="">
+                <dgm:adjLst/>
+              </dgm:shape>
+              <dgm:presOf axis="des" ptType="node"/>
+              <dgm:constrLst>
+                <dgm:constr type="primFontSz" val="18"/>
+                <dgm:constr type="secFontSz" refType="primFontSz"/>
+                <dgm:constr type="lMarg" refType="h" fact="0.3"/>
+                <dgm:constr type="rMarg" refType="h" fact="0.3"/>
+                <dgm:constr type="tMarg" refType="h" fact="0.3"/>
+                <dgm:constr type="bMarg" refType="h" fact="0.3"/>
+              </dgm:constrLst>
+              <dgm:ruleLst>
+                <dgm:rule type="primFontSz" val="11" fact="NaN" max="NaN"/>
+              </dgm:ruleLst>
+            </dgm:layoutNode>
+          </dgm:if>
+          <dgm:else name="Name14"/>
+        </dgm:choose>
+      </dgm:layoutNode>
+      <dgm:forEach name="Name15" axis="followSib" ptType="sibTrans" cnt="1">
+        <dgm:layoutNode name="sibTrans">
+          <dgm:alg type="sp"/>
+          <dgm:shape xmlns:r="http://schemas.openxmlformats.org/officeDocument/2006/relationships" r:blip="">
+            <dgm:adjLst/>
+          </dgm:shape>
+          <dgm:presOf axis="self"/>
+          <dgm:constrLst/>
+          <dgm:ruleLst/>
+        </dgm:layoutNode>
+      </dgm:forEach>
+    </dgm:forEach>
+  </dgm:layoutNode>
+  <dgm:extLst>
+    <a:ext uri="{68A01E43-0DF5-4B5B-8FA6-DAF915123BFB}">
+      <dgm1612:lstStyle xmlns:dgm1612="http://schemas.microsoft.com/office/drawing/2016/12/diagram">
+        <a:lvl1pPr>
+          <a:lnSpc>
+            <a:spcPct val="100000"/>
+          </a:lnSpc>
+        </a:lvl1pPr>
+        <a:lvl2pPr>
+          <a:lnSpc>
+            <a:spcPct val="100000"/>
+          </a:lnSpc>
+        </a:lvl2pPr>
+      </dgm1612:lstStyle>
+    </a:ext>
+  </dgm:extLst>
+</dgm:layoutDef>
+</file>
+
+<file path=ppt/diagrams/layout2.xml><?xml version="1.0" encoding="utf-8"?>
 <dgm:layoutDef xmlns:dgm="http://schemas.openxmlformats.org/drawingml/2006/diagram" xmlns:a="http://schemas.openxmlformats.org/drawingml/2006/main" uniqueId="urn:microsoft.com/office/officeart/2024/3/layout/hArchList1">
   <dgm:title val="Horizontal Text Blocks"/>
   <dgm:desc val="Short bits of text with formatted headers. Use as an easier-to-read alternative to a bulleted list."/>
@@ -2922,6 +5267,1040 @@
 </dgm:styleDef>
 </file>
 
+<file path=ppt/diagrams/quickStyle2.xml><?xml version="1.0" encoding="utf-8"?>
+<dgm:styleDef xmlns:dgm="http://schemas.openxmlformats.org/drawingml/2006/diagram" xmlns:a="http://schemas.openxmlformats.org/drawingml/2006/main" uniqueId="urn:microsoft.com/office/officeart/2005/8/quickstyle/simple1">
+  <dgm:title val=""/>
+  <dgm:desc val=""/>
+  <dgm:catLst>
+    <dgm:cat type="simple" pri="10100"/>
+  </dgm:catLst>
+  <dgm:scene3d>
+    <a:camera prst="orthographicFront"/>
+    <a:lightRig rig="threePt" dir="t"/>
+  </dgm:scene3d>
+  <dgm:styleLbl name="node0">
+    <dgm:scene3d>
+      <a:camera prst="orthographicFront"/>
+      <a:lightRig rig="threePt" dir="t"/>
+    </dgm:scene3d>
+    <dgm:sp3d/>
+    <dgm:txPr/>
+    <dgm:style>
+      <a:lnRef idx="2">
+        <a:scrgbClr r="0" g="0" b="0"/>
+      </a:lnRef>
+      <a:fillRef idx="1">
+        <a:scrgbClr r="0" g="0" b="0"/>
+      </a:fillRef>
+      <a:effectRef idx="0">
+        <a:scrgbClr r="0" g="0" b="0"/>
+      </a:effectRef>
+      <a:fontRef idx="minor">
+        <a:schemeClr val="lt1"/>
+      </a:fontRef>
+    </dgm:style>
+  </dgm:styleLbl>
+  <dgm:styleLbl name="lnNode1">
+    <dgm:scene3d>
+      <a:camera prst="orthographicFront"/>
+      <a:lightRig rig="threePt" dir="t"/>
+    </dgm:scene3d>
+    <dgm:sp3d/>
+    <dgm:txPr/>
+    <dgm:style>
+      <a:lnRef idx="2">
+        <a:scrgbClr r="0" g="0" b="0"/>
+      </a:lnRef>
+      <a:fillRef idx="1">
+        <a:scrgbClr r="0" g="0" b="0"/>
+      </a:fillRef>
+      <a:effectRef idx="0">
+        <a:scrgbClr r="0" g="0" b="0"/>
+      </a:effectRef>
+      <a:fontRef idx="minor">
+        <a:schemeClr val="lt1"/>
+      </a:fontRef>
+    </dgm:style>
+  </dgm:styleLbl>
+  <dgm:styleLbl name="vennNode1">
+    <dgm:scene3d>
+      <a:camera prst="orthographicFront"/>
+      <a:lightRig rig="threePt" dir="t"/>
+    </dgm:scene3d>
+    <dgm:sp3d/>
+    <dgm:txPr/>
+    <dgm:style>
+      <a:lnRef idx="2">
+        <a:scrgbClr r="0" g="0" b="0"/>
+      </a:lnRef>
+      <a:fillRef idx="1">
+        <a:scrgbClr r="0" g="0" b="0"/>
+      </a:fillRef>
+      <a:effectRef idx="0">
+        <a:scrgbClr r="0" g="0" b="0"/>
+      </a:effectRef>
+      <a:fontRef idx="minor">
+        <a:schemeClr val="tx1"/>
+      </a:fontRef>
+    </dgm:style>
+  </dgm:styleLbl>
+  <dgm:styleLbl name="alignNode1">
+    <dgm:scene3d>
+      <a:camera prst="orthographicFront"/>
+      <a:lightRig rig="threePt" dir="t"/>
+    </dgm:scene3d>
+    <dgm:sp3d/>
+    <dgm:txPr/>
+    <dgm:style>
+      <a:lnRef idx="2">
+        <a:scrgbClr r="0" g="0" b="0"/>
+      </a:lnRef>
+      <a:fillRef idx="1">
+        <a:scrgbClr r="0" g="0" b="0"/>
+      </a:fillRef>
+      <a:effectRef idx="0">
+        <a:scrgbClr r="0" g="0" b="0"/>
+      </a:effectRef>
+      <a:fontRef idx="minor">
+        <a:schemeClr val="lt1"/>
+      </a:fontRef>
+    </dgm:style>
+  </dgm:styleLbl>
+  <dgm:styleLbl name="node1">
+    <dgm:scene3d>
+      <a:camera prst="orthographicFront"/>
+      <a:lightRig rig="threePt" dir="t"/>
+    </dgm:scene3d>
+    <dgm:sp3d/>
+    <dgm:txPr/>
+    <dgm:style>
+      <a:lnRef idx="2">
+        <a:scrgbClr r="0" g="0" b="0"/>
+      </a:lnRef>
+      <a:fillRef idx="1">
+        <a:scrgbClr r="0" g="0" b="0"/>
+      </a:fillRef>
+      <a:effectRef idx="0">
+        <a:scrgbClr r="0" g="0" b="0"/>
+      </a:effectRef>
+      <a:fontRef idx="minor">
+        <a:schemeClr val="lt1"/>
+      </a:fontRef>
+    </dgm:style>
+  </dgm:styleLbl>
+  <dgm:styleLbl name="node2">
+    <dgm:scene3d>
+      <a:camera prst="orthographicFront"/>
+      <a:lightRig rig="threePt" dir="t"/>
+    </dgm:scene3d>
+    <dgm:sp3d/>
+    <dgm:txPr/>
+    <dgm:style>
+      <a:lnRef idx="2">
+        <a:scrgbClr r="0" g="0" b="0"/>
+      </a:lnRef>
+      <a:fillRef idx="1">
+        <a:scrgbClr r="0" g="0" b="0"/>
+      </a:fillRef>
+      <a:effectRef idx="0">
+        <a:scrgbClr r="0" g="0" b="0"/>
+      </a:effectRef>
+      <a:fontRef idx="minor">
+        <a:schemeClr val="lt1"/>
+      </a:fontRef>
+    </dgm:style>
+  </dgm:styleLbl>
+  <dgm:styleLbl name="node3">
+    <dgm:scene3d>
+      <a:camera prst="orthographicFront"/>
+      <a:lightRig rig="threePt" dir="t"/>
+    </dgm:scene3d>
+    <dgm:sp3d/>
+    <dgm:txPr/>
+    <dgm:style>
+      <a:lnRef idx="2">
+        <a:scrgbClr r="0" g="0" b="0"/>
+      </a:lnRef>
+      <a:fillRef idx="1">
+        <a:scrgbClr r="0" g="0" b="0"/>
+      </a:fillRef>
+      <a:effectRef idx="0">
+        <a:scrgbClr r="0" g="0" b="0"/>
+      </a:effectRef>
+      <a:fontRef idx="minor">
+        <a:schemeClr val="lt1"/>
+      </a:fontRef>
+    </dgm:style>
+  </dgm:styleLbl>
+  <dgm:styleLbl name="node4">
+    <dgm:scene3d>
+      <a:camera prst="orthographicFront"/>
+      <a:lightRig rig="threePt" dir="t"/>
+    </dgm:scene3d>
+    <dgm:sp3d/>
+    <dgm:txPr/>
+    <dgm:style>
+      <a:lnRef idx="2">
+        <a:scrgbClr r="0" g="0" b="0"/>
+      </a:lnRef>
+      <a:fillRef idx="1">
+        <a:scrgbClr r="0" g="0" b="0"/>
+      </a:fillRef>
+      <a:effectRef idx="0">
+        <a:scrgbClr r="0" g="0" b="0"/>
+      </a:effectRef>
+      <a:fontRef idx="minor">
+        <a:schemeClr val="lt1"/>
+      </a:fontRef>
+    </dgm:style>
+  </dgm:styleLbl>
+  <dgm:styleLbl name="fgImgPlace1">
+    <dgm:scene3d>
+      <a:camera prst="orthographicFront"/>
+      <a:lightRig rig="threePt" dir="t"/>
+    </dgm:scene3d>
+    <dgm:sp3d/>
+    <dgm:txPr/>
+    <dgm:style>
+      <a:lnRef idx="2">
+        <a:scrgbClr r="0" g="0" b="0"/>
+      </a:lnRef>
+      <a:fillRef idx="1">
+        <a:scrgbClr r="0" g="0" b="0"/>
+      </a:fillRef>
+      <a:effectRef idx="0">
+        <a:scrgbClr r="0" g="0" b="0"/>
+      </a:effectRef>
+      <a:fontRef idx="minor"/>
+    </dgm:style>
+  </dgm:styleLbl>
+  <dgm:styleLbl name="alignImgPlace1">
+    <dgm:scene3d>
+      <a:camera prst="orthographicFront"/>
+      <a:lightRig rig="threePt" dir="t"/>
+    </dgm:scene3d>
+    <dgm:sp3d/>
+    <dgm:txPr/>
+    <dgm:style>
+      <a:lnRef idx="2">
+        <a:scrgbClr r="0" g="0" b="0"/>
+      </a:lnRef>
+      <a:fillRef idx="1">
+        <a:scrgbClr r="0" g="0" b="0"/>
+      </a:fillRef>
+      <a:effectRef idx="0">
+        <a:scrgbClr r="0" g="0" b="0"/>
+      </a:effectRef>
+      <a:fontRef idx="minor"/>
+    </dgm:style>
+  </dgm:styleLbl>
+  <dgm:styleLbl name="bgImgPlace1">
+    <dgm:scene3d>
+      <a:camera prst="orthographicFront"/>
+      <a:lightRig rig="threePt" dir="t"/>
+    </dgm:scene3d>
+    <dgm:sp3d/>
+    <dgm:txPr/>
+    <dgm:style>
+      <a:lnRef idx="2">
+        <a:scrgbClr r="0" g="0" b="0"/>
+      </a:lnRef>
+      <a:fillRef idx="1">
+        <a:scrgbClr r="0" g="0" b="0"/>
+      </a:fillRef>
+      <a:effectRef idx="0">
+        <a:scrgbClr r="0" g="0" b="0"/>
+      </a:effectRef>
+      <a:fontRef idx="minor"/>
+    </dgm:style>
+  </dgm:styleLbl>
+  <dgm:styleLbl name="sibTrans2D1">
+    <dgm:scene3d>
+      <a:camera prst="orthographicFront"/>
+      <a:lightRig rig="threePt" dir="t"/>
+    </dgm:scene3d>
+    <dgm:sp3d/>
+    <dgm:txPr/>
+    <dgm:style>
+      <a:lnRef idx="0">
+        <a:scrgbClr r="0" g="0" b="0"/>
+      </a:lnRef>
+      <a:fillRef idx="1">
+        <a:scrgbClr r="0" g="0" b="0"/>
+      </a:fillRef>
+      <a:effectRef idx="0">
+        <a:scrgbClr r="0" g="0" b="0"/>
+      </a:effectRef>
+      <a:fontRef idx="minor">
+        <a:schemeClr val="lt1"/>
+      </a:fontRef>
+    </dgm:style>
+  </dgm:styleLbl>
+  <dgm:styleLbl name="fgSibTrans2D1">
+    <dgm:scene3d>
+      <a:camera prst="orthographicFront"/>
+      <a:lightRig rig="threePt" dir="t"/>
+    </dgm:scene3d>
+    <dgm:sp3d/>
+    <dgm:txPr/>
+    <dgm:style>
+      <a:lnRef idx="0">
+        <a:scrgbClr r="0" g="0" b="0"/>
+      </a:lnRef>
+      <a:fillRef idx="1">
+        <a:scrgbClr r="0" g="0" b="0"/>
+      </a:fillRef>
+      <a:effectRef idx="0">
+        <a:scrgbClr r="0" g="0" b="0"/>
+      </a:effectRef>
+      <a:fontRef idx="minor">
+        <a:schemeClr val="lt1"/>
+      </a:fontRef>
+    </dgm:style>
+  </dgm:styleLbl>
+  <dgm:styleLbl name="bgSibTrans2D1">
+    <dgm:scene3d>
+      <a:camera prst="orthographicFront"/>
+      <a:lightRig rig="threePt" dir="t"/>
+    </dgm:scene3d>
+    <dgm:sp3d/>
+    <dgm:txPr/>
+    <dgm:style>
+      <a:lnRef idx="0">
+        <a:scrgbClr r="0" g="0" b="0"/>
+      </a:lnRef>
+      <a:fillRef idx="1">
+        <a:scrgbClr r="0" g="0" b="0"/>
+      </a:fillRef>
+      <a:effectRef idx="0">
+        <a:scrgbClr r="0" g="0" b="0"/>
+      </a:effectRef>
+      <a:fontRef idx="minor">
+        <a:schemeClr val="lt1"/>
+      </a:fontRef>
+    </dgm:style>
+  </dgm:styleLbl>
+  <dgm:styleLbl name="sibTrans1D1">
+    <dgm:scene3d>
+      <a:camera prst="orthographicFront"/>
+      <a:lightRig rig="threePt" dir="t"/>
+    </dgm:scene3d>
+    <dgm:sp3d/>
+    <dgm:txPr/>
+    <dgm:style>
+      <a:lnRef idx="1">
+        <a:scrgbClr r="0" g="0" b="0"/>
+      </a:lnRef>
+      <a:fillRef idx="0">
+        <a:scrgbClr r="0" g="0" b="0"/>
+      </a:fillRef>
+      <a:effectRef idx="0">
+        <a:scrgbClr r="0" g="0" b="0"/>
+      </a:effectRef>
+      <a:fontRef idx="minor"/>
+    </dgm:style>
+  </dgm:styleLbl>
+  <dgm:styleLbl name="callout">
+    <dgm:scene3d>
+      <a:camera prst="orthographicFront"/>
+      <a:lightRig rig="threePt" dir="t"/>
+    </dgm:scene3d>
+    <dgm:sp3d/>
+    <dgm:txPr/>
+    <dgm:style>
+      <a:lnRef idx="2">
+        <a:scrgbClr r="0" g="0" b="0"/>
+      </a:lnRef>
+      <a:fillRef idx="1">
+        <a:scrgbClr r="0" g="0" b="0"/>
+      </a:fillRef>
+      <a:effectRef idx="0">
+        <a:scrgbClr r="0" g="0" b="0"/>
+      </a:effectRef>
+      <a:fontRef idx="minor"/>
+    </dgm:style>
+  </dgm:styleLbl>
+  <dgm:styleLbl name="asst0">
+    <dgm:scene3d>
+      <a:camera prst="orthographicFront"/>
+      <a:lightRig rig="threePt" dir="t"/>
+    </dgm:scene3d>
+    <dgm:sp3d/>
+    <dgm:txPr/>
+    <dgm:style>
+      <a:lnRef idx="2">
+        <a:scrgbClr r="0" g="0" b="0"/>
+      </a:lnRef>
+      <a:fillRef idx="1">
+        <a:scrgbClr r="0" g="0" b="0"/>
+      </a:fillRef>
+      <a:effectRef idx="0">
+        <a:scrgbClr r="0" g="0" b="0"/>
+      </a:effectRef>
+      <a:fontRef idx="minor">
+        <a:schemeClr val="lt1"/>
+      </a:fontRef>
+    </dgm:style>
+  </dgm:styleLbl>
+  <dgm:styleLbl name="asst1">
+    <dgm:scene3d>
+      <a:camera prst="orthographicFront"/>
+      <a:lightRig rig="threePt" dir="t"/>
+    </dgm:scene3d>
+    <dgm:sp3d/>
+    <dgm:txPr/>
+    <dgm:style>
+      <a:lnRef idx="2">
+        <a:scrgbClr r="0" g="0" b="0"/>
+      </a:lnRef>
+      <a:fillRef idx="1">
+        <a:scrgbClr r="0" g="0" b="0"/>
+      </a:fillRef>
+      <a:effectRef idx="0">
+        <a:scrgbClr r="0" g="0" b="0"/>
+      </a:effectRef>
+      <a:fontRef idx="minor">
+        <a:schemeClr val="lt1"/>
+      </a:fontRef>
+    </dgm:style>
+  </dgm:styleLbl>
+  <dgm:styleLbl name="asst2">
+    <dgm:scene3d>
+      <a:camera prst="orthographicFront"/>
+      <a:lightRig rig="threePt" dir="t"/>
+    </dgm:scene3d>
+    <dgm:sp3d/>
+    <dgm:txPr/>
+    <dgm:style>
+      <a:lnRef idx="2">
+        <a:scrgbClr r="0" g="0" b="0"/>
+      </a:lnRef>
+      <a:fillRef idx="1">
+        <a:scrgbClr r="0" g="0" b="0"/>
+      </a:fillRef>
+      <a:effectRef idx="0">
+        <a:scrgbClr r="0" g="0" b="0"/>
+      </a:effectRef>
+      <a:fontRef idx="minor">
+        <a:schemeClr val="lt1"/>
+      </a:fontRef>
+    </dgm:style>
+  </dgm:styleLbl>
+  <dgm:styleLbl name="asst3">
+    <dgm:scene3d>
+      <a:camera prst="orthographicFront"/>
+      <a:lightRig rig="threePt" dir="t"/>
+    </dgm:scene3d>
+    <dgm:sp3d/>
+    <dgm:txPr/>
+    <dgm:style>
+      <a:lnRef idx="2">
+        <a:scrgbClr r="0" g="0" b="0"/>
+      </a:lnRef>
+      <a:fillRef idx="1">
+        <a:scrgbClr r="0" g="0" b="0"/>
+      </a:fillRef>
+      <a:effectRef idx="0">
+        <a:scrgbClr r="0" g="0" b="0"/>
+      </a:effectRef>
+      <a:fontRef idx="minor">
+        <a:schemeClr val="lt1"/>
+      </a:fontRef>
+    </dgm:style>
+  </dgm:styleLbl>
+  <dgm:styleLbl name="asst4">
+    <dgm:scene3d>
+      <a:camera prst="orthographicFront"/>
+      <a:lightRig rig="threePt" dir="t"/>
+    </dgm:scene3d>
+    <dgm:sp3d/>
+    <dgm:txPr/>
+    <dgm:style>
+      <a:lnRef idx="2">
+        <a:scrgbClr r="0" g="0" b="0"/>
+      </a:lnRef>
+      <a:fillRef idx="1">
+        <a:scrgbClr r="0" g="0" b="0"/>
+      </a:fillRef>
+      <a:effectRef idx="0">
+        <a:scrgbClr r="0" g="0" b="0"/>
+      </a:effectRef>
+      <a:fontRef idx="minor">
+        <a:schemeClr val="lt1"/>
+      </a:fontRef>
+    </dgm:style>
+  </dgm:styleLbl>
+  <dgm:styleLbl name="parChTrans2D1">
+    <dgm:scene3d>
+      <a:camera prst="orthographicFront"/>
+      <a:lightRig rig="threePt" dir="t"/>
+    </dgm:scene3d>
+    <dgm:sp3d/>
+    <dgm:txPr/>
+    <dgm:style>
+      <a:lnRef idx="2">
+        <a:scrgbClr r="0" g="0" b="0"/>
+      </a:lnRef>
+      <a:fillRef idx="1">
+        <a:scrgbClr r="0" g="0" b="0"/>
+      </a:fillRef>
+      <a:effectRef idx="0">
+        <a:scrgbClr r="0" g="0" b="0"/>
+      </a:effectRef>
+      <a:fontRef idx="minor">
+        <a:schemeClr val="lt1"/>
+      </a:fontRef>
+    </dgm:style>
+  </dgm:styleLbl>
+  <dgm:styleLbl name="parChTrans2D2">
+    <dgm:scene3d>
+      <a:camera prst="orthographicFront"/>
+      <a:lightRig rig="threePt" dir="t"/>
+    </dgm:scene3d>
+    <dgm:sp3d/>
+    <dgm:txPr/>
+    <dgm:style>
+      <a:lnRef idx="2">
+        <a:scrgbClr r="0" g="0" b="0"/>
+      </a:lnRef>
+      <a:fillRef idx="1">
+        <a:scrgbClr r="0" g="0" b="0"/>
+      </a:fillRef>
+      <a:effectRef idx="0">
+        <a:scrgbClr r="0" g="0" b="0"/>
+      </a:effectRef>
+      <a:fontRef idx="minor">
+        <a:schemeClr val="lt1"/>
+      </a:fontRef>
+    </dgm:style>
+  </dgm:styleLbl>
+  <dgm:styleLbl name="parChTrans2D3">
+    <dgm:scene3d>
+      <a:camera prst="orthographicFront"/>
+      <a:lightRig rig="threePt" dir="t"/>
+    </dgm:scene3d>
+    <dgm:sp3d/>
+    <dgm:txPr/>
+    <dgm:style>
+      <a:lnRef idx="2">
+        <a:scrgbClr r="0" g="0" b="0"/>
+      </a:lnRef>
+      <a:fillRef idx="1">
+        <a:scrgbClr r="0" g="0" b="0"/>
+      </a:fillRef>
+      <a:effectRef idx="0">
+        <a:scrgbClr r="0" g="0" b="0"/>
+      </a:effectRef>
+      <a:fontRef idx="minor">
+        <a:schemeClr val="lt1"/>
+      </a:fontRef>
+    </dgm:style>
+  </dgm:styleLbl>
+  <dgm:styleLbl name="parChTrans2D4">
+    <dgm:scene3d>
+      <a:camera prst="orthographicFront"/>
+      <a:lightRig rig="threePt" dir="t"/>
+    </dgm:scene3d>
+    <dgm:sp3d/>
+    <dgm:txPr/>
+    <dgm:style>
+      <a:lnRef idx="2">
+        <a:scrgbClr r="0" g="0" b="0"/>
+      </a:lnRef>
+      <a:fillRef idx="1">
+        <a:scrgbClr r="0" g="0" b="0"/>
+      </a:fillRef>
+      <a:effectRef idx="0">
+        <a:scrgbClr r="0" g="0" b="0"/>
+      </a:effectRef>
+      <a:fontRef idx="minor">
+        <a:schemeClr val="lt1"/>
+      </a:fontRef>
+    </dgm:style>
+  </dgm:styleLbl>
+  <dgm:styleLbl name="parChTrans1D1">
+    <dgm:scene3d>
+      <a:camera prst="orthographicFront"/>
+      <a:lightRig rig="threePt" dir="t"/>
+    </dgm:scene3d>
+    <dgm:sp3d/>
+    <dgm:txPr/>
+    <dgm:style>
+      <a:lnRef idx="2">
+        <a:scrgbClr r="0" g="0" b="0"/>
+      </a:lnRef>
+      <a:fillRef idx="0">
+        <a:scrgbClr r="0" g="0" b="0"/>
+      </a:fillRef>
+      <a:effectRef idx="0">
+        <a:scrgbClr r="0" g="0" b="0"/>
+      </a:effectRef>
+      <a:fontRef idx="minor"/>
+    </dgm:style>
+  </dgm:styleLbl>
+  <dgm:styleLbl name="parChTrans1D2">
+    <dgm:scene3d>
+      <a:camera prst="orthographicFront"/>
+      <a:lightRig rig="threePt" dir="t"/>
+    </dgm:scene3d>
+    <dgm:sp3d/>
+    <dgm:txPr/>
+    <dgm:style>
+      <a:lnRef idx="2">
+        <a:scrgbClr r="0" g="0" b="0"/>
+      </a:lnRef>
+      <a:fillRef idx="0">
+        <a:scrgbClr r="0" g="0" b="0"/>
+      </a:fillRef>
+      <a:effectRef idx="0">
+        <a:scrgbClr r="0" g="0" b="0"/>
+      </a:effectRef>
+      <a:fontRef idx="minor"/>
+    </dgm:style>
+  </dgm:styleLbl>
+  <dgm:styleLbl name="parChTrans1D3">
+    <dgm:scene3d>
+      <a:camera prst="orthographicFront"/>
+      <a:lightRig rig="threePt" dir="t"/>
+    </dgm:scene3d>
+    <dgm:sp3d/>
+    <dgm:txPr/>
+    <dgm:style>
+      <a:lnRef idx="2">
+        <a:scrgbClr r="0" g="0" b="0"/>
+      </a:lnRef>
+      <a:fillRef idx="0">
+        <a:scrgbClr r="0" g="0" b="0"/>
+      </a:fillRef>
+      <a:effectRef idx="0">
+        <a:scrgbClr r="0" g="0" b="0"/>
+      </a:effectRef>
+      <a:fontRef idx="minor"/>
+    </dgm:style>
+  </dgm:styleLbl>
+  <dgm:styleLbl name="parChTrans1D4">
+    <dgm:scene3d>
+      <a:camera prst="orthographicFront"/>
+      <a:lightRig rig="threePt" dir="t"/>
+    </dgm:scene3d>
+    <dgm:sp3d/>
+    <dgm:txPr/>
+    <dgm:style>
+      <a:lnRef idx="2">
+        <a:scrgbClr r="0" g="0" b="0"/>
+      </a:lnRef>
+      <a:fillRef idx="0">
+        <a:scrgbClr r="0" g="0" b="0"/>
+      </a:fillRef>
+      <a:effectRef idx="0">
+        <a:scrgbClr r="0" g="0" b="0"/>
+      </a:effectRef>
+      <a:fontRef idx="minor"/>
+    </dgm:style>
+  </dgm:styleLbl>
+  <dgm:styleLbl name="fgAcc1">
+    <dgm:scene3d>
+      <a:camera prst="orthographicFront"/>
+      <a:lightRig rig="threePt" dir="t"/>
+    </dgm:scene3d>
+    <dgm:sp3d/>
+    <dgm:txPr/>
+    <dgm:style>
+      <a:lnRef idx="2">
+        <a:scrgbClr r="0" g="0" b="0"/>
+      </a:lnRef>
+      <a:fillRef idx="1">
+        <a:scrgbClr r="0" g="0" b="0"/>
+      </a:fillRef>
+      <a:effectRef idx="0">
+        <a:scrgbClr r="0" g="0" b="0"/>
+      </a:effectRef>
+      <a:fontRef idx="minor"/>
+    </dgm:style>
+  </dgm:styleLbl>
+  <dgm:styleLbl name="conFgAcc1">
+    <dgm:scene3d>
+      <a:camera prst="orthographicFront"/>
+      <a:lightRig rig="threePt" dir="t"/>
+    </dgm:scene3d>
+    <dgm:sp3d/>
+    <dgm:txPr/>
+    <dgm:style>
+      <a:lnRef idx="2">
+        <a:scrgbClr r="0" g="0" b="0"/>
+      </a:lnRef>
+      <a:fillRef idx="1">
+        <a:scrgbClr r="0" g="0" b="0"/>
+      </a:fillRef>
+      <a:effectRef idx="0">
+        <a:scrgbClr r="0" g="0" b="0"/>
+      </a:effectRef>
+      <a:fontRef idx="minor"/>
+    </dgm:style>
+  </dgm:styleLbl>
+  <dgm:styleLbl name="alignAcc1">
+    <dgm:scene3d>
+      <a:camera prst="orthographicFront"/>
+      <a:lightRig rig="threePt" dir="t"/>
+    </dgm:scene3d>
+    <dgm:sp3d/>
+    <dgm:txPr/>
+    <dgm:style>
+      <a:lnRef idx="2">
+        <a:scrgbClr r="0" g="0" b="0"/>
+      </a:lnRef>
+      <a:fillRef idx="1">
+        <a:scrgbClr r="0" g="0" b="0"/>
+      </a:fillRef>
+      <a:effectRef idx="0">
+        <a:scrgbClr r="0" g="0" b="0"/>
+      </a:effectRef>
+      <a:fontRef idx="minor"/>
+    </dgm:style>
+  </dgm:styleLbl>
+  <dgm:styleLbl name="trAlignAcc1">
+    <dgm:scene3d>
+      <a:camera prst="orthographicFront"/>
+      <a:lightRig rig="threePt" dir="t"/>
+    </dgm:scene3d>
+    <dgm:sp3d/>
+    <dgm:txPr/>
+    <dgm:style>
+      <a:lnRef idx="1">
+        <a:scrgbClr r="0" g="0" b="0"/>
+      </a:lnRef>
+      <a:fillRef idx="1">
+        <a:scrgbClr r="0" g="0" b="0"/>
+      </a:fillRef>
+      <a:effectRef idx="0">
+        <a:scrgbClr r="0" g="0" b="0"/>
+      </a:effectRef>
+      <a:fontRef idx="minor"/>
+    </dgm:style>
+  </dgm:styleLbl>
+  <dgm:styleLbl name="bgAcc1">
+    <dgm:scene3d>
+      <a:camera prst="orthographicFront"/>
+      <a:lightRig rig="threePt" dir="t"/>
+    </dgm:scene3d>
+    <dgm:sp3d/>
+    <dgm:txPr/>
+    <dgm:style>
+      <a:lnRef idx="2">
+        <a:scrgbClr r="0" g="0" b="0"/>
+      </a:lnRef>
+      <a:fillRef idx="1">
+        <a:scrgbClr r="0" g="0" b="0"/>
+      </a:fillRef>
+      <a:effectRef idx="0">
+        <a:scrgbClr r="0" g="0" b="0"/>
+      </a:effectRef>
+      <a:fontRef idx="minor"/>
+    </dgm:style>
+  </dgm:styleLbl>
+  <dgm:styleLbl name="solidFgAcc1">
+    <dgm:scene3d>
+      <a:camera prst="orthographicFront"/>
+      <a:lightRig rig="threePt" dir="t"/>
+    </dgm:scene3d>
+    <dgm:sp3d/>
+    <dgm:txPr/>
+    <dgm:style>
+      <a:lnRef idx="2">
+        <a:scrgbClr r="0" g="0" b="0"/>
+      </a:lnRef>
+      <a:fillRef idx="1">
+        <a:scrgbClr r="0" g="0" b="0"/>
+      </a:fillRef>
+      <a:effectRef idx="0">
+        <a:scrgbClr r="0" g="0" b="0"/>
+      </a:effectRef>
+      <a:fontRef idx="minor"/>
+    </dgm:style>
+  </dgm:styleLbl>
+  <dgm:styleLbl name="solidAlignAcc1">
+    <dgm:scene3d>
+      <a:camera prst="orthographicFront"/>
+      <a:lightRig rig="threePt" dir="t"/>
+    </dgm:scene3d>
+    <dgm:sp3d/>
+    <dgm:txPr/>
+    <dgm:style>
+      <a:lnRef idx="2">
+        <a:scrgbClr r="0" g="0" b="0"/>
+      </a:lnRef>
+      <a:fillRef idx="1">
+        <a:scrgbClr r="0" g="0" b="0"/>
+      </a:fillRef>
+      <a:effectRef idx="0">
+        <a:scrgbClr r="0" g="0" b="0"/>
+      </a:effectRef>
+      <a:fontRef idx="minor"/>
+    </dgm:style>
+  </dgm:styleLbl>
+  <dgm:styleLbl name="solidBgAcc1">
+    <dgm:scene3d>
+      <a:camera prst="orthographicFront"/>
+      <a:lightRig rig="threePt" dir="t"/>
+    </dgm:scene3d>
+    <dgm:sp3d/>
+    <dgm:txPr/>
+    <dgm:style>
+      <a:lnRef idx="2">
+        <a:scrgbClr r="0" g="0" b="0"/>
+      </a:lnRef>
+      <a:fillRef idx="1">
+        <a:scrgbClr r="0" g="0" b="0"/>
+      </a:fillRef>
+      <a:effectRef idx="0">
+        <a:scrgbClr r="0" g="0" b="0"/>
+      </a:effectRef>
+      <a:fontRef idx="minor"/>
+    </dgm:style>
+  </dgm:styleLbl>
+  <dgm:styleLbl name="fgAccFollowNode1">
+    <dgm:scene3d>
+      <a:camera prst="orthographicFront"/>
+      <a:lightRig rig="threePt" dir="t"/>
+    </dgm:scene3d>
+    <dgm:sp3d/>
+    <dgm:txPr/>
+    <dgm:style>
+      <a:lnRef idx="2">
+        <a:scrgbClr r="0" g="0" b="0"/>
+      </a:lnRef>
+      <a:fillRef idx="1">
+        <a:scrgbClr r="0" g="0" b="0"/>
+      </a:fillRef>
+      <a:effectRef idx="0">
+        <a:scrgbClr r="0" g="0" b="0"/>
+      </a:effectRef>
+      <a:fontRef idx="minor"/>
+    </dgm:style>
+  </dgm:styleLbl>
+  <dgm:styleLbl name="alignAccFollowNode1">
+    <dgm:scene3d>
+      <a:camera prst="orthographicFront"/>
+      <a:lightRig rig="threePt" dir="t"/>
+    </dgm:scene3d>
+    <dgm:sp3d/>
+    <dgm:txPr/>
+    <dgm:style>
+      <a:lnRef idx="2">
+        <a:scrgbClr r="0" g="0" b="0"/>
+      </a:lnRef>
+      <a:fillRef idx="1">
+        <a:scrgbClr r="0" g="0" b="0"/>
+      </a:fillRef>
+      <a:effectRef idx="0">
+        <a:scrgbClr r="0" g="0" b="0"/>
+      </a:effectRef>
+      <a:fontRef idx="minor"/>
+    </dgm:style>
+  </dgm:styleLbl>
+  <dgm:styleLbl name="bgAccFollowNode1">
+    <dgm:scene3d>
+      <a:camera prst="orthographicFront"/>
+      <a:lightRig rig="threePt" dir="t"/>
+    </dgm:scene3d>
+    <dgm:sp3d/>
+    <dgm:txPr/>
+    <dgm:style>
+      <a:lnRef idx="2">
+        <a:scrgbClr r="0" g="0" b="0"/>
+      </a:lnRef>
+      <a:fillRef idx="1">
+        <a:scrgbClr r="0" g="0" b="0"/>
+      </a:fillRef>
+      <a:effectRef idx="0">
+        <a:scrgbClr r="0" g="0" b="0"/>
+      </a:effectRef>
+      <a:fontRef idx="minor"/>
+    </dgm:style>
+  </dgm:styleLbl>
+  <dgm:styleLbl name="fgAcc0">
+    <dgm:scene3d>
+      <a:camera prst="orthographicFront"/>
+      <a:lightRig rig="threePt" dir="t"/>
+    </dgm:scene3d>
+    <dgm:sp3d/>
+    <dgm:txPr/>
+    <dgm:style>
+      <a:lnRef idx="2">
+        <a:scrgbClr r="0" g="0" b="0"/>
+      </a:lnRef>
+      <a:fillRef idx="1">
+        <a:scrgbClr r="0" g="0" b="0"/>
+      </a:fillRef>
+      <a:effectRef idx="0">
+        <a:scrgbClr r="0" g="0" b="0"/>
+      </a:effectRef>
+      <a:fontRef idx="minor"/>
+    </dgm:style>
+  </dgm:styleLbl>
+  <dgm:styleLbl name="fgAcc2">
+    <dgm:scene3d>
+      <a:camera prst="orthographicFront"/>
+      <a:lightRig rig="threePt" dir="t"/>
+    </dgm:scene3d>
+    <dgm:sp3d/>
+    <dgm:txPr/>
+    <dgm:style>
+      <a:lnRef idx="2">
+        <a:scrgbClr r="0" g="0" b="0"/>
+      </a:lnRef>
+      <a:fillRef idx="1">
+        <a:scrgbClr r="0" g="0" b="0"/>
+      </a:fillRef>
+      <a:effectRef idx="0">
+        <a:scrgbClr r="0" g="0" b="0"/>
+      </a:effectRef>
+      <a:fontRef idx="minor"/>
+    </dgm:style>
+  </dgm:styleLbl>
+  <dgm:styleLbl name="fgAcc3">
+    <dgm:scene3d>
+      <a:camera prst="orthographicFront"/>
+      <a:lightRig rig="threePt" dir="t"/>
+    </dgm:scene3d>
+    <dgm:sp3d/>
+    <dgm:txPr/>
+    <dgm:style>
+      <a:lnRef idx="2">
+        <a:scrgbClr r="0" g="0" b="0"/>
+      </a:lnRef>
+      <a:fillRef idx="1">
+        <a:scrgbClr r="0" g="0" b="0"/>
+      </a:fillRef>
+      <a:effectRef idx="0">
+        <a:scrgbClr r="0" g="0" b="0"/>
+      </a:effectRef>
+      <a:fontRef idx="minor"/>
+    </dgm:style>
+  </dgm:styleLbl>
+  <dgm:styleLbl name="fgAcc4">
+    <dgm:scene3d>
+      <a:camera prst="orthographicFront"/>
+      <a:lightRig rig="threePt" dir="t"/>
+    </dgm:scene3d>
+    <dgm:sp3d/>
+    <dgm:txPr/>
+    <dgm:style>
+      <a:lnRef idx="2">
+        <a:scrgbClr r="0" g="0" b="0"/>
+      </a:lnRef>
+      <a:fillRef idx="1">
+        <a:scrgbClr r="0" g="0" b="0"/>
+      </a:fillRef>
+      <a:effectRef idx="0">
+        <a:scrgbClr r="0" g="0" b="0"/>
+      </a:effectRef>
+      <a:fontRef idx="minor"/>
+    </dgm:style>
+  </dgm:styleLbl>
+  <dgm:styleLbl name="bgShp">
+    <dgm:scene3d>
+      <a:camera prst="orthographicFront"/>
+      <a:lightRig rig="threePt" dir="t"/>
+    </dgm:scene3d>
+    <dgm:sp3d/>
+    <dgm:txPr/>
+    <dgm:style>
+      <a:lnRef idx="0">
+        <a:scrgbClr r="0" g="0" b="0"/>
+      </a:lnRef>
+      <a:fillRef idx="1">
+        <a:scrgbClr r="0" g="0" b="0"/>
+      </a:fillRef>
+      <a:effectRef idx="0">
+        <a:scrgbClr r="0" g="0" b="0"/>
+      </a:effectRef>
+      <a:fontRef idx="minor"/>
+    </dgm:style>
+  </dgm:styleLbl>
+  <dgm:styleLbl name="dkBgShp">
+    <dgm:scene3d>
+      <a:camera prst="orthographicFront"/>
+      <a:lightRig rig="threePt" dir="t"/>
+    </dgm:scene3d>
+    <dgm:sp3d/>
+    <dgm:txPr/>
+    <dgm:style>
+      <a:lnRef idx="0">
+        <a:scrgbClr r="0" g="0" b="0"/>
+      </a:lnRef>
+      <a:fillRef idx="1">
+        <a:scrgbClr r="0" g="0" b="0"/>
+      </a:fillRef>
+      <a:effectRef idx="0">
+        <a:scrgbClr r="0" g="0" b="0"/>
+      </a:effectRef>
+      <a:fontRef idx="minor"/>
+    </dgm:style>
+  </dgm:styleLbl>
+  <dgm:styleLbl name="trBgShp">
+    <dgm:scene3d>
+      <a:camera prst="orthographicFront"/>
+      <a:lightRig rig="threePt" dir="t"/>
+    </dgm:scene3d>
+    <dgm:sp3d/>
+    <dgm:txPr/>
+    <dgm:style>
+      <a:lnRef idx="0">
+        <a:scrgbClr r="0" g="0" b="0"/>
+      </a:lnRef>
+      <a:fillRef idx="1">
+        <a:scrgbClr r="0" g="0" b="0"/>
+      </a:fillRef>
+      <a:effectRef idx="0">
+        <a:scrgbClr r="0" g="0" b="0"/>
+      </a:effectRef>
+      <a:fontRef idx="minor"/>
+    </dgm:style>
+  </dgm:styleLbl>
+  <dgm:styleLbl name="fgShp">
+    <dgm:scene3d>
+      <a:camera prst="orthographicFront"/>
+      <a:lightRig rig="threePt" dir="t"/>
+    </dgm:scene3d>
+    <dgm:sp3d/>
+    <dgm:txPr/>
+    <dgm:style>
+      <a:lnRef idx="2">
+        <a:scrgbClr r="0" g="0" b="0"/>
+      </a:lnRef>
+      <a:fillRef idx="1">
+        <a:scrgbClr r="0" g="0" b="0"/>
+      </a:fillRef>
+      <a:effectRef idx="0">
+        <a:scrgbClr r="0" g="0" b="0"/>
+      </a:effectRef>
+      <a:fontRef idx="minor"/>
+    </dgm:style>
+  </dgm:styleLbl>
+  <dgm:styleLbl name="revTx">
+    <dgm:scene3d>
+      <a:camera prst="orthographicFront"/>
+      <a:lightRig rig="threePt" dir="t"/>
+    </dgm:scene3d>
+    <dgm:sp3d/>
+    <dgm:txPr/>
+    <dgm:style>
+      <a:lnRef idx="0">
+        <a:scrgbClr r="0" g="0" b="0"/>
+      </a:lnRef>
+      <a:fillRef idx="0">
+        <a:scrgbClr r="0" g="0" b="0"/>
+      </a:fillRef>
+      <a:effectRef idx="0">
+        <a:scrgbClr r="0" g="0" b="0"/>
+      </a:effectRef>
+      <a:fontRef idx="minor"/>
+    </dgm:style>
+  </dgm:styleLbl>
+</dgm:styleDef>
+</file>
+
 <file path=ppt/notesMasters/notesMaster1.xml><?xml version="1.0" encoding="utf-8"?>
 <p:notesMaster xmlns:a="http://schemas.openxmlformats.org/drawingml/2006/main" xmlns:r="http://schemas.openxmlformats.org/officeDocument/2006/relationships" xmlns:p="http://schemas.openxmlformats.org/presentationml/2006/main">
   <p:cSld>
@@ -3004,7 +6383,7 @@
           <a:p>
             <a:fld id="{C0A9222C-D0E8-4C9E-962C-98B833B2A5E7}" type="datetimeFigureOut">
               <a:rPr lang="en-US" smtClean="0"/>
-              <a:t>1/6/2026</a:t>
+              <a:t>1/8/2026</a:t>
             </a:fld>
             <a:endParaRPr lang="en-US"/>
           </a:p>
@@ -3299,6 +6678,13 @@
           </p:nvPr>
         </p:nvSpPr>
         <p:spPr/>
+        <p:txBody>
+          <a:bodyPr/>
+          <a:lstStyle/>
+          <a:p>
+            <a:endParaRPr lang="en-US"/>
+          </a:p>
+        </p:txBody>
       </p:sp>
       <p:sp>
         <p:nvSpPr>
@@ -3383,34 +6769,22 @@
           </p:nvPr>
         </p:nvSpPr>
         <p:spPr/>
-      </p:sp>
-      <p:sp>
-        <p:nvSpPr>
-          <p:cNvPr id="3" name="Notes Placeholder 2"/>
-          <p:cNvSpPr>
-            <a:spLocks noGrp="1"/>
-          </p:cNvSpPr>
-          <p:nvPr>
-            <p:ph type="body" idx="1"/>
-          </p:nvPr>
-        </p:nvSpPr>
-        <p:spPr/>
         <p:txBody>
           <a:bodyPr/>
           <a:lstStyle/>
           <a:p>
-            <a:endParaRPr lang="en-US" dirty="0"/>
-          </a:p>
-        </p:txBody>
-      </p:sp>
-      <p:sp>
-        <p:nvSpPr>
-          <p:cNvPr id="4" name="Slide Number Placeholder 3"/>
-          <p:cNvSpPr>
-            <a:spLocks noGrp="1"/>
-          </p:cNvSpPr>
-          <p:nvPr>
-            <p:ph type="sldNum" sz="quarter" idx="5"/>
+            <a:endParaRPr lang="en-US"/>
+          </a:p>
+        </p:txBody>
+      </p:sp>
+      <p:sp>
+        <p:nvSpPr>
+          <p:cNvPr id="3" name="Notes Placeholder 2"/>
+          <p:cNvSpPr>
+            <a:spLocks noGrp="1"/>
+          </p:cNvSpPr>
+          <p:nvPr>
+            <p:ph type="body" idx="1"/>
           </p:nvPr>
         </p:nvSpPr>
         <p:spPr/>
@@ -3418,9 +6792,28 @@
           <a:bodyPr/>
           <a:lstStyle/>
           <a:p>
+            <a:endParaRPr lang="en-US" dirty="0"/>
+          </a:p>
+        </p:txBody>
+      </p:sp>
+      <p:sp>
+        <p:nvSpPr>
+          <p:cNvPr id="4" name="Slide Number Placeholder 3"/>
+          <p:cNvSpPr>
+            <a:spLocks noGrp="1"/>
+          </p:cNvSpPr>
+          <p:nvPr>
+            <p:ph type="sldNum" sz="quarter" idx="5"/>
+          </p:nvPr>
+        </p:nvSpPr>
+        <p:spPr/>
+        <p:txBody>
+          <a:bodyPr/>
+          <a:lstStyle/>
+          <a:p>
             <a:fld id="{1BC9894C-B292-414B-A65F-15D78D2C0E43}" type="slidenum">
               <a:rPr lang="en-US" smtClean="0"/>
-              <a:t>12</a:t>
+              <a:t>18</a:t>
             </a:fld>
             <a:endParaRPr lang="en-US"/>
           </a:p>
@@ -3467,34 +6860,22 @@
           </p:nvPr>
         </p:nvSpPr>
         <p:spPr/>
-      </p:sp>
-      <p:sp>
-        <p:nvSpPr>
-          <p:cNvPr id="3" name="Notes Placeholder 2"/>
-          <p:cNvSpPr>
-            <a:spLocks noGrp="1"/>
-          </p:cNvSpPr>
-          <p:nvPr>
-            <p:ph type="body" idx="1"/>
-          </p:nvPr>
-        </p:nvSpPr>
-        <p:spPr/>
         <p:txBody>
           <a:bodyPr/>
           <a:lstStyle/>
           <a:p>
-            <a:endParaRPr lang="en-US" dirty="0"/>
-          </a:p>
-        </p:txBody>
-      </p:sp>
-      <p:sp>
-        <p:nvSpPr>
-          <p:cNvPr id="4" name="Slide Number Placeholder 3"/>
-          <p:cNvSpPr>
-            <a:spLocks noGrp="1"/>
-          </p:cNvSpPr>
-          <p:nvPr>
-            <p:ph type="sldNum" sz="quarter" idx="5"/>
+            <a:endParaRPr lang="en-US"/>
+          </a:p>
+        </p:txBody>
+      </p:sp>
+      <p:sp>
+        <p:nvSpPr>
+          <p:cNvPr id="3" name="Notes Placeholder 2"/>
+          <p:cNvSpPr>
+            <a:spLocks noGrp="1"/>
+          </p:cNvSpPr>
+          <p:nvPr>
+            <p:ph type="body" idx="1"/>
           </p:nvPr>
         </p:nvSpPr>
         <p:spPr/>
@@ -3502,9 +6883,28 @@
           <a:bodyPr/>
           <a:lstStyle/>
           <a:p>
+            <a:endParaRPr lang="en-US" dirty="0"/>
+          </a:p>
+        </p:txBody>
+      </p:sp>
+      <p:sp>
+        <p:nvSpPr>
+          <p:cNvPr id="4" name="Slide Number Placeholder 3"/>
+          <p:cNvSpPr>
+            <a:spLocks noGrp="1"/>
+          </p:cNvSpPr>
+          <p:nvPr>
+            <p:ph type="sldNum" sz="quarter" idx="5"/>
+          </p:nvPr>
+        </p:nvSpPr>
+        <p:spPr/>
+        <p:txBody>
+          <a:bodyPr/>
+          <a:lstStyle/>
+          <a:p>
             <a:fld id="{1BC9894C-B292-414B-A65F-15D78D2C0E43}" type="slidenum">
               <a:rPr lang="en-US" smtClean="0"/>
-              <a:t>13</a:t>
+              <a:t>19</a:t>
             </a:fld>
             <a:endParaRPr lang="en-US"/>
           </a:p>
@@ -3698,7 +7098,7 @@
           <a:p>
             <a:fld id="{B04EF954-66B1-4168-AF40-97F3DAF43FC4}" type="datetime1">
               <a:rPr lang="en-US" smtClean="0"/>
-              <a:t>1/6/2026</a:t>
+              <a:t>1/8/2026</a:t>
             </a:fld>
             <a:endParaRPr lang="en-US" dirty="0"/>
           </a:p>
@@ -4096,7 +7496,7 @@
           <a:p>
             <a:fld id="{C747D10D-DAA6-49BD-BCDC-42DE71F72A89}" type="datetime1">
               <a:rPr lang="en-US" smtClean="0"/>
-              <a:t>1/6/2026</a:t>
+              <a:t>1/8/2026</a:t>
             </a:fld>
             <a:endParaRPr lang="en-US" dirty="0"/>
           </a:p>
@@ -4481,7 +7881,7 @@
           <a:p>
             <a:fld id="{9A99C55D-C47D-42B9-AD20-3E2CCE08596C}" type="datetime1">
               <a:rPr lang="en-US" smtClean="0"/>
-              <a:t>1/6/2026</a:t>
+              <a:t>1/8/2026</a:t>
             </a:fld>
             <a:endParaRPr lang="en-US" dirty="0"/>
           </a:p>
@@ -4716,7 +8116,7 @@
           <a:p>
             <a:fld id="{01EA44AD-1FB0-4882-B380-D102D5E41B49}" type="datetime1">
               <a:rPr lang="en-US" smtClean="0"/>
-              <a:t>1/6/2026</a:t>
+              <a:t>1/8/2026</a:t>
             </a:fld>
             <a:endParaRPr lang="en-US" dirty="0"/>
           </a:p>
@@ -4951,7 +8351,7 @@
           <a:p>
             <a:fld id="{C21FD0E9-BB2A-40F4-9FCA-339953EA9BCB}" type="datetime1">
               <a:rPr lang="en-US" smtClean="0"/>
-              <a:t>1/6/2026</a:t>
+              <a:t>1/8/2026</a:t>
             </a:fld>
             <a:endParaRPr lang="en-US" dirty="0"/>
           </a:p>
@@ -5168,7 +8568,7 @@
           <a:p>
             <a:fld id="{B82DCE86-7B4C-43EC-801D-4B957536C306}" type="datetime1">
               <a:rPr lang="en-US" smtClean="0"/>
-              <a:t>1/6/2026</a:t>
+              <a:t>1/8/2026</a:t>
             </a:fld>
             <a:endParaRPr lang="en-US" dirty="0"/>
           </a:p>
@@ -5403,7 +8803,7 @@
           <a:p>
             <a:fld id="{1FD3FCD9-BE24-4676-9D2E-63D9ED82EDA2}" type="datetime1">
               <a:rPr lang="en-US" smtClean="0"/>
-              <a:t>1/6/2026</a:t>
+              <a:t>1/8/2026</a:t>
             </a:fld>
             <a:endParaRPr lang="en-US" dirty="0"/>
           </a:p>
@@ -5620,7 +9020,7 @@
           <a:p>
             <a:fld id="{21CA290A-121B-47D5-B4CD-63E70D76A5D5}" type="datetime1">
               <a:rPr lang="en-US" smtClean="0"/>
-              <a:t>1/6/2026</a:t>
+              <a:t>1/8/2026</a:t>
             </a:fld>
             <a:endParaRPr lang="en-US" dirty="0"/>
           </a:p>
@@ -5936,7 +9336,7 @@
           <a:p>
             <a:fld id="{260A58D8-7EDF-40A6-A98C-8CBDF59A319E}" type="datetime1">
               <a:rPr lang="en-US" smtClean="0"/>
-              <a:t>1/6/2026</a:t>
+              <a:t>1/8/2026</a:t>
             </a:fld>
             <a:endParaRPr lang="en-US" dirty="0"/>
           </a:p>
@@ -6280,7 +9680,7 @@
           <a:p>
             <a:fld id="{16DF7C3E-B5DF-4043-B2F9-CD94B277B81B}" type="datetime1">
               <a:rPr lang="en-US" smtClean="0"/>
-              <a:t>1/6/2026</a:t>
+              <a:t>1/8/2026</a:t>
             </a:fld>
             <a:endParaRPr lang="en-US" dirty="0"/>
           </a:p>
@@ -6623,7 +10023,7 @@
           <a:p>
             <a:fld id="{84F04B89-F088-43E2-8F95-5A2E5E9F612E}" type="datetime1">
               <a:rPr lang="en-US" smtClean="0"/>
-              <a:t>1/6/2026</a:t>
+              <a:t>1/8/2026</a:t>
             </a:fld>
             <a:endParaRPr lang="en-US" dirty="0"/>
           </a:p>
@@ -6908,7 +10308,7 @@
           <a:p>
             <a:fld id="{26233410-150A-4A72-BF63-6D3ACBC30148}" type="datetime1">
               <a:rPr lang="en-US" smtClean="0"/>
-              <a:t>1/6/2026</a:t>
+              <a:t>1/8/2026</a:t>
             </a:fld>
             <a:endParaRPr lang="en-US" dirty="0"/>
           </a:p>
@@ -7256,7 +10656,7 @@
           <a:p>
             <a:fld id="{A0FCFF8D-E3E3-4D6C-85D1-1D24204FD961}" type="datetime1">
               <a:rPr lang="en-US" smtClean="0"/>
-              <a:t>1/6/2026</a:t>
+              <a:t>1/8/2026</a:t>
             </a:fld>
             <a:endParaRPr lang="en-US" dirty="0"/>
           </a:p>
@@ -7606,7 +11006,7 @@
           <a:p>
             <a:fld id="{1479AD81-0F74-4052-9D15-1FCBE10FF531}" type="datetime1">
               <a:rPr lang="en-US" smtClean="0"/>
-              <a:t>1/6/2026</a:t>
+              <a:t>1/8/2026</a:t>
             </a:fld>
             <a:endParaRPr lang="en-US" dirty="0"/>
           </a:p>
@@ -7969,7 +11369,7 @@
           <a:p>
             <a:fld id="{58567813-D47B-4BA9-A366-45E7794B6608}" type="datetime1">
               <a:rPr lang="en-US" smtClean="0"/>
-              <a:t>1/6/2026</a:t>
+              <a:t>1/8/2026</a:t>
             </a:fld>
             <a:endParaRPr lang="en-US" dirty="0"/>
           </a:p>
@@ -8332,7 +11732,7 @@
           <a:p>
             <a:fld id="{D3C75A4F-7395-44C0-9A76-83F0F6EA512A}" type="datetime1">
               <a:rPr lang="en-US" smtClean="0"/>
-              <a:t>1/6/2026</a:t>
+              <a:t>1/8/2026</a:t>
             </a:fld>
             <a:endParaRPr lang="en-US" dirty="0"/>
           </a:p>
@@ -8682,7 +12082,7 @@
           <a:p>
             <a:fld id="{1B2EEDCC-520A-464B-900A-5F7E0E1FFC43}" type="datetime1">
               <a:rPr lang="en-US" smtClean="0"/>
-              <a:t>1/6/2026</a:t>
+              <a:t>1/8/2026</a:t>
             </a:fld>
             <a:endParaRPr lang="en-US" dirty="0"/>
           </a:p>
@@ -9007,7 +12407,7 @@
           <a:p>
             <a:fld id="{B36C1D43-E95A-44CE-BF39-AC264176BC74}" type="datetime1">
               <a:rPr lang="en-US" smtClean="0"/>
-              <a:t>1/6/2026</a:t>
+              <a:t>1/8/2026</a:t>
             </a:fld>
             <a:endParaRPr lang="en-US" dirty="0"/>
           </a:p>
@@ -9323,7 +12723,7 @@
           <a:p>
             <a:fld id="{6F84395D-714C-468A-B505-16E3BDC41D6C}" type="datetime1">
               <a:rPr lang="en-US" smtClean="0"/>
-              <a:t>1/6/2026</a:t>
+              <a:t>1/8/2026</a:t>
             </a:fld>
             <a:endParaRPr lang="en-US" dirty="0"/>
           </a:p>
@@ -9667,7 +13067,7 @@
           <a:p>
             <a:fld id="{4009D615-5030-44BE-B1E7-FCAF557FFC34}" type="datetime1">
               <a:rPr lang="en-US" smtClean="0"/>
-              <a:t>1/6/2026</a:t>
+              <a:t>1/8/2026</a:t>
             </a:fld>
             <a:endParaRPr lang="en-US" dirty="0"/>
           </a:p>
@@ -9983,7 +13383,7 @@
           <a:p>
             <a:fld id="{A65D8DDD-BB5E-4F5B-81F2-5E5F98B403C0}" type="datetime1">
               <a:rPr lang="en-US" smtClean="0"/>
-              <a:t>1/6/2026</a:t>
+              <a:t>1/8/2026</a:t>
             </a:fld>
             <a:endParaRPr lang="en-US" dirty="0"/>
           </a:p>
@@ -10323,7 +13723,7 @@
           <a:p>
             <a:fld id="{083588C5-4E32-4E6E-80AB-32A6125C957F}" type="datetime1">
               <a:rPr lang="en-US" smtClean="0"/>
-              <a:t>1/6/2026</a:t>
+              <a:t>1/8/2026</a:t>
             </a:fld>
             <a:endParaRPr lang="en-US" dirty="0"/>
           </a:p>
@@ -10621,7 +14021,7 @@
           <a:p>
             <a:fld id="{91AF1D09-6B76-4716-AD3D-9F53166D3BF5}" type="datetime1">
               <a:rPr lang="en-US" smtClean="0"/>
-              <a:t>1/6/2026</a:t>
+              <a:t>1/8/2026</a:t>
             </a:fld>
             <a:endParaRPr lang="en-US" dirty="0"/>
           </a:p>
@@ -10951,7 +14351,7 @@
           <a:p>
             <a:fld id="{B337EAFE-6A88-4B1F-9ABC-CA3CFB830DD6}" type="datetime1">
               <a:rPr lang="en-US" smtClean="0"/>
-              <a:t>1/6/2026</a:t>
+              <a:t>1/8/2026</a:t>
             </a:fld>
             <a:endParaRPr lang="en-US" dirty="0"/>
           </a:p>
@@ -11267,7 +14667,7 @@
           <a:p>
             <a:fld id="{9EF70683-5F2F-44F3-8B59-45258C4FD45A}" type="datetime1">
               <a:rPr lang="en-US" smtClean="0"/>
-              <a:t>1/6/2026</a:t>
+              <a:t>1/8/2026</a:t>
             </a:fld>
             <a:endParaRPr lang="en-US" dirty="0"/>
           </a:p>
@@ -11607,7 +15007,7 @@
           <a:p>
             <a:fld id="{813EDC87-0EBE-4D2E-8804-E5F0EDA0B797}" type="datetime1">
               <a:rPr lang="en-US" smtClean="0"/>
-              <a:t>1/6/2026</a:t>
+              <a:t>1/8/2026</a:t>
             </a:fld>
             <a:endParaRPr lang="en-US" dirty="0"/>
           </a:p>
@@ -11934,7 +15334,7 @@
           <a:p>
             <a:fld id="{51CF56A9-FD41-47F4-80A0-DA74EEEC2541}" type="datetime1">
               <a:rPr lang="en-US" smtClean="0"/>
-              <a:t>1/6/2026</a:t>
+              <a:t>1/8/2026</a:t>
             </a:fld>
             <a:endParaRPr lang="en-US" dirty="0"/>
           </a:p>
@@ -12094,7 +15494,7 @@
           <a:p>
             <a:fld id="{A4CBD270-9BF1-4C68-A7FA-BA016D8BB959}" type="datetime1">
               <a:rPr lang="en-US" smtClean="0"/>
-              <a:t>1/6/2026</a:t>
+              <a:t>1/8/2026</a:t>
             </a:fld>
             <a:endParaRPr lang="en-US" dirty="0"/>
           </a:p>
@@ -12352,7 +15752,7 @@
           <a:p>
             <a:fld id="{E023AFB7-90A6-428C-A019-BBE6272496B8}" type="datetime1">
               <a:rPr lang="en-US" smtClean="0"/>
-              <a:t>1/6/2026</a:t>
+              <a:t>1/8/2026</a:t>
             </a:fld>
             <a:endParaRPr lang="en-US" dirty="0"/>
           </a:p>
@@ -12814,7 +16214,7 @@
           <a:p>
             <a:fld id="{09E47A9E-7C3C-4663-841E-C89520FA85A3}" type="datetime1">
               <a:rPr lang="en-US" smtClean="0"/>
-              <a:t>1/6/2026</a:t>
+              <a:t>1/8/2026</a:t>
             </a:fld>
             <a:endParaRPr lang="en-US" dirty="0"/>
           </a:p>
@@ -13095,7 +16495,7 @@
           <a:p>
             <a:fld id="{42FED8FD-3F8D-425F-9991-7FB6FCCEC5A2}" type="datetime1">
               <a:rPr lang="en-US" smtClean="0"/>
-              <a:t>1/6/2026</a:t>
+              <a:t>1/8/2026</a:t>
             </a:fld>
             <a:endParaRPr lang="en-US" dirty="0"/>
           </a:p>
@@ -13481,7 +16881,7 @@
           <a:p>
             <a:fld id="{5BD6B3E3-A05B-4311-9C9A-DA8A512CAB97}" type="datetime1">
               <a:rPr lang="en-US" smtClean="0"/>
-              <a:t>1/6/2026</a:t>
+              <a:t>1/8/2026</a:t>
             </a:fld>
             <a:endParaRPr lang="en-US" dirty="0"/>
           </a:p>
@@ -13867,7 +17267,7 @@
           <a:p>
             <a:fld id="{FAEFBAE2-1C27-41D0-8DBA-D202F753417F}" type="datetime1">
               <a:rPr lang="en-US" smtClean="0"/>
-              <a:t>1/6/2026</a:t>
+              <a:t>1/8/2026</a:t>
             </a:fld>
             <a:endParaRPr lang="en-US" dirty="0"/>
           </a:p>
@@ -14189,7 +17589,7 @@
           <a:p>
             <a:fld id="{FE21D4C7-8630-4B98-978C-30388BBD4EE8}" type="datetime1">
               <a:rPr lang="en-US" smtClean="0"/>
-              <a:t>1/6/2026</a:t>
+              <a:t>1/8/2026</a:t>
             </a:fld>
             <a:endParaRPr lang="en-US" dirty="0"/>
           </a:p>
@@ -14347,7 +17747,7 @@
           <a:p>
             <a:fld id="{6A453612-8941-41EA-ABBA-F717A06C8346}" type="datetime1">
               <a:rPr lang="en-US" smtClean="0"/>
-              <a:t>1/6/2026</a:t>
+              <a:t>1/8/2026</a:t>
             </a:fld>
             <a:endParaRPr lang="en-US" dirty="0"/>
           </a:p>
@@ -14747,7 +18147,7 @@
           <a:p>
             <a:fld id="{73D6CD22-E4B3-48A1-94CA-B89DB574ED80}" type="datetime1">
               <a:rPr lang="en-US" smtClean="0"/>
-              <a:t>1/6/2026</a:t>
+              <a:t>1/8/2026</a:t>
             </a:fld>
             <a:endParaRPr lang="en-US" dirty="0"/>
           </a:p>
@@ -15083,7 +18483,7 @@
           <a:p>
             <a:fld id="{97C38B47-093E-417D-A1C3-81EEF797AC69}" type="datetime1">
               <a:rPr lang="en-US" smtClean="0"/>
-              <a:t>1/6/2026</a:t>
+              <a:t>1/8/2026</a:t>
             </a:fld>
             <a:endParaRPr lang="en-US" dirty="0"/>
           </a:p>
@@ -15328,7 +18728,7 @@
           <a:p>
             <a:fld id="{A250925D-4314-49E4-A383-289640FEB5E3}" type="datetime1">
               <a:rPr lang="en-US" smtClean="0"/>
-              <a:t>1/6/2026</a:t>
+              <a:t>1/8/2026</a:t>
             </a:fld>
             <a:endParaRPr lang="en-US" dirty="0"/>
           </a:p>
@@ -15601,7 +19001,7 @@
           <a:p>
             <a:fld id="{EE2C59E0-667A-459A-BBD1-70DA72C3C576}" type="datetime1">
               <a:rPr lang="en-US" smtClean="0"/>
-              <a:t>1/6/2026</a:t>
+              <a:t>1/8/2026</a:t>
             </a:fld>
             <a:endParaRPr lang="en-US" dirty="0"/>
           </a:p>
@@ -16026,7 +19426,7 @@
           <a:p>
             <a:fld id="{706CC00B-2F01-4379-B0FD-8DA094C16FA4}" type="datetime1">
               <a:rPr lang="en-US" smtClean="0"/>
-              <a:t>1/6/2026</a:t>
+              <a:t>1/8/2026</a:t>
             </a:fld>
             <a:endParaRPr lang="en-US" dirty="0"/>
           </a:p>
@@ -16357,7 +19757,7 @@
           <a:p>
             <a:fld id="{5019F103-9E7C-4D5A-827C-0D2D66EE1CD2}" type="datetime1">
               <a:rPr lang="en-US" smtClean="0"/>
-              <a:t>1/6/2026</a:t>
+              <a:t>1/8/2026</a:t>
             </a:fld>
             <a:endParaRPr lang="en-US" dirty="0"/>
           </a:p>
@@ -16719,7 +20119,7 @@
           <a:p>
             <a:fld id="{8C13480A-5F85-4A30-80F2-F92581C6474C}" type="datetime1">
               <a:rPr lang="en-US" smtClean="0"/>
-              <a:t>1/6/2026</a:t>
+              <a:t>1/8/2026</a:t>
             </a:fld>
             <a:endParaRPr lang="en-US" dirty="0"/>
           </a:p>
@@ -17117,7 +20517,7 @@
           <a:p>
             <a:fld id="{B2BF18D3-87BE-4A2D-AD2C-B21E415FD900}" type="datetime1">
               <a:rPr lang="en-US" smtClean="0"/>
-              <a:t>1/6/2026</a:t>
+              <a:t>1/8/2026</a:t>
             </a:fld>
             <a:endParaRPr lang="en-US" dirty="0"/>
           </a:p>
@@ -17504,7 +20904,7 @@
           <a:p>
             <a:fld id="{73F0B94E-0195-4FC9-AEFD-CCBB878ACEDF}" type="datetime1">
               <a:rPr lang="en-US" smtClean="0"/>
-              <a:t>1/6/2026</a:t>
+              <a:t>1/8/2026</a:t>
             </a:fld>
             <a:endParaRPr lang="en-US" dirty="0"/>
           </a:p>
@@ -17891,7 +21291,7 @@
           <a:p>
             <a:fld id="{9B0F68CC-6BDD-49E7-8971-97164A4B1FA2}" type="datetime1">
               <a:rPr lang="en-US" smtClean="0"/>
-              <a:t>1/6/2026</a:t>
+              <a:t>1/8/2026</a:t>
             </a:fld>
             <a:endParaRPr lang="en-US" dirty="0"/>
           </a:p>
@@ -18174,7 +21574,7 @@
           <a:p>
             <a:fld id="{E244D5D5-F2FF-4BCB-BACC-FA9A736697CB}" type="datetime1">
               <a:rPr lang="en-US" smtClean="0"/>
-              <a:t>1/6/2026</a:t>
+              <a:t>1/8/2026</a:t>
             </a:fld>
             <a:endParaRPr lang="en-US" dirty="0"/>
           </a:p>
@@ -18416,7 +21816,7 @@
           <a:p>
             <a:fld id="{072E1B28-DB45-4001-B295-7D7933E04419}" type="datetime1">
               <a:rPr lang="en-US" smtClean="0"/>
-              <a:t>1/6/2026</a:t>
+              <a:t>1/8/2026</a:t>
             </a:fld>
             <a:endParaRPr lang="en-US" dirty="0"/>
           </a:p>
@@ -18898,21 +22298,22 @@
             <a:spLocks noGrp="1"/>
           </p:cNvSpPr>
           <p:nvPr>
-            <p:ph type="ctrTitle"/>
+            <p:ph type="title"/>
           </p:nvPr>
         </p:nvSpPr>
         <p:spPr>
           <a:xfrm>
-            <a:off x="1208230" y="3429000"/>
-            <a:ext cx="7685140" cy="1995057"/>
+            <a:off x="7736438" y="1561671"/>
+            <a:ext cx="4294598" cy="2416536"/>
           </a:xfrm>
         </p:spPr>
         <p:txBody>
           <a:bodyPr anchor="b">
-            <a:normAutofit/>
+            <a:noAutofit/>
           </a:bodyPr>
           <a:lstStyle/>
           <a:p>
+            <a:pPr algn="ctr"/>
             <a:r>
               <a:rPr lang="en-US" sz="4000" dirty="0"/>
               <a:t>Fashion-insta</a:t>
@@ -18924,138 +22325,6 @@
               <a:rPr lang="en-US" sz="4000" dirty="0"/>
               <a:t>Empowering Fashion Shopping</a:t>
             </a:r>
-          </a:p>
-        </p:txBody>
-      </p:sp>
-      <p:sp>
-        <p:nvSpPr>
-          <p:cNvPr id="4" name="Date Placeholder 3">
-            <a:extLst>
-              <a:ext uri="{FF2B5EF4-FFF2-40B4-BE49-F238E27FC236}">
-                <a16:creationId xmlns:a16="http://schemas.microsoft.com/office/drawing/2014/main" id="{F407A58E-0650-EDBE-8499-8E75477B749C}"/>
-              </a:ext>
-            </a:extLst>
-          </p:cNvPr>
-          <p:cNvSpPr>
-            <a:spLocks noGrp="1"/>
-          </p:cNvSpPr>
-          <p:nvPr>
-            <p:ph type="dt" sz="half" idx="10"/>
-          </p:nvPr>
-        </p:nvSpPr>
-        <p:spPr>
-          <a:xfrm>
-            <a:off x="431172" y="6490524"/>
-            <a:ext cx="2841959" cy="336141"/>
-          </a:xfrm>
-        </p:spPr>
-        <p:txBody>
-          <a:bodyPr anchor="ctr">
-            <a:normAutofit/>
-          </a:bodyPr>
-          <a:lstStyle/>
-          <a:p>
-            <a:pPr>
-              <a:spcAft>
-                <a:spcPts val="600"/>
-              </a:spcAft>
-            </a:pPr>
-            <a:fld id="{B04EF954-66B1-4168-AF40-97F3DAF43FC4}" type="datetime1">
-              <a:rPr lang="en-US" smtClean="0"/>
-              <a:pPr>
-                <a:spcAft>
-                  <a:spcPts val="600"/>
-                </a:spcAft>
-              </a:pPr>
-              <a:t>1/6/2026</a:t>
-            </a:fld>
-            <a:endParaRPr lang="en-US"/>
-          </a:p>
-        </p:txBody>
-      </p:sp>
-      <p:sp>
-        <p:nvSpPr>
-          <p:cNvPr id="5" name="Footer Placeholder 4">
-            <a:extLst>
-              <a:ext uri="{FF2B5EF4-FFF2-40B4-BE49-F238E27FC236}">
-                <a16:creationId xmlns:a16="http://schemas.microsoft.com/office/drawing/2014/main" id="{7A9FEA35-243C-7016-3882-E272725EA707}"/>
-              </a:ext>
-            </a:extLst>
-          </p:cNvPr>
-          <p:cNvSpPr>
-            <a:spLocks noGrp="1"/>
-          </p:cNvSpPr>
-          <p:nvPr>
-            <p:ph type="ftr" sz="quarter" idx="11"/>
-          </p:nvPr>
-        </p:nvSpPr>
-        <p:spPr>
-          <a:xfrm>
-            <a:off x="8893370" y="6490524"/>
-            <a:ext cx="2662834" cy="336141"/>
-          </a:xfrm>
-        </p:spPr>
-        <p:txBody>
-          <a:bodyPr anchor="ctr">
-            <a:normAutofit/>
-          </a:bodyPr>
-          <a:lstStyle/>
-          <a:p>
-            <a:pPr>
-              <a:spcAft>
-                <a:spcPts val="600"/>
-              </a:spcAft>
-            </a:pPr>
-            <a:r>
-              <a:rPr lang="en-US"/>
-              <a:t>Sample Footer Text</a:t>
-            </a:r>
-          </a:p>
-        </p:txBody>
-      </p:sp>
-      <p:sp>
-        <p:nvSpPr>
-          <p:cNvPr id="6" name="Slide Number Placeholder 5">
-            <a:extLst>
-              <a:ext uri="{FF2B5EF4-FFF2-40B4-BE49-F238E27FC236}">
-                <a16:creationId xmlns:a16="http://schemas.microsoft.com/office/drawing/2014/main" id="{4B9C7AB6-A31B-B9C9-939C-12D75982EE43}"/>
-              </a:ext>
-            </a:extLst>
-          </p:cNvPr>
-          <p:cNvSpPr>
-            <a:spLocks noGrp="1"/>
-          </p:cNvSpPr>
-          <p:nvPr>
-            <p:ph type="sldNum" sz="quarter" idx="12"/>
-          </p:nvPr>
-        </p:nvSpPr>
-        <p:spPr>
-          <a:xfrm>
-            <a:off x="11648431" y="6490524"/>
-            <a:ext cx="457200" cy="336141"/>
-          </a:xfrm>
-        </p:spPr>
-        <p:txBody>
-          <a:bodyPr anchor="ctr">
-            <a:normAutofit/>
-          </a:bodyPr>
-          <a:lstStyle/>
-          <a:p>
-            <a:pPr>
-              <a:spcAft>
-                <a:spcPts val="600"/>
-              </a:spcAft>
-            </a:pPr>
-            <a:fld id="{84C450F2-3BB4-4AE4-8A35-A9D7AEA4C850}" type="slidenum">
-              <a:rPr lang="en-US" smtClean="0"/>
-              <a:pPr>
-                <a:spcAft>
-                  <a:spcPts val="600"/>
-                </a:spcAft>
-              </a:pPr>
-              <a:t>1</a:t>
-            </a:fld>
-            <a:endParaRPr lang="en-US"/>
           </a:p>
         </p:txBody>
       </p:sp>
@@ -19075,29 +22344,29 @@
         </p:nvPicPr>
         <p:blipFill>
           <a:blip r:embed="rId3"/>
-          <a:srcRect l="36281" r="20317" b="-2"/>
+          <a:srcRect l="17492" r="1528" b="-2"/>
           <a:stretch>
             <a:fillRect/>
           </a:stretch>
         </p:blipFill>
         <p:spPr>
           <a:xfrm>
-            <a:off x="7731799" y="259452"/>
-            <a:ext cx="4145232" cy="6399142"/>
+            <a:off x="20" y="10"/>
+            <a:ext cx="7734280" cy="6399142"/>
           </a:xfrm>
           <a:custGeom>
             <a:avLst/>
             <a:gdLst>
-              <a:gd name="connsiteX0" fmla="*/ 0 w 4145232"/>
+              <a:gd name="connsiteX0" fmla="*/ 0 w 7734300"/>
               <a:gd name="connsiteY0" fmla="*/ 0 h 6399152"/>
-              <a:gd name="connsiteX1" fmla="*/ 4145232 w 4145232"/>
+              <a:gd name="connsiteX1" fmla="*/ 7734300 w 7734300"/>
               <a:gd name="connsiteY1" fmla="*/ 0 h 6399152"/>
-              <a:gd name="connsiteX2" fmla="*/ 4145232 w 4145232"/>
-              <a:gd name="connsiteY2" fmla="*/ 6399152 h 6399152"/>
-              <a:gd name="connsiteX3" fmla="*/ 603230 w 4145232"/>
+              <a:gd name="connsiteX2" fmla="*/ 7734300 w 7734300"/>
+              <a:gd name="connsiteY2" fmla="*/ 5797156 h 6399152"/>
+              <a:gd name="connsiteX3" fmla="*/ 7132304 w 7734300"/>
               <a:gd name="connsiteY3" fmla="*/ 6399152 h 6399152"/>
-              <a:gd name="connsiteX4" fmla="*/ 0 w 4145232"/>
-              <a:gd name="connsiteY4" fmla="*/ 5795922 h 6399152"/>
+              <a:gd name="connsiteX4" fmla="*/ 0 w 7734300"/>
+              <a:gd name="connsiteY4" fmla="*/ 6399152 h 6399152"/>
             </a:gdLst>
             <a:ahLst/>
             <a:cxnLst>
@@ -19119,30 +22388,180 @@
             </a:cxnLst>
             <a:rect l="l" t="t" r="r" b="b"/>
             <a:pathLst>
-              <a:path w="4145232" h="6399152">
+              <a:path w="7734300" h="6399152">
                 <a:moveTo>
                   <a:pt x="0" y="0"/>
                 </a:moveTo>
                 <a:lnTo>
-                  <a:pt x="4145232" y="0"/>
+                  <a:pt x="7734300" y="0"/>
                 </a:lnTo>
                 <a:lnTo>
-                  <a:pt x="4145232" y="6399152"/>
-                </a:lnTo>
-                <a:lnTo>
-                  <a:pt x="603230" y="6399152"/>
+                  <a:pt x="7734300" y="5797156"/>
                 </a:lnTo>
                 <a:cubicBezTo>
-                  <a:pt x="270075" y="6399152"/>
-                  <a:pt x="0" y="6129077"/>
-                  <a:pt x="0" y="5795922"/>
+                  <a:pt x="7734300" y="6129629"/>
+                  <a:pt x="7464777" y="6399152"/>
+                  <a:pt x="7132304" y="6399152"/>
                 </a:cubicBezTo>
+                <a:lnTo>
+                  <a:pt x="0" y="6399152"/>
+                </a:lnTo>
                 <a:close/>
               </a:path>
             </a:pathLst>
           </a:custGeom>
+          <a:noFill/>
         </p:spPr>
       </p:pic>
+      <p:sp>
+        <p:nvSpPr>
+          <p:cNvPr id="14" name="Content Placeholder 3">
+            <a:extLst>
+              <a:ext uri="{FF2B5EF4-FFF2-40B4-BE49-F238E27FC236}">
+                <a16:creationId xmlns:a16="http://schemas.microsoft.com/office/drawing/2014/main" id="{DF241AF5-CF05-1EDC-FC3C-CD541D33710A}"/>
+              </a:ext>
+            </a:extLst>
+          </p:cNvPr>
+          <p:cNvSpPr>
+            <a:spLocks noGrp="1"/>
+          </p:cNvSpPr>
+          <p:nvPr>
+            <p:ph sz="quarter" idx="14"/>
+          </p:nvPr>
+        </p:nvSpPr>
+        <p:spPr>
+          <a:xfrm>
+            <a:off x="8311896" y="4756934"/>
+            <a:ext cx="3273552" cy="1296393"/>
+          </a:xfrm>
+        </p:spPr>
+        <p:txBody>
+          <a:bodyPr>
+            <a:normAutofit/>
+          </a:bodyPr>
+          <a:lstStyle/>
+          <a:p>
+            <a:pPr marL="0" indent="0" algn="ctr">
+              <a:buNone/>
+            </a:pPr>
+            <a:r>
+              <a:rPr lang="en-US" dirty="0"/>
+              <a:t>Philip Okoth</a:t>
+            </a:r>
+          </a:p>
+          <a:p>
+            <a:pPr marL="0" indent="0" algn="ctr">
+              <a:buNone/>
+            </a:pPr>
+            <a:r>
+              <a:rPr lang="en-US" dirty="0"/>
+              <a:t>January 2026</a:t>
+            </a:r>
+          </a:p>
+          <a:p>
+            <a:pPr marL="0" indent="0" algn="ctr">
+              <a:buNone/>
+            </a:pPr>
+            <a:r>
+              <a:rPr lang="en-US" dirty="0" err="1"/>
+              <a:t>OpenClassrooms</a:t>
+            </a:r>
+            <a:endParaRPr lang="en-US" dirty="0"/>
+          </a:p>
+        </p:txBody>
+      </p:sp>
+      <p:sp>
+        <p:nvSpPr>
+          <p:cNvPr id="4" name="Date Placeholder 3">
+            <a:extLst>
+              <a:ext uri="{FF2B5EF4-FFF2-40B4-BE49-F238E27FC236}">
+                <a16:creationId xmlns:a16="http://schemas.microsoft.com/office/drawing/2014/main" id="{F407A58E-0650-EDBE-8499-8E75477B749C}"/>
+              </a:ext>
+            </a:extLst>
+          </p:cNvPr>
+          <p:cNvSpPr>
+            <a:spLocks noGrp="1"/>
+          </p:cNvSpPr>
+          <p:nvPr>
+            <p:ph type="dt" sz="half" idx="10"/>
+          </p:nvPr>
+        </p:nvSpPr>
+        <p:spPr>
+          <a:xfrm>
+            <a:off x="431172" y="6490524"/>
+            <a:ext cx="2841959" cy="336141"/>
+          </a:xfrm>
+        </p:spPr>
+        <p:txBody>
+          <a:bodyPr anchor="ctr">
+            <a:normAutofit/>
+          </a:bodyPr>
+          <a:lstStyle/>
+          <a:p>
+            <a:pPr>
+              <a:spcAft>
+                <a:spcPts val="600"/>
+              </a:spcAft>
+            </a:pPr>
+            <a:fld id="{B04EF954-66B1-4168-AF40-97F3DAF43FC4}" type="datetime1">
+              <a:rPr lang="en-US" smtClean="0"/>
+              <a:pPr>
+                <a:spcAft>
+                  <a:spcPts val="600"/>
+                </a:spcAft>
+              </a:pPr>
+              <a:t>1/8/2026</a:t>
+            </a:fld>
+            <a:endParaRPr lang="en-US"/>
+          </a:p>
+        </p:txBody>
+      </p:sp>
+      <p:sp>
+        <p:nvSpPr>
+          <p:cNvPr id="6" name="Slide Number Placeholder 5">
+            <a:extLst>
+              <a:ext uri="{FF2B5EF4-FFF2-40B4-BE49-F238E27FC236}">
+                <a16:creationId xmlns:a16="http://schemas.microsoft.com/office/drawing/2014/main" id="{4B9C7AB6-A31B-B9C9-939C-12D75982EE43}"/>
+              </a:ext>
+            </a:extLst>
+          </p:cNvPr>
+          <p:cNvSpPr>
+            <a:spLocks noGrp="1"/>
+          </p:cNvSpPr>
+          <p:nvPr>
+            <p:ph type="sldNum" sz="quarter" idx="12"/>
+          </p:nvPr>
+        </p:nvSpPr>
+        <p:spPr>
+          <a:xfrm>
+            <a:off x="11648431" y="6490524"/>
+            <a:ext cx="457200" cy="336141"/>
+          </a:xfrm>
+        </p:spPr>
+        <p:txBody>
+          <a:bodyPr anchor="ctr">
+            <a:normAutofit/>
+          </a:bodyPr>
+          <a:lstStyle/>
+          <a:p>
+            <a:pPr>
+              <a:spcAft>
+                <a:spcPts val="600"/>
+              </a:spcAft>
+            </a:pPr>
+            <a:fld id="{84C450F2-3BB4-4AE4-8A35-A9D7AEA4C850}" type="slidenum">
+              <a:rPr lang="en-US" smtClean="0"/>
+              <a:pPr>
+                <a:spcAft>
+                  <a:spcPts val="600"/>
+                </a:spcAft>
+              </a:pPr>
+              <a:t>1</a:t>
+            </a:fld>
+            <a:endParaRPr lang="en-US"/>
+          </a:p>
+        </p:txBody>
+      </p:sp>
     </p:spTree>
     <p:extLst>
       <p:ext uri="{BB962C8B-B14F-4D97-AF65-F5344CB8AC3E}">
@@ -19294,20 +22713,58 @@
           </a:p>
         </p:txBody>
       </p:sp>
-      <p:sp>
-        <p:nvSpPr>
-          <p:cNvPr id="3" name="Content Placeholder 2">
-            <a:extLst>
-              <a:ext uri="{FF2B5EF4-FFF2-40B4-BE49-F238E27FC236}">
-                <a16:creationId xmlns:a16="http://schemas.microsoft.com/office/drawing/2014/main" id="{CAB3EB2F-437B-D6BF-6FE8-BFE0CB4B6E88}"/>
-              </a:ext>
-            </a:extLst>
-          </p:cNvPr>
-          <p:cNvSpPr>
-            <a:spLocks noGrp="1"/>
-          </p:cNvSpPr>
+      <p:pic>
+        <p:nvPicPr>
+          <p:cNvPr id="8" name="Content Placeholder 7">
+            <a:extLst>
+              <a:ext uri="{FF2B5EF4-FFF2-40B4-BE49-F238E27FC236}">
+                <a16:creationId xmlns:a16="http://schemas.microsoft.com/office/drawing/2014/main" id="{0E4DF7AB-AF6C-02CA-1BD4-487AEB9C939F}"/>
+              </a:ext>
+            </a:extLst>
+          </p:cNvPr>
+          <p:cNvPicPr>
+            <a:picLocks noGrp="1" noChangeAspect="1"/>
+          </p:cNvPicPr>
           <p:nvPr>
             <p:ph idx="1"/>
+          </p:nvPr>
+        </p:nvPicPr>
+        <p:blipFill>
+          <a:blip r:embed="rId2">
+            <a:extLst>
+              <a:ext uri="{28A0092B-C50C-407E-A947-70E740481C1C}">
+                <a14:useLocalDpi xmlns:a14="http://schemas.microsoft.com/office/drawing/2010/main" val="0"/>
+              </a:ext>
+              <a:ext uri="{837473B0-CC2E-450A-ABE3-18F120FF3D39}">
+                <a1611:picAttrSrcUrl xmlns:a1611="http://schemas.microsoft.com/office/drawing/2016/11/main" r:id="rId3"/>
+              </a:ext>
+            </a:extLst>
+          </a:blip>
+          <a:stretch>
+            <a:fillRect/>
+          </a:stretch>
+        </p:blipFill>
+        <p:spPr>
+          <a:xfrm>
+            <a:off x="2054831" y="980428"/>
+            <a:ext cx="8219326" cy="5485041"/>
+          </a:xfrm>
+        </p:spPr>
+      </p:pic>
+      <p:sp>
+        <p:nvSpPr>
+          <p:cNvPr id="4" name="Date Placeholder 3">
+            <a:extLst>
+              <a:ext uri="{FF2B5EF4-FFF2-40B4-BE49-F238E27FC236}">
+                <a16:creationId xmlns:a16="http://schemas.microsoft.com/office/drawing/2014/main" id="{3466A4E5-649F-10CC-5BDE-051AEB3D8DA5}"/>
+              </a:ext>
+            </a:extLst>
+          </p:cNvPr>
+          <p:cNvSpPr>
+            <a:spLocks noGrp="1"/>
+          </p:cNvSpPr>
+          <p:nvPr>
+            <p:ph type="dt" sz="half" idx="10"/>
           </p:nvPr>
         </p:nvSpPr>
         <p:spPr/>
@@ -19315,64 +22772,10 @@
           <a:bodyPr/>
           <a:lstStyle/>
           <a:p>
-            <a:endParaRPr lang="en-US" dirty="0"/>
-          </a:p>
-        </p:txBody>
-      </p:sp>
-      <p:sp>
-        <p:nvSpPr>
-          <p:cNvPr id="4" name="Date Placeholder 3">
-            <a:extLst>
-              <a:ext uri="{FF2B5EF4-FFF2-40B4-BE49-F238E27FC236}">
-                <a16:creationId xmlns:a16="http://schemas.microsoft.com/office/drawing/2014/main" id="{3466A4E5-649F-10CC-5BDE-051AEB3D8DA5}"/>
-              </a:ext>
-            </a:extLst>
-          </p:cNvPr>
-          <p:cNvSpPr>
-            <a:spLocks noGrp="1"/>
-          </p:cNvSpPr>
-          <p:nvPr>
-            <p:ph type="dt" sz="half" idx="10"/>
-          </p:nvPr>
-        </p:nvSpPr>
-        <p:spPr/>
-        <p:txBody>
-          <a:bodyPr/>
-          <a:lstStyle/>
-          <a:p>
             <a:fld id="{FE21D4C7-8630-4B98-978C-30388BBD4EE8}" type="datetime1">
               <a:rPr lang="en-US" smtClean="0"/>
-              <a:t>1/7/2026</a:t>
+              <a:t>1/8/2026</a:t>
             </a:fld>
-            <a:endParaRPr lang="en-US" dirty="0"/>
-          </a:p>
-        </p:txBody>
-      </p:sp>
-      <p:sp>
-        <p:nvSpPr>
-          <p:cNvPr id="5" name="Footer Placeholder 4">
-            <a:extLst>
-              <a:ext uri="{FF2B5EF4-FFF2-40B4-BE49-F238E27FC236}">
-                <a16:creationId xmlns:a16="http://schemas.microsoft.com/office/drawing/2014/main" id="{DD538AFD-0FEB-9602-BD93-1FA71CF5F1CD}"/>
-              </a:ext>
-            </a:extLst>
-          </p:cNvPr>
-          <p:cNvSpPr>
-            <a:spLocks noGrp="1"/>
-          </p:cNvSpPr>
-          <p:nvPr>
-            <p:ph type="ftr" sz="quarter" idx="11"/>
-          </p:nvPr>
-        </p:nvSpPr>
-        <p:spPr/>
-        <p:txBody>
-          <a:bodyPr/>
-          <a:lstStyle/>
-          <a:p>
-            <a:r>
-              <a:rPr lang="en-US"/>
-              <a:t>Sample Footer Text</a:t>
-            </a:r>
             <a:endParaRPr lang="en-US" dirty="0"/>
           </a:p>
         </p:txBody>
@@ -19403,6 +22806,54 @@
               <a:t>10</a:t>
             </a:fld>
             <a:endParaRPr lang="en-US" dirty="0"/>
+          </a:p>
+        </p:txBody>
+      </p:sp>
+      <p:sp>
+        <p:nvSpPr>
+          <p:cNvPr id="9" name="TextBox 8">
+            <a:extLst>
+              <a:ext uri="{FF2B5EF4-FFF2-40B4-BE49-F238E27FC236}">
+                <a16:creationId xmlns:a16="http://schemas.microsoft.com/office/drawing/2014/main" id="{9D07104D-5D14-DABF-4242-921DB779875E}"/>
+              </a:ext>
+            </a:extLst>
+          </p:cNvPr>
+          <p:cNvSpPr txBox="1"/>
+          <p:nvPr/>
+        </p:nvSpPr>
+        <p:spPr>
+          <a:xfrm>
+            <a:off x="2054831" y="5398150"/>
+            <a:ext cx="8219326" cy="230832"/>
+          </a:xfrm>
+          <a:prstGeom prst="rect">
+            <a:avLst/>
+          </a:prstGeom>
+          <a:noFill/>
+        </p:spPr>
+        <p:txBody>
+          <a:bodyPr wrap="square" rtlCol="0">
+            <a:spAutoFit/>
+          </a:bodyPr>
+          <a:lstStyle/>
+          <a:p>
+            <a:r>
+              <a:rPr lang="en-US" sz="900">
+                <a:hlinkClick r:id="rId3" tooltip="https://www.flickr.com/photos/ervins_strauhmanis/9547663730/in/photolist-fxGgMU-bZvYH1-8rfCL3-b45P5K-8eoT9r-eeq5iW-57piRE-7jFqA3-9sV62e-bunMFE-bZwG3C-6uS88F-3P4oQM-j8EQ8A-MJMmk-mSES3-3P4eGi-iJhGqe-avPkAk-iEpZn1-h5rD-9K42Ki-2QE6tm-9btbLk-dDTBZV-iJiYm8-ikv1u5-gQkBZ-fn6roG-8zxhTH-su4mw-4uzfh-9rD9Qo-7geCjd-bkpWAg-iJjHgY-iJjGFj-aALUbP-iJmF8h-83WSof-9jexQ9-mUq4m2-asPHTj-bHjavB-pUiKrK-a4TZem-MJDYs-iJiZuv-7EekNk-7HDE3U"/>
+              </a:rPr>
+              <a:t>This Photo</a:t>
+            </a:r>
+            <a:r>
+              <a:rPr lang="en-US" sz="900"/>
+              <a:t> by Unknown Author is licensed under </a:t>
+            </a:r>
+            <a:r>
+              <a:rPr lang="en-US" sz="900">
+                <a:hlinkClick r:id="rId4" tooltip="https://creativecommons.org/licenses/by/3.0/"/>
+              </a:rPr>
+              <a:t>CC BY</a:t>
+            </a:r>
+            <a:endParaRPr lang="en-US" sz="900"/>
           </a:p>
         </p:txBody>
       </p:sp>
@@ -19562,37 +23013,8 @@
           <a:p>
             <a:fld id="{FE21D4C7-8630-4B98-978C-30388BBD4EE8}" type="datetime1">
               <a:rPr lang="en-US" smtClean="0"/>
-              <a:t>1/7/2026</a:t>
+              <a:t>1/8/2026</a:t>
             </a:fld>
-            <a:endParaRPr lang="en-US" dirty="0"/>
-          </a:p>
-        </p:txBody>
-      </p:sp>
-      <p:sp>
-        <p:nvSpPr>
-          <p:cNvPr id="5" name="Footer Placeholder 4">
-            <a:extLst>
-              <a:ext uri="{FF2B5EF4-FFF2-40B4-BE49-F238E27FC236}">
-                <a16:creationId xmlns:a16="http://schemas.microsoft.com/office/drawing/2014/main" id="{CD08CC15-4BF7-AC68-90A1-AFF32A2A05DE}"/>
-              </a:ext>
-            </a:extLst>
-          </p:cNvPr>
-          <p:cNvSpPr>
-            <a:spLocks noGrp="1"/>
-          </p:cNvSpPr>
-          <p:nvPr>
-            <p:ph type="ftr" sz="quarter" idx="11"/>
-          </p:nvPr>
-        </p:nvSpPr>
-        <p:spPr/>
-        <p:txBody>
-          <a:bodyPr/>
-          <a:lstStyle/>
-          <a:p>
-            <a:r>
-              <a:rPr lang="en-US"/>
-              <a:t>Sample Footer Text</a:t>
-            </a:r>
             <a:endParaRPr lang="en-US" dirty="0"/>
           </a:p>
         </p:txBody>
@@ -19661,6 +23083,1310 @@
           <p:cNvPr id="2" name="Title 1">
             <a:extLst>
               <a:ext uri="{FF2B5EF4-FFF2-40B4-BE49-F238E27FC236}">
+                <a16:creationId xmlns:a16="http://schemas.microsoft.com/office/drawing/2014/main" id="{DCA7EF93-EC69-D1FA-F75F-7ABC23196D0A}"/>
+              </a:ext>
+            </a:extLst>
+          </p:cNvPr>
+          <p:cNvSpPr>
+            <a:spLocks noGrp="1"/>
+          </p:cNvSpPr>
+          <p:nvPr>
+            <p:ph type="title"/>
+          </p:nvPr>
+        </p:nvSpPr>
+        <p:spPr/>
+        <p:txBody>
+          <a:bodyPr/>
+          <a:lstStyle/>
+          <a:p>
+            <a:r>
+              <a:rPr lang="en-US" dirty="0"/>
+              <a:t>AGILE Method</a:t>
+            </a:r>
+          </a:p>
+        </p:txBody>
+      </p:sp>
+      <p:sp>
+        <p:nvSpPr>
+          <p:cNvPr id="3" name="Content Placeholder 2">
+            <a:extLst>
+              <a:ext uri="{FF2B5EF4-FFF2-40B4-BE49-F238E27FC236}">
+                <a16:creationId xmlns:a16="http://schemas.microsoft.com/office/drawing/2014/main" id="{6A624C94-AA80-6DCA-4B0E-A7DF2E716F59}"/>
+              </a:ext>
+            </a:extLst>
+          </p:cNvPr>
+          <p:cNvSpPr>
+            <a:spLocks noGrp="1"/>
+          </p:cNvSpPr>
+          <p:nvPr>
+            <p:ph idx="1"/>
+          </p:nvPr>
+        </p:nvSpPr>
+        <p:spPr>
+          <a:xfrm>
+            <a:off x="352515" y="1258403"/>
+            <a:ext cx="11125032" cy="4905116"/>
+          </a:xfrm>
+        </p:spPr>
+        <p:txBody>
+          <a:bodyPr>
+            <a:normAutofit lnSpcReduction="10000"/>
+          </a:bodyPr>
+          <a:lstStyle/>
+          <a:p>
+            <a:pPr marL="0" indent="0">
+              <a:buNone/>
+            </a:pPr>
+            <a:r>
+              <a:rPr lang="en-US" sz="2000" dirty="0"/>
+              <a:t>First came about in February 2001, when a group of leading experts met in Snowbird, Utah, to discuss common ground between their approaches in the quickly developing world of agile.</a:t>
+            </a:r>
+          </a:p>
+          <a:p>
+            <a:pPr marL="0" indent="0">
+              <a:buNone/>
+            </a:pPr>
+            <a:r>
+              <a:rPr lang="en-US" sz="2000" dirty="0"/>
+              <a:t>A project management framework that emphasizes iterative development, collaboration, flexibility and customer feedback allowing teams to adapt to changing requirements and deliver high-quality products efficiently.</a:t>
+            </a:r>
+          </a:p>
+          <a:p>
+            <a:pPr marL="0" indent="0">
+              <a:buNone/>
+            </a:pPr>
+            <a:r>
+              <a:rPr lang="en-US" sz="2000" dirty="0"/>
+              <a:t>The Agile methodology approach breaks projects into smaller manageable phases also known as sprints.</a:t>
+            </a:r>
+          </a:p>
+          <a:p>
+            <a:pPr marL="0" indent="0">
+              <a:buNone/>
+            </a:pPr>
+            <a:r>
+              <a:rPr lang="en-US" sz="2000" dirty="0"/>
+              <a:t>There are three Agile frameworks</a:t>
+            </a:r>
+          </a:p>
+          <a:p>
+            <a:pPr lvl="1"/>
+            <a:r>
+              <a:rPr lang="en-US" sz="1800" dirty="0"/>
+              <a:t>Scrum</a:t>
+            </a:r>
+          </a:p>
+          <a:p>
+            <a:pPr lvl="1"/>
+            <a:r>
+              <a:rPr lang="en-US" sz="1800" dirty="0"/>
+              <a:t>Kanban</a:t>
+            </a:r>
+          </a:p>
+          <a:p>
+            <a:pPr lvl="1"/>
+            <a:r>
+              <a:rPr lang="en-US" sz="1800" dirty="0"/>
+              <a:t>Extreme Programing (XP)</a:t>
+            </a:r>
+          </a:p>
+        </p:txBody>
+      </p:sp>
+      <p:sp>
+        <p:nvSpPr>
+          <p:cNvPr id="4" name="Date Placeholder 3">
+            <a:extLst>
+              <a:ext uri="{FF2B5EF4-FFF2-40B4-BE49-F238E27FC236}">
+                <a16:creationId xmlns:a16="http://schemas.microsoft.com/office/drawing/2014/main" id="{D13517B7-12FC-AB3D-BFA8-D9D3AD287791}"/>
+              </a:ext>
+            </a:extLst>
+          </p:cNvPr>
+          <p:cNvSpPr>
+            <a:spLocks noGrp="1"/>
+          </p:cNvSpPr>
+          <p:nvPr>
+            <p:ph type="dt" sz="half" idx="10"/>
+          </p:nvPr>
+        </p:nvSpPr>
+        <p:spPr/>
+        <p:txBody>
+          <a:bodyPr/>
+          <a:lstStyle/>
+          <a:p>
+            <a:fld id="{FE21D4C7-8630-4B98-978C-30388BBD4EE8}" type="datetime1">
+              <a:rPr lang="en-US" smtClean="0"/>
+              <a:t>1/8/2026</a:t>
+            </a:fld>
+            <a:endParaRPr lang="en-US" dirty="0"/>
+          </a:p>
+        </p:txBody>
+      </p:sp>
+      <p:sp>
+        <p:nvSpPr>
+          <p:cNvPr id="6" name="Slide Number Placeholder 5">
+            <a:extLst>
+              <a:ext uri="{FF2B5EF4-FFF2-40B4-BE49-F238E27FC236}">
+                <a16:creationId xmlns:a16="http://schemas.microsoft.com/office/drawing/2014/main" id="{AAC84777-4E2C-5339-3B6F-8F21D1BD2F1B}"/>
+              </a:ext>
+            </a:extLst>
+          </p:cNvPr>
+          <p:cNvSpPr>
+            <a:spLocks noGrp="1"/>
+          </p:cNvSpPr>
+          <p:nvPr>
+            <p:ph type="sldNum" sz="quarter" idx="12"/>
+          </p:nvPr>
+        </p:nvSpPr>
+        <p:spPr/>
+        <p:txBody>
+          <a:bodyPr/>
+          <a:lstStyle/>
+          <a:p>
+            <a:fld id="{84C450F2-3BB4-4AE4-8A35-A9D7AEA4C850}" type="slidenum">
+              <a:rPr lang="en-US" smtClean="0"/>
+              <a:t>12</a:t>
+            </a:fld>
+            <a:endParaRPr lang="en-US" dirty="0"/>
+          </a:p>
+        </p:txBody>
+      </p:sp>
+    </p:spTree>
+    <p:extLst>
+      <p:ext uri="{BB962C8B-B14F-4D97-AF65-F5344CB8AC3E}">
+        <p14:creationId xmlns:p14="http://schemas.microsoft.com/office/powerpoint/2010/main" val="3673295186"/>
+      </p:ext>
+    </p:extLst>
+  </p:cSld>
+  <p:clrMapOvr>
+    <a:masterClrMapping/>
+  </p:clrMapOvr>
+</p:sld>
+</file>
+
+<file path=ppt/slides/slide13.xml><?xml version="1.0" encoding="utf-8"?>
+<p:sld xmlns:a="http://schemas.openxmlformats.org/drawingml/2006/main" xmlns:r="http://schemas.openxmlformats.org/officeDocument/2006/relationships" xmlns:p="http://schemas.openxmlformats.org/presentationml/2006/main">
+  <p:cSld>
+    <p:spTree>
+      <p:nvGrpSpPr>
+        <p:cNvPr id="1" name=""/>
+        <p:cNvGrpSpPr/>
+        <p:nvPr/>
+      </p:nvGrpSpPr>
+      <p:grpSpPr>
+        <a:xfrm>
+          <a:off x="0" y="0"/>
+          <a:ext cx="0" cy="0"/>
+          <a:chOff x="0" y="0"/>
+          <a:chExt cx="0" cy="0"/>
+        </a:xfrm>
+      </p:grpSpPr>
+      <p:sp>
+        <p:nvSpPr>
+          <p:cNvPr id="4" name="Date Placeholder 3">
+            <a:extLst>
+              <a:ext uri="{FF2B5EF4-FFF2-40B4-BE49-F238E27FC236}">
+                <a16:creationId xmlns:a16="http://schemas.microsoft.com/office/drawing/2014/main" id="{ADAB7437-54E7-69C3-28C5-E939B53A5C1A}"/>
+              </a:ext>
+            </a:extLst>
+          </p:cNvPr>
+          <p:cNvSpPr>
+            <a:spLocks noGrp="1"/>
+          </p:cNvSpPr>
+          <p:nvPr>
+            <p:ph type="dt" sz="half" idx="10"/>
+          </p:nvPr>
+        </p:nvSpPr>
+        <p:spPr/>
+        <p:txBody>
+          <a:bodyPr/>
+          <a:lstStyle/>
+          <a:p>
+            <a:fld id="{FE21D4C7-8630-4B98-978C-30388BBD4EE8}" type="datetime1">
+              <a:rPr lang="en-US" smtClean="0"/>
+              <a:t>1/8/2026</a:t>
+            </a:fld>
+            <a:endParaRPr lang="en-US" dirty="0"/>
+          </a:p>
+        </p:txBody>
+      </p:sp>
+      <p:sp>
+        <p:nvSpPr>
+          <p:cNvPr id="6" name="Slide Number Placeholder 5">
+            <a:extLst>
+              <a:ext uri="{FF2B5EF4-FFF2-40B4-BE49-F238E27FC236}">
+                <a16:creationId xmlns:a16="http://schemas.microsoft.com/office/drawing/2014/main" id="{EAFFC2E2-B096-5F4B-3504-A75C04B53B1B}"/>
+              </a:ext>
+            </a:extLst>
+          </p:cNvPr>
+          <p:cNvSpPr>
+            <a:spLocks noGrp="1"/>
+          </p:cNvSpPr>
+          <p:nvPr>
+            <p:ph type="sldNum" sz="quarter" idx="12"/>
+          </p:nvPr>
+        </p:nvSpPr>
+        <p:spPr/>
+        <p:txBody>
+          <a:bodyPr/>
+          <a:lstStyle/>
+          <a:p>
+            <a:fld id="{84C450F2-3BB4-4AE4-8A35-A9D7AEA4C850}" type="slidenum">
+              <a:rPr lang="en-US" smtClean="0"/>
+              <a:t>13</a:t>
+            </a:fld>
+            <a:endParaRPr lang="en-US" dirty="0"/>
+          </a:p>
+        </p:txBody>
+      </p:sp>
+      <p:pic>
+        <p:nvPicPr>
+          <p:cNvPr id="2050" name="Picture 2" descr="Agile-Development-Stages">
+            <a:extLst>
+              <a:ext uri="{FF2B5EF4-FFF2-40B4-BE49-F238E27FC236}">
+                <a16:creationId xmlns:a16="http://schemas.microsoft.com/office/drawing/2014/main" id="{A4AD84B0-EB8A-B857-13C1-AB0D38AD13F1}"/>
+              </a:ext>
+            </a:extLst>
+          </p:cNvPr>
+          <p:cNvPicPr>
+            <a:picLocks noGrp="1" noChangeAspect="1" noChangeArrowheads="1"/>
+          </p:cNvPicPr>
+          <p:nvPr>
+            <p:ph idx="1"/>
+          </p:nvPr>
+        </p:nvPicPr>
+        <p:blipFill>
+          <a:blip r:embed="rId2">
+            <a:extLst>
+              <a:ext uri="{28A0092B-C50C-407E-A947-70E740481C1C}">
+                <a14:useLocalDpi xmlns:a14="http://schemas.microsoft.com/office/drawing/2010/main" val="0"/>
+              </a:ext>
+            </a:extLst>
+          </a:blip>
+          <a:srcRect/>
+          <a:stretch>
+            <a:fillRect/>
+          </a:stretch>
+        </p:blipFill>
+        <p:spPr bwMode="auto">
+          <a:xfrm>
+            <a:off x="1455175" y="760261"/>
+            <a:ext cx="9419303" cy="5237703"/>
+          </a:xfrm>
+          <a:prstGeom prst="rect">
+            <a:avLst/>
+          </a:prstGeom>
+          <a:noFill/>
+          <a:extLst>
+            <a:ext uri="{909E8E84-426E-40DD-AFC4-6F175D3DCCD1}">
+              <a14:hiddenFill xmlns:a14="http://schemas.microsoft.com/office/drawing/2010/main">
+                <a:solidFill>
+                  <a:srgbClr val="FFFFFF"/>
+                </a:solidFill>
+              </a14:hiddenFill>
+            </a:ext>
+          </a:extLst>
+        </p:spPr>
+      </p:pic>
+      <p:sp>
+        <p:nvSpPr>
+          <p:cNvPr id="7" name="TextBox 6">
+            <a:extLst>
+              <a:ext uri="{FF2B5EF4-FFF2-40B4-BE49-F238E27FC236}">
+                <a16:creationId xmlns:a16="http://schemas.microsoft.com/office/drawing/2014/main" id="{F784D617-69D2-F0FF-41A0-12D8B2D65B45}"/>
+              </a:ext>
+            </a:extLst>
+          </p:cNvPr>
+          <p:cNvSpPr txBox="1"/>
+          <p:nvPr/>
+        </p:nvSpPr>
+        <p:spPr>
+          <a:xfrm>
+            <a:off x="4322397" y="5997964"/>
+            <a:ext cx="3342582" cy="369332"/>
+          </a:xfrm>
+          <a:prstGeom prst="rect">
+            <a:avLst/>
+          </a:prstGeom>
+          <a:noFill/>
+        </p:spPr>
+        <p:txBody>
+          <a:bodyPr wrap="none" rtlCol="0">
+            <a:spAutoFit/>
+          </a:bodyPr>
+          <a:lstStyle/>
+          <a:p>
+            <a:r>
+              <a:rPr lang="en-US" dirty="0"/>
+              <a:t>Adopted from </a:t>
+            </a:r>
+            <a:r>
+              <a:rPr lang="en-US" dirty="0">
+                <a:hlinkClick r:id="rId3"/>
+              </a:rPr>
+              <a:t>geeksforgeeks</a:t>
+            </a:r>
+            <a:endParaRPr lang="en-US" dirty="0"/>
+          </a:p>
+        </p:txBody>
+      </p:sp>
+      <p:sp>
+        <p:nvSpPr>
+          <p:cNvPr id="9" name="Title 1">
+            <a:extLst>
+              <a:ext uri="{FF2B5EF4-FFF2-40B4-BE49-F238E27FC236}">
+                <a16:creationId xmlns:a16="http://schemas.microsoft.com/office/drawing/2014/main" id="{7DAE072F-2CF3-07E1-CEB9-4F3DF20F90E9}"/>
+              </a:ext>
+            </a:extLst>
+          </p:cNvPr>
+          <p:cNvSpPr>
+            <a:spLocks noGrp="1"/>
+          </p:cNvSpPr>
+          <p:nvPr>
+            <p:ph type="title"/>
+          </p:nvPr>
+        </p:nvSpPr>
+        <p:spPr>
+          <a:xfrm>
+            <a:off x="431172" y="293303"/>
+            <a:ext cx="11125032" cy="542440"/>
+          </a:xfrm>
+        </p:spPr>
+        <p:txBody>
+          <a:bodyPr/>
+          <a:lstStyle/>
+          <a:p>
+            <a:r>
+              <a:rPr lang="en-US" dirty="0"/>
+              <a:t>Life cycle of AGILE Methodology</a:t>
+            </a:r>
+          </a:p>
+        </p:txBody>
+      </p:sp>
+    </p:spTree>
+    <p:extLst>
+      <p:ext uri="{BB962C8B-B14F-4D97-AF65-F5344CB8AC3E}">
+        <p14:creationId xmlns:p14="http://schemas.microsoft.com/office/powerpoint/2010/main" val="1850882199"/>
+      </p:ext>
+    </p:extLst>
+  </p:cSld>
+  <p:clrMapOvr>
+    <a:masterClrMapping/>
+  </p:clrMapOvr>
+</p:sld>
+</file>
+
+<file path=ppt/slides/slide14.xml><?xml version="1.0" encoding="utf-8"?>
+<p:sld xmlns:a="http://schemas.openxmlformats.org/drawingml/2006/main" xmlns:r="http://schemas.openxmlformats.org/officeDocument/2006/relationships" xmlns:p="http://schemas.openxmlformats.org/presentationml/2006/main">
+  <p:cSld>
+    <p:spTree>
+      <p:nvGrpSpPr>
+        <p:cNvPr id="1" name=""/>
+        <p:cNvGrpSpPr/>
+        <p:nvPr/>
+      </p:nvGrpSpPr>
+      <p:grpSpPr>
+        <a:xfrm>
+          <a:off x="0" y="0"/>
+          <a:ext cx="0" cy="0"/>
+          <a:chOff x="0" y="0"/>
+          <a:chExt cx="0" cy="0"/>
+        </a:xfrm>
+      </p:grpSpPr>
+      <p:sp>
+        <p:nvSpPr>
+          <p:cNvPr id="2" name="Title 1">
+            <a:extLst>
+              <a:ext uri="{FF2B5EF4-FFF2-40B4-BE49-F238E27FC236}">
+                <a16:creationId xmlns:a16="http://schemas.microsoft.com/office/drawing/2014/main" id="{BE9CBC53-77EE-07E6-6E64-FE1885EFFAAE}"/>
+              </a:ext>
+            </a:extLst>
+          </p:cNvPr>
+          <p:cNvSpPr>
+            <a:spLocks noGrp="1"/>
+          </p:cNvSpPr>
+          <p:nvPr>
+            <p:ph type="title"/>
+          </p:nvPr>
+        </p:nvSpPr>
+        <p:spPr/>
+        <p:txBody>
+          <a:bodyPr/>
+          <a:lstStyle/>
+          <a:p>
+            <a:r>
+              <a:rPr lang="en-US" dirty="0"/>
+              <a:t>Agile manifesto</a:t>
+            </a:r>
+          </a:p>
+        </p:txBody>
+      </p:sp>
+      <p:sp>
+        <p:nvSpPr>
+          <p:cNvPr id="3" name="Content Placeholder 2">
+            <a:extLst>
+              <a:ext uri="{FF2B5EF4-FFF2-40B4-BE49-F238E27FC236}">
+                <a16:creationId xmlns:a16="http://schemas.microsoft.com/office/drawing/2014/main" id="{20B277CA-A1A4-6C92-6349-F9186DFB3572}"/>
+              </a:ext>
+            </a:extLst>
+          </p:cNvPr>
+          <p:cNvSpPr>
+            <a:spLocks noGrp="1"/>
+          </p:cNvSpPr>
+          <p:nvPr>
+            <p:ph idx="1"/>
+          </p:nvPr>
+        </p:nvSpPr>
+        <p:spPr/>
+        <p:txBody>
+          <a:bodyPr>
+            <a:noAutofit/>
+          </a:bodyPr>
+          <a:lstStyle/>
+          <a:p>
+            <a:pPr marL="0" indent="0" fontAlgn="ctr">
+              <a:buNone/>
+            </a:pPr>
+            <a:r>
+              <a:rPr lang="en-US" sz="2000" dirty="0"/>
+              <a:t>The guiding principles of the agile methodology. Consist of the following four principles</a:t>
+            </a:r>
+          </a:p>
+          <a:p>
+            <a:pPr fontAlgn="ctr">
+              <a:buFont typeface="+mj-lt"/>
+              <a:buAutoNum type="arabicPeriod"/>
+            </a:pPr>
+            <a:r>
+              <a:rPr lang="en-US" sz="2000" b="1" dirty="0"/>
+              <a:t>People over Processes</a:t>
+            </a:r>
+          </a:p>
+          <a:p>
+            <a:pPr lvl="1"/>
+            <a:r>
+              <a:rPr lang="en-US" sz="1400" dirty="0"/>
+              <a:t>Individuals and interactions over processes and tools.</a:t>
+            </a:r>
+          </a:p>
+          <a:p>
+            <a:pPr lvl="1"/>
+            <a:r>
+              <a:rPr lang="en-US" sz="1400" dirty="0"/>
+              <a:t>Emphasizes teamwork and collaboration </a:t>
+            </a:r>
+          </a:p>
+          <a:p>
+            <a:pPr fontAlgn="ctr">
+              <a:buFont typeface="+mj-lt"/>
+              <a:buAutoNum type="arabicPeriod"/>
+            </a:pPr>
+            <a:r>
+              <a:rPr lang="en-US" sz="2000" b="1" dirty="0"/>
+              <a:t>Working Software over Documentation</a:t>
+            </a:r>
+          </a:p>
+          <a:p>
+            <a:pPr lvl="1"/>
+            <a:r>
+              <a:rPr lang="en-US" sz="1400" dirty="0"/>
+              <a:t>Working product over comprehensive documentation</a:t>
+            </a:r>
+          </a:p>
+          <a:p>
+            <a:pPr lvl="1"/>
+            <a:r>
+              <a:rPr lang="en-US" sz="1400" dirty="0"/>
+              <a:t>Focus on delivering working/functional products over lengthy documentation. </a:t>
+            </a:r>
+          </a:p>
+          <a:p>
+            <a:pPr fontAlgn="ctr">
+              <a:buFont typeface="+mj-lt"/>
+              <a:buAutoNum type="arabicPeriod"/>
+            </a:pPr>
+            <a:r>
+              <a:rPr lang="en-US" sz="2000" b="1" dirty="0"/>
+              <a:t>Collaboration over Contracts</a:t>
+            </a:r>
+          </a:p>
+          <a:p>
+            <a:pPr lvl="1"/>
+            <a:r>
+              <a:rPr lang="en-US" sz="1400" dirty="0"/>
+              <a:t>Customer collaboration over contract negotiation</a:t>
+            </a:r>
+          </a:p>
+          <a:p>
+            <a:pPr lvl="1"/>
+            <a:r>
+              <a:rPr lang="en-US" sz="1400" dirty="0"/>
+              <a:t>Close engagement with customer to ensure their requirements and needs are met. </a:t>
+            </a:r>
+          </a:p>
+          <a:p>
+            <a:pPr>
+              <a:buFont typeface="+mj-lt"/>
+              <a:buAutoNum type="arabicPeriod"/>
+            </a:pPr>
+            <a:r>
+              <a:rPr lang="en-US" sz="2000" b="1" dirty="0"/>
+              <a:t>Responding to change over following a Plan</a:t>
+            </a:r>
+          </a:p>
+          <a:p>
+            <a:pPr lvl="1"/>
+            <a:r>
+              <a:rPr lang="en-US" sz="1400" dirty="0"/>
+              <a:t>Responding to change over following a plan</a:t>
+            </a:r>
+          </a:p>
+          <a:p>
+            <a:pPr lvl="1"/>
+            <a:r>
+              <a:rPr lang="en-US" sz="1400" dirty="0"/>
+              <a:t>Allows team to shift/pivot as project requirements change without derailing the project.</a:t>
+            </a:r>
+          </a:p>
+        </p:txBody>
+      </p:sp>
+      <p:sp>
+        <p:nvSpPr>
+          <p:cNvPr id="4" name="Date Placeholder 3">
+            <a:extLst>
+              <a:ext uri="{FF2B5EF4-FFF2-40B4-BE49-F238E27FC236}">
+                <a16:creationId xmlns:a16="http://schemas.microsoft.com/office/drawing/2014/main" id="{1B23CB23-8330-A2F6-6E34-CEEF35D497E2}"/>
+              </a:ext>
+            </a:extLst>
+          </p:cNvPr>
+          <p:cNvSpPr>
+            <a:spLocks noGrp="1"/>
+          </p:cNvSpPr>
+          <p:nvPr>
+            <p:ph type="dt" sz="half" idx="10"/>
+          </p:nvPr>
+        </p:nvSpPr>
+        <p:spPr/>
+        <p:txBody>
+          <a:bodyPr/>
+          <a:lstStyle/>
+          <a:p>
+            <a:fld id="{FE21D4C7-8630-4B98-978C-30388BBD4EE8}" type="datetime1">
+              <a:rPr lang="en-US" smtClean="0"/>
+              <a:t>1/8/2026</a:t>
+            </a:fld>
+            <a:endParaRPr lang="en-US" dirty="0"/>
+          </a:p>
+        </p:txBody>
+      </p:sp>
+      <p:sp>
+        <p:nvSpPr>
+          <p:cNvPr id="6" name="Slide Number Placeholder 5">
+            <a:extLst>
+              <a:ext uri="{FF2B5EF4-FFF2-40B4-BE49-F238E27FC236}">
+                <a16:creationId xmlns:a16="http://schemas.microsoft.com/office/drawing/2014/main" id="{A008F10D-56D8-BED0-D780-1ED72032E28A}"/>
+              </a:ext>
+            </a:extLst>
+          </p:cNvPr>
+          <p:cNvSpPr>
+            <a:spLocks noGrp="1"/>
+          </p:cNvSpPr>
+          <p:nvPr>
+            <p:ph type="sldNum" sz="quarter" idx="12"/>
+          </p:nvPr>
+        </p:nvSpPr>
+        <p:spPr/>
+        <p:txBody>
+          <a:bodyPr/>
+          <a:lstStyle/>
+          <a:p>
+            <a:fld id="{84C450F2-3BB4-4AE4-8A35-A9D7AEA4C850}" type="slidenum">
+              <a:rPr lang="en-US" smtClean="0"/>
+              <a:t>14</a:t>
+            </a:fld>
+            <a:endParaRPr lang="en-US" dirty="0"/>
+          </a:p>
+        </p:txBody>
+      </p:sp>
+    </p:spTree>
+    <p:extLst>
+      <p:ext uri="{BB962C8B-B14F-4D97-AF65-F5344CB8AC3E}">
+        <p14:creationId xmlns:p14="http://schemas.microsoft.com/office/powerpoint/2010/main" val="3982136859"/>
+      </p:ext>
+    </p:extLst>
+  </p:cSld>
+  <p:clrMapOvr>
+    <a:masterClrMapping/>
+  </p:clrMapOvr>
+</p:sld>
+</file>
+
+<file path=ppt/slides/slide15.xml><?xml version="1.0" encoding="utf-8"?>
+<p:sld xmlns:a="http://schemas.openxmlformats.org/drawingml/2006/main" xmlns:r="http://schemas.openxmlformats.org/officeDocument/2006/relationships" xmlns:p="http://schemas.openxmlformats.org/presentationml/2006/main">
+  <p:cSld>
+    <p:spTree>
+      <p:nvGrpSpPr>
+        <p:cNvPr id="1" name=""/>
+        <p:cNvGrpSpPr/>
+        <p:nvPr/>
+      </p:nvGrpSpPr>
+      <p:grpSpPr>
+        <a:xfrm>
+          <a:off x="0" y="0"/>
+          <a:ext cx="0" cy="0"/>
+          <a:chOff x="0" y="0"/>
+          <a:chExt cx="0" cy="0"/>
+        </a:xfrm>
+      </p:grpSpPr>
+      <p:sp>
+        <p:nvSpPr>
+          <p:cNvPr id="2" name="Title 1">
+            <a:extLst>
+              <a:ext uri="{FF2B5EF4-FFF2-40B4-BE49-F238E27FC236}">
+                <a16:creationId xmlns:a16="http://schemas.microsoft.com/office/drawing/2014/main" id="{F866BE2D-2CCC-122F-4E3E-03A27967FD7B}"/>
+              </a:ext>
+            </a:extLst>
+          </p:cNvPr>
+          <p:cNvSpPr>
+            <a:spLocks noGrp="1"/>
+          </p:cNvSpPr>
+          <p:nvPr>
+            <p:ph type="title"/>
+          </p:nvPr>
+        </p:nvSpPr>
+        <p:spPr/>
+        <p:txBody>
+          <a:bodyPr/>
+          <a:lstStyle/>
+          <a:p>
+            <a:r>
+              <a:rPr lang="en-US" dirty="0"/>
+              <a:t>12 principles of agile methodology</a:t>
+            </a:r>
+          </a:p>
+        </p:txBody>
+      </p:sp>
+      <p:sp>
+        <p:nvSpPr>
+          <p:cNvPr id="4" name="Date Placeholder 3">
+            <a:extLst>
+              <a:ext uri="{FF2B5EF4-FFF2-40B4-BE49-F238E27FC236}">
+                <a16:creationId xmlns:a16="http://schemas.microsoft.com/office/drawing/2014/main" id="{146A5F9B-06C8-1908-B0C1-931278BC5501}"/>
+              </a:ext>
+            </a:extLst>
+          </p:cNvPr>
+          <p:cNvSpPr>
+            <a:spLocks noGrp="1"/>
+          </p:cNvSpPr>
+          <p:nvPr>
+            <p:ph type="dt" sz="half" idx="10"/>
+          </p:nvPr>
+        </p:nvSpPr>
+        <p:spPr/>
+        <p:txBody>
+          <a:bodyPr/>
+          <a:lstStyle/>
+          <a:p>
+            <a:fld id="{FE21D4C7-8630-4B98-978C-30388BBD4EE8}" type="datetime1">
+              <a:rPr lang="en-US" smtClean="0"/>
+              <a:t>1/8/2026</a:t>
+            </a:fld>
+            <a:endParaRPr lang="en-US" dirty="0"/>
+          </a:p>
+        </p:txBody>
+      </p:sp>
+      <p:sp>
+        <p:nvSpPr>
+          <p:cNvPr id="6" name="Slide Number Placeholder 5">
+            <a:extLst>
+              <a:ext uri="{FF2B5EF4-FFF2-40B4-BE49-F238E27FC236}">
+                <a16:creationId xmlns:a16="http://schemas.microsoft.com/office/drawing/2014/main" id="{400E4FDD-2FBA-9373-9AD3-976A6D23BA84}"/>
+              </a:ext>
+            </a:extLst>
+          </p:cNvPr>
+          <p:cNvSpPr>
+            <a:spLocks noGrp="1"/>
+          </p:cNvSpPr>
+          <p:nvPr>
+            <p:ph type="sldNum" sz="quarter" idx="12"/>
+          </p:nvPr>
+        </p:nvSpPr>
+        <p:spPr/>
+        <p:txBody>
+          <a:bodyPr/>
+          <a:lstStyle/>
+          <a:p>
+            <a:fld id="{84C450F2-3BB4-4AE4-8A35-A9D7AEA4C850}" type="slidenum">
+              <a:rPr lang="en-US" smtClean="0"/>
+              <a:t>15</a:t>
+            </a:fld>
+            <a:endParaRPr lang="en-US" dirty="0"/>
+          </a:p>
+        </p:txBody>
+      </p:sp>
+      <p:pic>
+        <p:nvPicPr>
+          <p:cNvPr id="8" name="Content Placeholder 7">
+            <a:extLst>
+              <a:ext uri="{FF2B5EF4-FFF2-40B4-BE49-F238E27FC236}">
+                <a16:creationId xmlns:a16="http://schemas.microsoft.com/office/drawing/2014/main" id="{5DD9F5DB-0CA8-2CDC-C744-79E7733FDEE6}"/>
+              </a:ext>
+            </a:extLst>
+          </p:cNvPr>
+          <p:cNvPicPr>
+            <a:picLocks noGrp="1" noChangeAspect="1"/>
+          </p:cNvPicPr>
+          <p:nvPr>
+            <p:ph idx="1"/>
+          </p:nvPr>
+        </p:nvPicPr>
+        <p:blipFill>
+          <a:blip r:embed="rId2"/>
+          <a:stretch>
+            <a:fillRect/>
+          </a:stretch>
+        </p:blipFill>
+        <p:spPr>
+          <a:xfrm>
+            <a:off x="1852151" y="1258403"/>
+            <a:ext cx="7993627" cy="4952379"/>
+          </a:xfrm>
+          <a:prstGeom prst="rect">
+            <a:avLst/>
+          </a:prstGeom>
+        </p:spPr>
+      </p:pic>
+      <p:sp>
+        <p:nvSpPr>
+          <p:cNvPr id="9" name="TextBox 8">
+            <a:extLst>
+              <a:ext uri="{FF2B5EF4-FFF2-40B4-BE49-F238E27FC236}">
+                <a16:creationId xmlns:a16="http://schemas.microsoft.com/office/drawing/2014/main" id="{21E1BC4A-DC02-6601-370A-9611DAD60195}"/>
+              </a:ext>
+            </a:extLst>
+          </p:cNvPr>
+          <p:cNvSpPr txBox="1"/>
+          <p:nvPr/>
+        </p:nvSpPr>
+        <p:spPr>
+          <a:xfrm>
+            <a:off x="4424709" y="6210782"/>
+            <a:ext cx="3342582" cy="369332"/>
+          </a:xfrm>
+          <a:prstGeom prst="rect">
+            <a:avLst/>
+          </a:prstGeom>
+          <a:noFill/>
+        </p:spPr>
+        <p:txBody>
+          <a:bodyPr wrap="none" rtlCol="0">
+            <a:spAutoFit/>
+          </a:bodyPr>
+          <a:lstStyle/>
+          <a:p>
+            <a:r>
+              <a:rPr lang="en-US" dirty="0"/>
+              <a:t>Adopted from </a:t>
+            </a:r>
+            <a:r>
+              <a:rPr lang="en-US" dirty="0">
+                <a:hlinkClick r:id="rId3"/>
+              </a:rPr>
+              <a:t>geeksforgeeks</a:t>
+            </a:r>
+            <a:endParaRPr lang="en-US" dirty="0"/>
+          </a:p>
+        </p:txBody>
+      </p:sp>
+    </p:spTree>
+    <p:extLst>
+      <p:ext uri="{BB962C8B-B14F-4D97-AF65-F5344CB8AC3E}">
+        <p14:creationId xmlns:p14="http://schemas.microsoft.com/office/powerpoint/2010/main" val="3275857612"/>
+      </p:ext>
+    </p:extLst>
+  </p:cSld>
+  <p:clrMapOvr>
+    <a:masterClrMapping/>
+  </p:clrMapOvr>
+</p:sld>
+</file>
+
+<file path=ppt/slides/slide16.xml><?xml version="1.0" encoding="utf-8"?>
+<p:sld xmlns:a="http://schemas.openxmlformats.org/drawingml/2006/main" xmlns:r="http://schemas.openxmlformats.org/officeDocument/2006/relationships" xmlns:p="http://schemas.openxmlformats.org/presentationml/2006/main">
+  <p:cSld>
+    <p:spTree>
+      <p:nvGrpSpPr>
+        <p:cNvPr id="1" name=""/>
+        <p:cNvGrpSpPr/>
+        <p:nvPr/>
+      </p:nvGrpSpPr>
+      <p:grpSpPr>
+        <a:xfrm>
+          <a:off x="0" y="0"/>
+          <a:ext cx="0" cy="0"/>
+          <a:chOff x="0" y="0"/>
+          <a:chExt cx="0" cy="0"/>
+        </a:xfrm>
+      </p:grpSpPr>
+      <p:sp>
+        <p:nvSpPr>
+          <p:cNvPr id="2" name="Title 1">
+            <a:extLst>
+              <a:ext uri="{FF2B5EF4-FFF2-40B4-BE49-F238E27FC236}">
+                <a16:creationId xmlns:a16="http://schemas.microsoft.com/office/drawing/2014/main" id="{07638E5D-EF85-5265-BCF1-477AFFB9A476}"/>
+              </a:ext>
+            </a:extLst>
+          </p:cNvPr>
+          <p:cNvSpPr>
+            <a:spLocks noGrp="1"/>
+          </p:cNvSpPr>
+          <p:nvPr>
+            <p:ph type="title"/>
+          </p:nvPr>
+        </p:nvSpPr>
+        <p:spPr/>
+        <p:txBody>
+          <a:bodyPr/>
+          <a:lstStyle/>
+          <a:p>
+            <a:r>
+              <a:rPr lang="en-US" dirty="0"/>
+              <a:t>Benefits of agile</a:t>
+            </a:r>
+          </a:p>
+        </p:txBody>
+      </p:sp>
+      <p:sp>
+        <p:nvSpPr>
+          <p:cNvPr id="3" name="Content Placeholder 2">
+            <a:extLst>
+              <a:ext uri="{FF2B5EF4-FFF2-40B4-BE49-F238E27FC236}">
+                <a16:creationId xmlns:a16="http://schemas.microsoft.com/office/drawing/2014/main" id="{A5253791-1BCA-268D-CC30-73CC319007C3}"/>
+              </a:ext>
+            </a:extLst>
+          </p:cNvPr>
+          <p:cNvSpPr>
+            <a:spLocks noGrp="1"/>
+          </p:cNvSpPr>
+          <p:nvPr>
+            <p:ph idx="1"/>
+          </p:nvPr>
+        </p:nvSpPr>
+        <p:spPr/>
+        <p:txBody>
+          <a:bodyPr/>
+          <a:lstStyle/>
+          <a:p>
+            <a:r>
+              <a:rPr lang="en-US" b="1" dirty="0"/>
+              <a:t>Flexibility and adaptability</a:t>
+            </a:r>
+            <a:r>
+              <a:rPr lang="en-US" dirty="0"/>
+              <a:t>: Agile allows teams to respond to changes in requirements and market conditions swiftly.</a:t>
+            </a:r>
+          </a:p>
+          <a:p>
+            <a:r>
+              <a:rPr lang="en-US" b="1" dirty="0"/>
+              <a:t>Faster Delivery</a:t>
+            </a:r>
+            <a:r>
+              <a:rPr lang="en-US" dirty="0"/>
+              <a:t>: By working in short cycles, teams can deliver functional increments of the product more frequently.</a:t>
+            </a:r>
+          </a:p>
+          <a:p>
+            <a:r>
+              <a:rPr lang="en-US" b="1" dirty="0"/>
+              <a:t>Enhanced Collaboration</a:t>
+            </a:r>
+            <a:r>
+              <a:rPr lang="en-US" dirty="0"/>
+              <a:t>: Agile promotes teamwork and communication, leading to better problem-solving and innovation.</a:t>
+            </a:r>
+          </a:p>
+          <a:p>
+            <a:r>
+              <a:rPr lang="en-US" b="1" dirty="0"/>
+              <a:t>Transparency</a:t>
+            </a:r>
+            <a:r>
+              <a:rPr lang="en-US" dirty="0"/>
+              <a:t>: Agile keeps stakeholders informed at every stage, ensuring clarity and alignment.</a:t>
+            </a:r>
+          </a:p>
+          <a:p>
+            <a:r>
+              <a:rPr lang="en-US" b="1" dirty="0"/>
+              <a:t>Iterative Development</a:t>
+            </a:r>
+            <a:r>
+              <a:rPr lang="en-US" dirty="0"/>
+              <a:t>: Work is done in small, manageable steps, allowing for regular improvements and quick adjustments.</a:t>
+            </a:r>
+          </a:p>
+          <a:p>
+            <a:r>
+              <a:rPr lang="en-US" b="1" dirty="0"/>
+              <a:t>Customer-Centric</a:t>
+            </a:r>
+            <a:r>
+              <a:rPr lang="en-US" dirty="0"/>
+              <a:t>: Continuous feedback from customers ensures that the final product aligns with their needs and expectations</a:t>
+            </a:r>
+          </a:p>
+          <a:p>
+            <a:endParaRPr lang="en-US" dirty="0"/>
+          </a:p>
+        </p:txBody>
+      </p:sp>
+      <p:sp>
+        <p:nvSpPr>
+          <p:cNvPr id="4" name="Date Placeholder 3">
+            <a:extLst>
+              <a:ext uri="{FF2B5EF4-FFF2-40B4-BE49-F238E27FC236}">
+                <a16:creationId xmlns:a16="http://schemas.microsoft.com/office/drawing/2014/main" id="{838D9976-35DD-ABBF-19AC-CBDAAFB8AAD5}"/>
+              </a:ext>
+            </a:extLst>
+          </p:cNvPr>
+          <p:cNvSpPr>
+            <a:spLocks noGrp="1"/>
+          </p:cNvSpPr>
+          <p:nvPr>
+            <p:ph type="dt" sz="half" idx="10"/>
+          </p:nvPr>
+        </p:nvSpPr>
+        <p:spPr/>
+        <p:txBody>
+          <a:bodyPr/>
+          <a:lstStyle/>
+          <a:p>
+            <a:fld id="{FE21D4C7-8630-4B98-978C-30388BBD4EE8}" type="datetime1">
+              <a:rPr lang="en-US" smtClean="0"/>
+              <a:t>1/8/2026</a:t>
+            </a:fld>
+            <a:endParaRPr lang="en-US" dirty="0"/>
+          </a:p>
+        </p:txBody>
+      </p:sp>
+      <p:sp>
+        <p:nvSpPr>
+          <p:cNvPr id="6" name="Slide Number Placeholder 5">
+            <a:extLst>
+              <a:ext uri="{FF2B5EF4-FFF2-40B4-BE49-F238E27FC236}">
+                <a16:creationId xmlns:a16="http://schemas.microsoft.com/office/drawing/2014/main" id="{2B0B98B3-EF09-AD0A-4554-6993E892DA29}"/>
+              </a:ext>
+            </a:extLst>
+          </p:cNvPr>
+          <p:cNvSpPr>
+            <a:spLocks noGrp="1"/>
+          </p:cNvSpPr>
+          <p:nvPr>
+            <p:ph type="sldNum" sz="quarter" idx="12"/>
+          </p:nvPr>
+        </p:nvSpPr>
+        <p:spPr/>
+        <p:txBody>
+          <a:bodyPr/>
+          <a:lstStyle/>
+          <a:p>
+            <a:fld id="{84C450F2-3BB4-4AE4-8A35-A9D7AEA4C850}" type="slidenum">
+              <a:rPr lang="en-US" smtClean="0"/>
+              <a:t>16</a:t>
+            </a:fld>
+            <a:endParaRPr lang="en-US" dirty="0"/>
+          </a:p>
+        </p:txBody>
+      </p:sp>
+    </p:spTree>
+    <p:extLst>
+      <p:ext uri="{BB962C8B-B14F-4D97-AF65-F5344CB8AC3E}">
+        <p14:creationId xmlns:p14="http://schemas.microsoft.com/office/powerpoint/2010/main" val="524967018"/>
+      </p:ext>
+    </p:extLst>
+  </p:cSld>
+  <p:clrMapOvr>
+    <a:masterClrMapping/>
+  </p:clrMapOvr>
+</p:sld>
+</file>
+
+<file path=ppt/slides/slide17.xml><?xml version="1.0" encoding="utf-8"?>
+<p:sld xmlns:a="http://schemas.openxmlformats.org/drawingml/2006/main" xmlns:r="http://schemas.openxmlformats.org/officeDocument/2006/relationships" xmlns:p="http://schemas.openxmlformats.org/presentationml/2006/main">
+  <p:cSld>
+    <p:spTree>
+      <p:nvGrpSpPr>
+        <p:cNvPr id="1" name=""/>
+        <p:cNvGrpSpPr/>
+        <p:nvPr/>
+      </p:nvGrpSpPr>
+      <p:grpSpPr>
+        <a:xfrm>
+          <a:off x="0" y="0"/>
+          <a:ext cx="0" cy="0"/>
+          <a:chOff x="0" y="0"/>
+          <a:chExt cx="0" cy="0"/>
+        </a:xfrm>
+      </p:grpSpPr>
+      <p:sp>
+        <p:nvSpPr>
+          <p:cNvPr id="2" name="Title 1">
+            <a:extLst>
+              <a:ext uri="{FF2B5EF4-FFF2-40B4-BE49-F238E27FC236}">
+                <a16:creationId xmlns:a16="http://schemas.microsoft.com/office/drawing/2014/main" id="{78ADA91B-2FCB-30FF-6AA4-F06EEBA2C94B}"/>
+              </a:ext>
+            </a:extLst>
+          </p:cNvPr>
+          <p:cNvSpPr>
+            <a:spLocks noGrp="1"/>
+          </p:cNvSpPr>
+          <p:nvPr>
+            <p:ph type="title"/>
+          </p:nvPr>
+        </p:nvSpPr>
+        <p:spPr/>
+        <p:txBody>
+          <a:bodyPr/>
+          <a:lstStyle/>
+          <a:p>
+            <a:r>
+              <a:rPr lang="en-US" dirty="0"/>
+              <a:t>EU Data Privacy requirements (</a:t>
+            </a:r>
+            <a:r>
+              <a:rPr lang="en-US" dirty="0" err="1"/>
+              <a:t>gdpr</a:t>
+            </a:r>
+            <a:r>
+              <a:rPr lang="en-US" dirty="0"/>
+              <a:t>)</a:t>
+            </a:r>
+          </a:p>
+        </p:txBody>
+      </p:sp>
+      <p:sp>
+        <p:nvSpPr>
+          <p:cNvPr id="4" name="Date Placeholder 3">
+            <a:extLst>
+              <a:ext uri="{FF2B5EF4-FFF2-40B4-BE49-F238E27FC236}">
+                <a16:creationId xmlns:a16="http://schemas.microsoft.com/office/drawing/2014/main" id="{B311C537-DDB5-5FD6-B661-B39889440990}"/>
+              </a:ext>
+            </a:extLst>
+          </p:cNvPr>
+          <p:cNvSpPr>
+            <a:spLocks noGrp="1"/>
+          </p:cNvSpPr>
+          <p:nvPr>
+            <p:ph type="dt" sz="half" idx="10"/>
+          </p:nvPr>
+        </p:nvSpPr>
+        <p:spPr/>
+        <p:txBody>
+          <a:bodyPr/>
+          <a:lstStyle/>
+          <a:p>
+            <a:fld id="{FE21D4C7-8630-4B98-978C-30388BBD4EE8}" type="datetime1">
+              <a:rPr lang="en-US" smtClean="0"/>
+              <a:t>1/8/2026</a:t>
+            </a:fld>
+            <a:endParaRPr lang="en-US" dirty="0"/>
+          </a:p>
+        </p:txBody>
+      </p:sp>
+      <p:sp>
+        <p:nvSpPr>
+          <p:cNvPr id="6" name="Slide Number Placeholder 5">
+            <a:extLst>
+              <a:ext uri="{FF2B5EF4-FFF2-40B4-BE49-F238E27FC236}">
+                <a16:creationId xmlns:a16="http://schemas.microsoft.com/office/drawing/2014/main" id="{72116399-E2E1-A106-2D4B-C903FB076A2B}"/>
+              </a:ext>
+            </a:extLst>
+          </p:cNvPr>
+          <p:cNvSpPr>
+            <a:spLocks noGrp="1"/>
+          </p:cNvSpPr>
+          <p:nvPr>
+            <p:ph type="sldNum" sz="quarter" idx="12"/>
+          </p:nvPr>
+        </p:nvSpPr>
+        <p:spPr/>
+        <p:txBody>
+          <a:bodyPr/>
+          <a:lstStyle/>
+          <a:p>
+            <a:fld id="{84C450F2-3BB4-4AE4-8A35-A9D7AEA4C850}" type="slidenum">
+              <a:rPr lang="en-US" smtClean="0"/>
+              <a:t>17</a:t>
+            </a:fld>
+            <a:endParaRPr lang="en-US" dirty="0"/>
+          </a:p>
+        </p:txBody>
+      </p:sp>
+      <p:sp>
+        <p:nvSpPr>
+          <p:cNvPr id="9" name="Content Placeholder 8">
+            <a:extLst>
+              <a:ext uri="{FF2B5EF4-FFF2-40B4-BE49-F238E27FC236}">
+                <a16:creationId xmlns:a16="http://schemas.microsoft.com/office/drawing/2014/main" id="{3C527941-A7A0-79A1-1472-A4E174E06492}"/>
+              </a:ext>
+            </a:extLst>
+          </p:cNvPr>
+          <p:cNvSpPr>
+            <a:spLocks noGrp="1"/>
+          </p:cNvSpPr>
+          <p:nvPr>
+            <p:ph idx="1"/>
+          </p:nvPr>
+        </p:nvSpPr>
+        <p:spPr/>
+        <p:txBody>
+          <a:bodyPr>
+            <a:normAutofit fontScale="85000" lnSpcReduction="20000"/>
+          </a:bodyPr>
+          <a:lstStyle/>
+          <a:p>
+            <a:r>
+              <a:rPr lang="en-US" dirty="0"/>
+              <a:t>User Consent</a:t>
+            </a:r>
+          </a:p>
+          <a:p>
+            <a:pPr lvl="1"/>
+            <a:r>
+              <a:rPr lang="en-US" dirty="0"/>
+              <a:t>Obtain clear and explicit consent from users before collecting personal data.</a:t>
+            </a:r>
+          </a:p>
+          <a:p>
+            <a:pPr lvl="1"/>
+            <a:r>
+              <a:rPr lang="en-US" dirty="0"/>
+              <a:t>Allow users to withdraw from consent at any time</a:t>
+            </a:r>
+          </a:p>
+          <a:p>
+            <a:r>
+              <a:rPr lang="en-US" dirty="0"/>
+              <a:t>Data Minimization</a:t>
+            </a:r>
+          </a:p>
+          <a:p>
+            <a:pPr lvl="1"/>
+            <a:r>
+              <a:rPr lang="en-US" dirty="0"/>
+              <a:t>Collect only the data necessary for app’s functionality.</a:t>
+            </a:r>
+          </a:p>
+          <a:p>
+            <a:pPr lvl="1"/>
+            <a:r>
+              <a:rPr lang="en-US" dirty="0"/>
+              <a:t>Avoid storing unnecessary personal information.</a:t>
+            </a:r>
+          </a:p>
+          <a:p>
+            <a:r>
+              <a:rPr lang="en-US" dirty="0"/>
+              <a:t>User Rights</a:t>
+            </a:r>
+          </a:p>
+          <a:p>
+            <a:pPr lvl="1"/>
+            <a:r>
+              <a:rPr lang="en-US" dirty="0"/>
+              <a:t>Provide users with access to their data and the ability to correct or delete it.</a:t>
+            </a:r>
+          </a:p>
+          <a:p>
+            <a:pPr lvl="1"/>
+            <a:r>
+              <a:rPr lang="en-US" dirty="0"/>
+              <a:t>Enable users to download their data (data portability).</a:t>
+            </a:r>
+          </a:p>
+          <a:p>
+            <a:r>
+              <a:rPr lang="en-US" dirty="0"/>
+              <a:t>Security Measures</a:t>
+            </a:r>
+          </a:p>
+          <a:p>
+            <a:pPr lvl="1"/>
+            <a:r>
+              <a:rPr lang="en-US" dirty="0"/>
+              <a:t>Implement strong encryption for data storage and transmission.</a:t>
+            </a:r>
+          </a:p>
+          <a:p>
+            <a:pPr lvl="1"/>
+            <a:r>
+              <a:rPr lang="en-US" dirty="0"/>
+              <a:t>Regularly test and update security protocols.</a:t>
+            </a:r>
+          </a:p>
+          <a:p>
+            <a:r>
+              <a:rPr lang="en-US" dirty="0"/>
+              <a:t>Data Breach Notification</a:t>
+            </a:r>
+          </a:p>
+          <a:p>
+            <a:pPr lvl="1"/>
+            <a:r>
+              <a:rPr lang="en-US" dirty="0"/>
+              <a:t>Notify authorities and affected users within 72hrs of data breach.</a:t>
+            </a:r>
+          </a:p>
+          <a:p>
+            <a:r>
+              <a:rPr lang="en-US" dirty="0"/>
+              <a:t>Third-Party Compliance</a:t>
+            </a:r>
+          </a:p>
+          <a:p>
+            <a:pPr lvl="1"/>
+            <a:r>
+              <a:rPr lang="en-US" dirty="0"/>
+              <a:t>Ensure all partners and vendors comply with GDPR standards.</a:t>
+            </a:r>
+          </a:p>
+        </p:txBody>
+      </p:sp>
+    </p:spTree>
+    <p:extLst>
+      <p:ext uri="{BB962C8B-B14F-4D97-AF65-F5344CB8AC3E}">
+        <p14:creationId xmlns:p14="http://schemas.microsoft.com/office/powerpoint/2010/main" val="2769828718"/>
+      </p:ext>
+    </p:extLst>
+  </p:cSld>
+  <p:clrMapOvr>
+    <a:masterClrMapping/>
+  </p:clrMapOvr>
+</p:sld>
+</file>
+
+<file path=ppt/slides/slide18.xml><?xml version="1.0" encoding="utf-8"?>
+<p:sld xmlns:a="http://schemas.openxmlformats.org/drawingml/2006/main" xmlns:r="http://schemas.openxmlformats.org/officeDocument/2006/relationships" xmlns:p="http://schemas.openxmlformats.org/presentationml/2006/main">
+  <p:cSld>
+    <p:spTree>
+      <p:nvGrpSpPr>
+        <p:cNvPr id="1" name=""/>
+        <p:cNvGrpSpPr/>
+        <p:nvPr/>
+      </p:nvGrpSpPr>
+      <p:grpSpPr>
+        <a:xfrm>
+          <a:off x="0" y="0"/>
+          <a:ext cx="0" cy="0"/>
+          <a:chOff x="0" y="0"/>
+          <a:chExt cx="0" cy="0"/>
+        </a:xfrm>
+      </p:grpSpPr>
+      <p:sp>
+        <p:nvSpPr>
+          <p:cNvPr id="2" name="Title 1">
+            <a:extLst>
+              <a:ext uri="{FF2B5EF4-FFF2-40B4-BE49-F238E27FC236}">
                 <a16:creationId xmlns:a16="http://schemas.microsoft.com/office/drawing/2014/main" id="{BAA6160A-935D-AD89-4A63-1DEA5D9B455E}"/>
               </a:ext>
             </a:extLst>
@@ -19932,54 +24658,9 @@
                   <a:spcPts val="600"/>
                 </a:spcAft>
               </a:pPr>
-              <a:t>1/6/2026</a:t>
+              <a:t>1/8/2026</a:t>
             </a:fld>
             <a:endParaRPr lang="en-US"/>
-          </a:p>
-        </p:txBody>
-      </p:sp>
-      <p:sp>
-        <p:nvSpPr>
-          <p:cNvPr id="5" name="Footer Placeholder 4">
-            <a:extLst>
-              <a:ext uri="{FF2B5EF4-FFF2-40B4-BE49-F238E27FC236}">
-                <a16:creationId xmlns:a16="http://schemas.microsoft.com/office/drawing/2014/main" id="{399D8DD2-5E67-7546-7359-C9263BCF6431}"/>
-              </a:ext>
-            </a:extLst>
-          </p:cNvPr>
-          <p:cNvSpPr>
-            <a:spLocks noGrp="1"/>
-          </p:cNvSpPr>
-          <p:nvPr>
-            <p:ph type="ftr" sz="quarter" idx="11"/>
-          </p:nvPr>
-        </p:nvSpPr>
-        <p:spPr>
-          <a:xfrm>
-            <a:off x="8893370" y="6490524"/>
-            <a:ext cx="2662834" cy="336141"/>
-          </a:xfrm>
-        </p:spPr>
-        <p:txBody>
-          <a:bodyPr vert="horz" lIns="91440" tIns="45720" rIns="91440" bIns="45720" rtlCol="0" anchor="ctr">
-            <a:normAutofit/>
-          </a:bodyPr>
-          <a:lstStyle/>
-          <a:p>
-            <a:pPr>
-              <a:spcAft>
-                <a:spcPts val="600"/>
-              </a:spcAft>
-            </a:pPr>
-            <a:r>
-              <a:rPr lang="en-US" kern="1200">
-                <a:effectLst/>
-                <a:latin typeface="+mn-lt"/>
-                <a:ea typeface="+mn-ea"/>
-                <a:cs typeface="+mn-cs"/>
-              </a:rPr>
-              <a:t>Sample Footer Text</a:t>
-            </a:r>
           </a:p>
         </p:txBody>
       </p:sp>
@@ -20023,7 +24704,7 @@
                   <a:spcPts val="600"/>
                 </a:spcAft>
               </a:pPr>
-              <a:t>12</a:t>
+              <a:t>18</a:t>
             </a:fld>
             <a:endParaRPr lang="en-US"/>
           </a:p>
@@ -20137,7 +24818,7 @@
 </p:sld>
 </file>
 
-<file path=ppt/slides/slide13.xml><?xml version="1.0" encoding="utf-8"?>
+<file path=ppt/slides/slide19.xml><?xml version="1.0" encoding="utf-8"?>
 <p:sld xmlns:a="http://schemas.openxmlformats.org/drawingml/2006/main" xmlns:r="http://schemas.openxmlformats.org/officeDocument/2006/relationships" xmlns:p="http://schemas.openxmlformats.org/presentationml/2006/main">
   <p:cSld>
     <p:spTree>
@@ -20268,49 +24949,9 @@
                   <a:spcPts val="600"/>
                 </a:spcAft>
               </a:pPr>
-              <a:t>1/6/2026</a:t>
+              <a:t>1/8/2026</a:t>
             </a:fld>
             <a:endParaRPr lang="en-US"/>
-          </a:p>
-        </p:txBody>
-      </p:sp>
-      <p:sp>
-        <p:nvSpPr>
-          <p:cNvPr id="5" name="Footer Placeholder 4">
-            <a:extLst>
-              <a:ext uri="{FF2B5EF4-FFF2-40B4-BE49-F238E27FC236}">
-                <a16:creationId xmlns:a16="http://schemas.microsoft.com/office/drawing/2014/main" id="{12AFBF79-9B4F-0A87-C1A6-90DC71245662}"/>
-              </a:ext>
-            </a:extLst>
-          </p:cNvPr>
-          <p:cNvSpPr>
-            <a:spLocks noGrp="1"/>
-          </p:cNvSpPr>
-          <p:nvPr>
-            <p:ph type="ftr" sz="quarter" idx="11"/>
-          </p:nvPr>
-        </p:nvSpPr>
-        <p:spPr>
-          <a:xfrm>
-            <a:off x="8893370" y="6490524"/>
-            <a:ext cx="2662834" cy="336141"/>
-          </a:xfrm>
-        </p:spPr>
-        <p:txBody>
-          <a:bodyPr anchor="ctr">
-            <a:normAutofit/>
-          </a:bodyPr>
-          <a:lstStyle/>
-          <a:p>
-            <a:pPr>
-              <a:spcAft>
-                <a:spcPts val="600"/>
-              </a:spcAft>
-            </a:pPr>
-            <a:r>
-              <a:rPr lang="en-US"/>
-              <a:t>Sample Footer Text</a:t>
-            </a:r>
           </a:p>
         </p:txBody>
       </p:sp>
@@ -20354,7 +24995,7 @@
                   <a:spcPts val="600"/>
                 </a:spcAft>
               </a:pPr>
-              <a:t>13</a:t>
+              <a:t>19</a:t>
             </a:fld>
             <a:endParaRPr lang="en-US"/>
           </a:p>
@@ -20411,12 +25052,12 @@
         </p:nvSpPr>
         <p:spPr>
           <a:xfrm>
-            <a:off x="431172" y="293302"/>
-            <a:ext cx="11125032" cy="965101"/>
+            <a:off x="429768" y="640080"/>
+            <a:ext cx="3493008" cy="3621024"/>
           </a:xfrm>
         </p:spPr>
         <p:txBody>
-          <a:bodyPr vert="horz" lIns="91440" tIns="45720" rIns="91440" bIns="45720" rtlCol="0" anchor="b">
+          <a:bodyPr vert="horz" lIns="91440" tIns="45720" rIns="91440" bIns="45720" rtlCol="0" anchor="t">
             <a:normAutofit/>
           </a:bodyPr>
           <a:lstStyle/>
@@ -20429,145 +25070,6 @@
               </a:rPr>
               <a:t>Executive summary</a:t>
             </a:r>
-          </a:p>
-        </p:txBody>
-      </p:sp>
-      <p:sp>
-        <p:nvSpPr>
-          <p:cNvPr id="7" name="TextBox 6">
-            <a:extLst>
-              <a:ext uri="{FF2B5EF4-FFF2-40B4-BE49-F238E27FC236}">
-                <a16:creationId xmlns:a16="http://schemas.microsoft.com/office/drawing/2014/main" id="{37D0C760-5ED9-EDFE-6F6A-D9B9F081402F}"/>
-              </a:ext>
-            </a:extLst>
-          </p:cNvPr>
-          <p:cNvSpPr txBox="1"/>
-          <p:nvPr/>
-        </p:nvSpPr>
-        <p:spPr>
-          <a:xfrm>
-            <a:off x="431172" y="1384847"/>
-            <a:ext cx="11125032" cy="4905116"/>
-          </a:xfrm>
-          <a:prstGeom prst="rect">
-            <a:avLst/>
-          </a:prstGeom>
-        </p:spPr>
-        <p:txBody>
-          <a:bodyPr vert="horz" lIns="91440" tIns="45720" rIns="91440" bIns="45720" rtlCol="0">
-            <a:normAutofit/>
-          </a:bodyPr>
-          <a:lstStyle/>
-          <a:p>
-            <a:pPr marL="228600" indent="-228600">
-              <a:lnSpc>
-                <a:spcPct val="120000"/>
-              </a:lnSpc>
-              <a:spcBef>
-                <a:spcPts val="1000"/>
-              </a:spcBef>
-              <a:buFont typeface="Arial" panose="020B0604020202020204" pitchFamily="34" charset="0"/>
-              <a:buChar char="•"/>
-            </a:pPr>
-            <a:r>
-              <a:rPr lang="en-US" dirty="0"/>
-              <a:t>Project goal tied to Company Vision</a:t>
-            </a:r>
-            <a:endParaRPr lang="en-US"/>
-          </a:p>
-          <a:p>
-            <a:pPr marL="228600" indent="-228600">
-              <a:lnSpc>
-                <a:spcPct val="120000"/>
-              </a:lnSpc>
-              <a:spcBef>
-                <a:spcPts val="1000"/>
-              </a:spcBef>
-              <a:buFont typeface="Arial" panose="020B0604020202020204" pitchFamily="34" charset="0"/>
-              <a:buChar char="•"/>
-            </a:pPr>
-            <a:r>
-              <a:rPr lang="en-US" dirty="0"/>
-              <a:t>Value Proposition</a:t>
-            </a:r>
-            <a:endParaRPr lang="en-US"/>
-          </a:p>
-          <a:p>
-            <a:pPr marL="228600" indent="-228600">
-              <a:lnSpc>
-                <a:spcPct val="120000"/>
-              </a:lnSpc>
-              <a:spcBef>
-                <a:spcPts val="1000"/>
-              </a:spcBef>
-              <a:buFont typeface="Arial" panose="020B0604020202020204" pitchFamily="34" charset="0"/>
-              <a:buChar char="•"/>
-            </a:pPr>
-            <a:r>
-              <a:rPr lang="en-US" dirty="0"/>
-              <a:t>Project Scope: Timeline</a:t>
-            </a:r>
-            <a:endParaRPr lang="en-US"/>
-          </a:p>
-          <a:p>
-            <a:pPr marL="228600" indent="-228600">
-              <a:lnSpc>
-                <a:spcPct val="120000"/>
-              </a:lnSpc>
-              <a:spcBef>
-                <a:spcPts val="1000"/>
-              </a:spcBef>
-              <a:buFont typeface="Arial" panose="020B0604020202020204" pitchFamily="34" charset="0"/>
-              <a:buChar char="•"/>
-            </a:pPr>
-            <a:r>
-              <a:rPr lang="en-US" dirty="0"/>
-              <a:t>Project Cost: Financial, Technical. Legal and Ethical compliance</a:t>
-            </a:r>
-            <a:endParaRPr lang="en-US"/>
-          </a:p>
-          <a:p>
-            <a:pPr marL="228600" indent="-228600">
-              <a:lnSpc>
-                <a:spcPct val="120000"/>
-              </a:lnSpc>
-              <a:spcBef>
-                <a:spcPts val="1000"/>
-              </a:spcBef>
-              <a:buFont typeface="Arial" panose="020B0604020202020204" pitchFamily="34" charset="0"/>
-              <a:buChar char="•"/>
-            </a:pPr>
-            <a:r>
-              <a:rPr lang="en-US" dirty="0"/>
-              <a:t>ROI</a:t>
-            </a:r>
-            <a:endParaRPr lang="en-US"/>
-          </a:p>
-          <a:p>
-            <a:pPr marL="228600" indent="-228600">
-              <a:lnSpc>
-                <a:spcPct val="120000"/>
-              </a:lnSpc>
-              <a:spcBef>
-                <a:spcPts val="1000"/>
-              </a:spcBef>
-              <a:buFont typeface="Arial" panose="020B0604020202020204" pitchFamily="34" charset="0"/>
-              <a:buChar char="•"/>
-            </a:pPr>
-            <a:endParaRPr lang="en-US"/>
-          </a:p>
-          <a:p>
-            <a:pPr marL="228600" indent="-228600">
-              <a:lnSpc>
-                <a:spcPct val="120000"/>
-              </a:lnSpc>
-              <a:spcBef>
-                <a:spcPts val="1000"/>
-              </a:spcBef>
-              <a:buFont typeface="Arial" panose="020B0604020202020204" pitchFamily="34" charset="0"/>
-              <a:buChar char="•"/>
-            </a:pPr>
-            <a:endParaRPr lang="en-US"/>
           </a:p>
         </p:txBody>
       </p:sp>
@@ -20611,53 +25113,9 @@
                   <a:spcPts val="600"/>
                 </a:spcAft>
               </a:pPr>
-              <a:t>1/7/2026</a:t>
+              <a:t>1/8/2026</a:t>
             </a:fld>
             <a:endParaRPr lang="en-US"/>
-          </a:p>
-        </p:txBody>
-      </p:sp>
-      <p:sp>
-        <p:nvSpPr>
-          <p:cNvPr id="5" name="Footer Placeholder 4">
-            <a:extLst>
-              <a:ext uri="{FF2B5EF4-FFF2-40B4-BE49-F238E27FC236}">
-                <a16:creationId xmlns:a16="http://schemas.microsoft.com/office/drawing/2014/main" id="{CC2CA0EE-58EA-FB05-305F-899A172AC71F}"/>
-              </a:ext>
-            </a:extLst>
-          </p:cNvPr>
-          <p:cNvSpPr>
-            <a:spLocks noGrp="1"/>
-          </p:cNvSpPr>
-          <p:nvPr>
-            <p:ph type="ftr" sz="quarter" idx="11"/>
-          </p:nvPr>
-        </p:nvSpPr>
-        <p:spPr>
-          <a:xfrm>
-            <a:off x="8893370" y="6490524"/>
-            <a:ext cx="2662834" cy="336141"/>
-          </a:xfrm>
-        </p:spPr>
-        <p:txBody>
-          <a:bodyPr vert="horz" lIns="91440" tIns="45720" rIns="91440" bIns="45720" rtlCol="0" anchor="ctr">
-            <a:normAutofit/>
-          </a:bodyPr>
-          <a:lstStyle/>
-          <a:p>
-            <a:pPr>
-              <a:spcAft>
-                <a:spcPts val="600"/>
-              </a:spcAft>
-            </a:pPr>
-            <a:r>
-              <a:rPr lang="en-US" kern="1200">
-                <a:latin typeface="+mn-lt"/>
-                <a:ea typeface="+mn-ea"/>
-                <a:cs typeface="+mn-cs"/>
-              </a:rPr>
-              <a:t>Sample Footer Text</a:t>
-            </a:r>
           </a:p>
         </p:txBody>
       </p:sp>
@@ -20707,6 +25165,34 @@
           </a:p>
         </p:txBody>
       </p:sp>
+      <p:graphicFrame>
+        <p:nvGraphicFramePr>
+          <p:cNvPr id="9" name="TextBox 6">
+            <a:extLst>
+              <a:ext uri="{FF2B5EF4-FFF2-40B4-BE49-F238E27FC236}">
+                <a16:creationId xmlns:a16="http://schemas.microsoft.com/office/drawing/2014/main" id="{5F1CCA27-CC8C-4276-2EEC-F7C5CDB01E63}"/>
+              </a:ext>
+            </a:extLst>
+          </p:cNvPr>
+          <p:cNvGraphicFramePr/>
+          <p:nvPr>
+            <p:extLst>
+              <p:ext uri="{D42A27DB-BD31-4B8C-83A1-F6EECF244321}">
+                <p14:modId xmlns:p14="http://schemas.microsoft.com/office/powerpoint/2010/main" val="3399347785"/>
+              </p:ext>
+            </p:extLst>
+          </p:nvPr>
+        </p:nvGraphicFramePr>
+        <p:xfrm>
+          <a:off x="4425696" y="640080"/>
+          <a:ext cx="7159752" cy="5724144"/>
+        </p:xfrm>
+        <a:graphic>
+          <a:graphicData uri="http://schemas.openxmlformats.org/drawingml/2006/diagram">
+            <dgm:relIds xmlns:dgm="http://schemas.openxmlformats.org/drawingml/2006/diagram" xmlns:r="http://schemas.openxmlformats.org/officeDocument/2006/relationships" r:dm="rId2" r:lo="rId3" r:qs="rId4" r:cs="rId5"/>
+          </a:graphicData>
+        </a:graphic>
+      </p:graphicFrame>
     </p:spTree>
     <p:extLst>
       <p:ext uri="{BB962C8B-B14F-4D97-AF65-F5344CB8AC3E}">
@@ -20753,9 +25239,16 @@
             <p:ph type="title"/>
           </p:nvPr>
         </p:nvSpPr>
-        <p:spPr/>
-        <p:txBody>
-          <a:bodyPr/>
+        <p:spPr>
+          <a:xfrm>
+            <a:off x="429768" y="603504"/>
+            <a:ext cx="3401568" cy="1527048"/>
+          </a:xfrm>
+        </p:spPr>
+        <p:txBody>
+          <a:bodyPr anchor="b">
+            <a:normAutofit/>
+          </a:bodyPr>
           <a:lstStyle/>
           <a:p>
             <a:r>
@@ -20778,21 +25271,119 @@
             <a:spLocks noGrp="1"/>
           </p:cNvSpPr>
           <p:nvPr>
-            <p:ph idx="1"/>
-          </p:nvPr>
-        </p:nvSpPr>
-        <p:spPr/>
-        <p:txBody>
-          <a:bodyPr/>
+            <p:ph sz="quarter" idx="14"/>
+          </p:nvPr>
+        </p:nvSpPr>
+        <p:spPr>
+          <a:xfrm>
+            <a:off x="429768" y="2276856"/>
+            <a:ext cx="3401568" cy="4041648"/>
+          </a:xfrm>
+        </p:spPr>
+        <p:txBody>
+          <a:bodyPr>
+            <a:normAutofit/>
+          </a:bodyPr>
           <a:lstStyle/>
           <a:p>
             <a:r>
               <a:rPr lang="en-US" dirty="0"/>
-              <a:t>Shoppers are having a hard time scrolling thought the large catalog to identify which items to buy thus wasting a lot of time that leads poor customer experience and reduced sales.</a:t>
-            </a:r>
-          </a:p>
-        </p:txBody>
-      </p:sp>
+              <a:t>Shoppers struggle to browse the large fashion catalog, making it difficult to decide what to buy. </a:t>
+            </a:r>
+          </a:p>
+          <a:p>
+            <a:r>
+              <a:rPr lang="en-US" dirty="0"/>
+              <a:t>Poor customer experience and reduced customer satisfaction ultimately results in lower sales.</a:t>
+            </a:r>
+          </a:p>
+        </p:txBody>
+      </p:sp>
+      <p:pic>
+        <p:nvPicPr>
+          <p:cNvPr id="8" name="Picture 7" descr="Abstract blurred background of department store">
+            <a:extLst>
+              <a:ext uri="{FF2B5EF4-FFF2-40B4-BE49-F238E27FC236}">
+                <a16:creationId xmlns:a16="http://schemas.microsoft.com/office/drawing/2014/main" id="{D4CE8E22-58E9-5613-709E-92EE40906C1F}"/>
+              </a:ext>
+            </a:extLst>
+          </p:cNvPr>
+          <p:cNvPicPr>
+            <a:picLocks noChangeAspect="1"/>
+          </p:cNvPicPr>
+          <p:nvPr/>
+        </p:nvPicPr>
+        <p:blipFill>
+          <a:blip r:embed="rId2"/>
+          <a:srcRect l="3940" r="15854" b="1"/>
+          <a:stretch>
+            <a:fillRect/>
+          </a:stretch>
+        </p:blipFill>
+        <p:spPr>
+          <a:xfrm>
+            <a:off x="4502843" y="2"/>
+            <a:ext cx="7689157" cy="6399151"/>
+          </a:xfrm>
+          <a:custGeom>
+            <a:avLst/>
+            <a:gdLst>
+              <a:gd name="connsiteX0" fmla="*/ 0 w 7689157"/>
+              <a:gd name="connsiteY0" fmla="*/ 0 h 6399151"/>
+              <a:gd name="connsiteX1" fmla="*/ 7689157 w 7689157"/>
+              <a:gd name="connsiteY1" fmla="*/ 0 h 6399151"/>
+              <a:gd name="connsiteX2" fmla="*/ 7689157 w 7689157"/>
+              <a:gd name="connsiteY2" fmla="*/ 6399151 h 6399151"/>
+              <a:gd name="connsiteX3" fmla="*/ 601997 w 7689157"/>
+              <a:gd name="connsiteY3" fmla="*/ 6399151 h 6399151"/>
+              <a:gd name="connsiteX4" fmla="*/ 0 w 7689157"/>
+              <a:gd name="connsiteY4" fmla="*/ 5797155 h 6399151"/>
+            </a:gdLst>
+            <a:ahLst/>
+            <a:cxnLst>
+              <a:cxn ang="0">
+                <a:pos x="connsiteX0" y="connsiteY0"/>
+              </a:cxn>
+              <a:cxn ang="0">
+                <a:pos x="connsiteX1" y="connsiteY1"/>
+              </a:cxn>
+              <a:cxn ang="0">
+                <a:pos x="connsiteX2" y="connsiteY2"/>
+              </a:cxn>
+              <a:cxn ang="0">
+                <a:pos x="connsiteX3" y="connsiteY3"/>
+              </a:cxn>
+              <a:cxn ang="0">
+                <a:pos x="connsiteX4" y="connsiteY4"/>
+              </a:cxn>
+            </a:cxnLst>
+            <a:rect l="l" t="t" r="r" b="b"/>
+            <a:pathLst>
+              <a:path w="7689157" h="6399151">
+                <a:moveTo>
+                  <a:pt x="0" y="0"/>
+                </a:moveTo>
+                <a:lnTo>
+                  <a:pt x="7689157" y="0"/>
+                </a:lnTo>
+                <a:lnTo>
+                  <a:pt x="7689157" y="6399151"/>
+                </a:lnTo>
+                <a:lnTo>
+                  <a:pt x="601997" y="6399151"/>
+                </a:lnTo>
+                <a:cubicBezTo>
+                  <a:pt x="269523" y="6399151"/>
+                  <a:pt x="0" y="6129628"/>
+                  <a:pt x="0" y="5797155"/>
+                </a:cubicBezTo>
+                <a:close/>
+              </a:path>
+            </a:pathLst>
+          </a:custGeom>
+          <a:noFill/>
+        </p:spPr>
+      </p:pic>
       <p:sp>
         <p:nvSpPr>
           <p:cNvPr id="4" name="Date Placeholder 3">
@@ -20809,74 +25400,79 @@
             <p:ph type="dt" sz="half" idx="10"/>
           </p:nvPr>
         </p:nvSpPr>
-        <p:spPr/>
-        <p:txBody>
-          <a:bodyPr/>
+        <p:spPr>
+          <a:xfrm>
+            <a:off x="431172" y="6490524"/>
+            <a:ext cx="2841959" cy="336141"/>
+          </a:xfrm>
+        </p:spPr>
+        <p:txBody>
+          <a:bodyPr anchor="ctr">
+            <a:normAutofit/>
+          </a:bodyPr>
           <a:lstStyle/>
           <a:p>
+            <a:pPr>
+              <a:spcAft>
+                <a:spcPts val="600"/>
+              </a:spcAft>
+            </a:pPr>
             <a:fld id="{FE21D4C7-8630-4B98-978C-30388BBD4EE8}" type="datetime1">
               <a:rPr lang="en-US" smtClean="0"/>
-              <a:t>1/7/2026</a:t>
+              <a:pPr>
+                <a:spcAft>
+                  <a:spcPts val="600"/>
+                </a:spcAft>
+              </a:pPr>
+              <a:t>1/8/2026</a:t>
             </a:fld>
-            <a:endParaRPr lang="en-US" dirty="0"/>
-          </a:p>
-        </p:txBody>
-      </p:sp>
-      <p:sp>
-        <p:nvSpPr>
-          <p:cNvPr id="5" name="Footer Placeholder 4">
-            <a:extLst>
-              <a:ext uri="{FF2B5EF4-FFF2-40B4-BE49-F238E27FC236}">
-                <a16:creationId xmlns:a16="http://schemas.microsoft.com/office/drawing/2014/main" id="{E3926AC2-C3C0-0F98-236E-C81E8E72AEDA}"/>
-              </a:ext>
-            </a:extLst>
-          </p:cNvPr>
-          <p:cNvSpPr>
-            <a:spLocks noGrp="1"/>
-          </p:cNvSpPr>
-          <p:nvPr>
-            <p:ph type="ftr" sz="quarter" idx="11"/>
-          </p:nvPr>
-        </p:nvSpPr>
-        <p:spPr/>
-        <p:txBody>
-          <a:bodyPr/>
+            <a:endParaRPr lang="en-US"/>
+          </a:p>
+        </p:txBody>
+      </p:sp>
+      <p:sp>
+        <p:nvSpPr>
+          <p:cNvPr id="6" name="Slide Number Placeholder 5">
+            <a:extLst>
+              <a:ext uri="{FF2B5EF4-FFF2-40B4-BE49-F238E27FC236}">
+                <a16:creationId xmlns:a16="http://schemas.microsoft.com/office/drawing/2014/main" id="{FF86D423-C3EC-D761-B8B0-4C2C3E360F70}"/>
+              </a:ext>
+            </a:extLst>
+          </p:cNvPr>
+          <p:cNvSpPr>
+            <a:spLocks noGrp="1"/>
+          </p:cNvSpPr>
+          <p:nvPr>
+            <p:ph type="sldNum" sz="quarter" idx="12"/>
+          </p:nvPr>
+        </p:nvSpPr>
+        <p:spPr>
+          <a:xfrm>
+            <a:off x="11648431" y="6490524"/>
+            <a:ext cx="457200" cy="336141"/>
+          </a:xfrm>
+        </p:spPr>
+        <p:txBody>
+          <a:bodyPr anchor="ctr">
+            <a:normAutofit/>
+          </a:bodyPr>
           <a:lstStyle/>
           <a:p>
-            <a:r>
-              <a:rPr lang="en-US"/>
-              <a:t>Sample Footer Text</a:t>
-            </a:r>
-            <a:endParaRPr lang="en-US" dirty="0"/>
-          </a:p>
-        </p:txBody>
-      </p:sp>
-      <p:sp>
-        <p:nvSpPr>
-          <p:cNvPr id="6" name="Slide Number Placeholder 5">
-            <a:extLst>
-              <a:ext uri="{FF2B5EF4-FFF2-40B4-BE49-F238E27FC236}">
-                <a16:creationId xmlns:a16="http://schemas.microsoft.com/office/drawing/2014/main" id="{FF86D423-C3EC-D761-B8B0-4C2C3E360F70}"/>
-              </a:ext>
-            </a:extLst>
-          </p:cNvPr>
-          <p:cNvSpPr>
-            <a:spLocks noGrp="1"/>
-          </p:cNvSpPr>
-          <p:nvPr>
-            <p:ph type="sldNum" sz="quarter" idx="12"/>
-          </p:nvPr>
-        </p:nvSpPr>
-        <p:spPr/>
-        <p:txBody>
-          <a:bodyPr/>
-          <a:lstStyle/>
-          <a:p>
+            <a:pPr>
+              <a:spcAft>
+                <a:spcPts val="600"/>
+              </a:spcAft>
+            </a:pPr>
             <a:fld id="{84C450F2-3BB4-4AE4-8A35-A9D7AEA4C850}" type="slidenum">
               <a:rPr lang="en-US" smtClean="0"/>
+              <a:pPr>
+                <a:spcAft>
+                  <a:spcPts val="600"/>
+                </a:spcAft>
+              </a:pPr>
               <a:t>3</a:t>
             </a:fld>
-            <a:endParaRPr lang="en-US" dirty="0"/>
+            <a:endParaRPr lang="en-US"/>
           </a:p>
         </p:txBody>
       </p:sp>
@@ -20926,9 +25522,16 @@
             <p:ph type="title"/>
           </p:nvPr>
         </p:nvSpPr>
-        <p:spPr/>
-        <p:txBody>
-          <a:bodyPr/>
+        <p:spPr>
+          <a:xfrm>
+            <a:off x="8321040" y="603504"/>
+            <a:ext cx="3401568" cy="1527048"/>
+          </a:xfrm>
+        </p:spPr>
+        <p:txBody>
+          <a:bodyPr anchor="b">
+            <a:normAutofit/>
+          </a:bodyPr>
           <a:lstStyle/>
           <a:p>
             <a:r>
@@ -20938,6 +25541,91 @@
           </a:p>
         </p:txBody>
       </p:sp>
+      <p:pic>
+        <p:nvPicPr>
+          <p:cNvPr id="8" name="Picture 7" descr="Abstract blurred background of department store">
+            <a:extLst>
+              <a:ext uri="{FF2B5EF4-FFF2-40B4-BE49-F238E27FC236}">
+                <a16:creationId xmlns:a16="http://schemas.microsoft.com/office/drawing/2014/main" id="{E1AD7A2C-5608-1A51-DCE3-525AE4686D61}"/>
+              </a:ext>
+            </a:extLst>
+          </p:cNvPr>
+          <p:cNvPicPr>
+            <a:picLocks noChangeAspect="1"/>
+          </p:cNvPicPr>
+          <p:nvPr/>
+        </p:nvPicPr>
+        <p:blipFill>
+          <a:blip r:embed="rId2"/>
+          <a:srcRect l="3705" r="15619" b="1"/>
+          <a:stretch>
+            <a:fillRect/>
+          </a:stretch>
+        </p:blipFill>
+        <p:spPr>
+          <a:xfrm>
+            <a:off x="20" y="10"/>
+            <a:ext cx="7734280" cy="6399142"/>
+          </a:xfrm>
+          <a:custGeom>
+            <a:avLst/>
+            <a:gdLst>
+              <a:gd name="connsiteX0" fmla="*/ 0 w 7734300"/>
+              <a:gd name="connsiteY0" fmla="*/ 0 h 6399152"/>
+              <a:gd name="connsiteX1" fmla="*/ 7734300 w 7734300"/>
+              <a:gd name="connsiteY1" fmla="*/ 0 h 6399152"/>
+              <a:gd name="connsiteX2" fmla="*/ 7734300 w 7734300"/>
+              <a:gd name="connsiteY2" fmla="*/ 5797156 h 6399152"/>
+              <a:gd name="connsiteX3" fmla="*/ 7132304 w 7734300"/>
+              <a:gd name="connsiteY3" fmla="*/ 6399152 h 6399152"/>
+              <a:gd name="connsiteX4" fmla="*/ 0 w 7734300"/>
+              <a:gd name="connsiteY4" fmla="*/ 6399152 h 6399152"/>
+            </a:gdLst>
+            <a:ahLst/>
+            <a:cxnLst>
+              <a:cxn ang="0">
+                <a:pos x="connsiteX0" y="connsiteY0"/>
+              </a:cxn>
+              <a:cxn ang="0">
+                <a:pos x="connsiteX1" y="connsiteY1"/>
+              </a:cxn>
+              <a:cxn ang="0">
+                <a:pos x="connsiteX2" y="connsiteY2"/>
+              </a:cxn>
+              <a:cxn ang="0">
+                <a:pos x="connsiteX3" y="connsiteY3"/>
+              </a:cxn>
+              <a:cxn ang="0">
+                <a:pos x="connsiteX4" y="connsiteY4"/>
+              </a:cxn>
+            </a:cxnLst>
+            <a:rect l="l" t="t" r="r" b="b"/>
+            <a:pathLst>
+              <a:path w="7734300" h="6399152">
+                <a:moveTo>
+                  <a:pt x="0" y="0"/>
+                </a:moveTo>
+                <a:lnTo>
+                  <a:pt x="7734300" y="0"/>
+                </a:lnTo>
+                <a:lnTo>
+                  <a:pt x="7734300" y="5797156"/>
+                </a:lnTo>
+                <a:cubicBezTo>
+                  <a:pt x="7734300" y="6129629"/>
+                  <a:pt x="7464777" y="6399152"/>
+                  <a:pt x="7132304" y="6399152"/>
+                </a:cubicBezTo>
+                <a:lnTo>
+                  <a:pt x="0" y="6399152"/>
+                </a:lnTo>
+                <a:close/>
+              </a:path>
+            </a:pathLst>
+          </a:custGeom>
+          <a:noFill/>
+        </p:spPr>
+      </p:pic>
       <p:sp>
         <p:nvSpPr>
           <p:cNvPr id="3" name="Content Placeholder 2">
@@ -20951,19 +25639,31 @@
             <a:spLocks noGrp="1"/>
           </p:cNvSpPr>
           <p:nvPr>
-            <p:ph idx="1"/>
-          </p:nvPr>
-        </p:nvSpPr>
-        <p:spPr/>
-        <p:txBody>
-          <a:bodyPr/>
+            <p:ph sz="quarter" idx="14"/>
+          </p:nvPr>
+        </p:nvSpPr>
+        <p:spPr>
+          <a:xfrm>
+            <a:off x="8321040" y="2276856"/>
+            <a:ext cx="3401568" cy="4041648"/>
+          </a:xfrm>
+        </p:spPr>
+        <p:txBody>
+          <a:bodyPr>
+            <a:normAutofit/>
+          </a:bodyPr>
           <a:lstStyle/>
           <a:p>
             <a:r>
               <a:rPr lang="en-US" dirty="0"/>
               <a:t>Improve user experience by creating an app where a customer can upload a photo and get digitally curated fashion recommendations based on the photo.</a:t>
             </a:r>
-            <a:endParaRPr lang="en-US" b="1" dirty="0"/>
+          </a:p>
+          <a:p>
+            <a:r>
+              <a:rPr lang="en-US" dirty="0"/>
+              <a:t>Improve customer experience and satisfaction leading to improved sales.</a:t>
+            </a:r>
           </a:p>
         </p:txBody>
       </p:sp>
@@ -20983,74 +25683,79 @@
             <p:ph type="dt" sz="half" idx="10"/>
           </p:nvPr>
         </p:nvSpPr>
-        <p:spPr/>
-        <p:txBody>
-          <a:bodyPr/>
+        <p:spPr>
+          <a:xfrm>
+            <a:off x="431172" y="6490524"/>
+            <a:ext cx="2841959" cy="336141"/>
+          </a:xfrm>
+        </p:spPr>
+        <p:txBody>
+          <a:bodyPr anchor="ctr">
+            <a:normAutofit/>
+          </a:bodyPr>
           <a:lstStyle/>
           <a:p>
+            <a:pPr>
+              <a:spcAft>
+                <a:spcPts val="600"/>
+              </a:spcAft>
+            </a:pPr>
             <a:fld id="{FE21D4C7-8630-4B98-978C-30388BBD4EE8}" type="datetime1">
               <a:rPr lang="en-US" smtClean="0"/>
-              <a:t>1/7/2026</a:t>
+              <a:pPr>
+                <a:spcAft>
+                  <a:spcPts val="600"/>
+                </a:spcAft>
+              </a:pPr>
+              <a:t>1/8/2026</a:t>
             </a:fld>
-            <a:endParaRPr lang="en-US" dirty="0"/>
-          </a:p>
-        </p:txBody>
-      </p:sp>
-      <p:sp>
-        <p:nvSpPr>
-          <p:cNvPr id="5" name="Footer Placeholder 4">
-            <a:extLst>
-              <a:ext uri="{FF2B5EF4-FFF2-40B4-BE49-F238E27FC236}">
-                <a16:creationId xmlns:a16="http://schemas.microsoft.com/office/drawing/2014/main" id="{B60BA5F3-0711-6A59-F97A-9ED8C91F9668}"/>
-              </a:ext>
-            </a:extLst>
-          </p:cNvPr>
-          <p:cNvSpPr>
-            <a:spLocks noGrp="1"/>
-          </p:cNvSpPr>
-          <p:nvPr>
-            <p:ph type="ftr" sz="quarter" idx="11"/>
-          </p:nvPr>
-        </p:nvSpPr>
-        <p:spPr/>
-        <p:txBody>
-          <a:bodyPr/>
+            <a:endParaRPr lang="en-US"/>
+          </a:p>
+        </p:txBody>
+      </p:sp>
+      <p:sp>
+        <p:nvSpPr>
+          <p:cNvPr id="6" name="Slide Number Placeholder 5">
+            <a:extLst>
+              <a:ext uri="{FF2B5EF4-FFF2-40B4-BE49-F238E27FC236}">
+                <a16:creationId xmlns:a16="http://schemas.microsoft.com/office/drawing/2014/main" id="{D60A2C59-FD50-F440-85A8-0E58F16C3AD9}"/>
+              </a:ext>
+            </a:extLst>
+          </p:cNvPr>
+          <p:cNvSpPr>
+            <a:spLocks noGrp="1"/>
+          </p:cNvSpPr>
+          <p:nvPr>
+            <p:ph type="sldNum" sz="quarter" idx="12"/>
+          </p:nvPr>
+        </p:nvSpPr>
+        <p:spPr>
+          <a:xfrm>
+            <a:off x="11648431" y="6490524"/>
+            <a:ext cx="457200" cy="336141"/>
+          </a:xfrm>
+        </p:spPr>
+        <p:txBody>
+          <a:bodyPr anchor="ctr">
+            <a:normAutofit/>
+          </a:bodyPr>
           <a:lstStyle/>
           <a:p>
-            <a:r>
-              <a:rPr lang="en-US"/>
-              <a:t>Sample Footer Text</a:t>
-            </a:r>
-            <a:endParaRPr lang="en-US" dirty="0"/>
-          </a:p>
-        </p:txBody>
-      </p:sp>
-      <p:sp>
-        <p:nvSpPr>
-          <p:cNvPr id="6" name="Slide Number Placeholder 5">
-            <a:extLst>
-              <a:ext uri="{FF2B5EF4-FFF2-40B4-BE49-F238E27FC236}">
-                <a16:creationId xmlns:a16="http://schemas.microsoft.com/office/drawing/2014/main" id="{D60A2C59-FD50-F440-85A8-0E58F16C3AD9}"/>
-              </a:ext>
-            </a:extLst>
-          </p:cNvPr>
-          <p:cNvSpPr>
-            <a:spLocks noGrp="1"/>
-          </p:cNvSpPr>
-          <p:nvPr>
-            <p:ph type="sldNum" sz="quarter" idx="12"/>
-          </p:nvPr>
-        </p:nvSpPr>
-        <p:spPr/>
-        <p:txBody>
-          <a:bodyPr/>
-          <a:lstStyle/>
-          <a:p>
+            <a:pPr>
+              <a:spcAft>
+                <a:spcPts val="600"/>
+              </a:spcAft>
+            </a:pPr>
             <a:fld id="{84C450F2-3BB4-4AE4-8A35-A9D7AEA4C850}" type="slidenum">
               <a:rPr lang="en-US" smtClean="0"/>
+              <a:pPr>
+                <a:spcAft>
+                  <a:spcPts val="600"/>
+                </a:spcAft>
+              </a:pPr>
               <a:t>4</a:t>
             </a:fld>
-            <a:endParaRPr lang="en-US" dirty="0"/>
+            <a:endParaRPr lang="en-US"/>
           </a:p>
         </p:txBody>
       </p:sp>
@@ -21135,8 +25840,14 @@
           <a:p>
             <a:r>
               <a:rPr lang="en-US" dirty="0"/>
-              <a:t>SEE NOTES OR GOOGLE.</a:t>
-            </a:r>
+              <a:t>SEE NOTES OR GOOGLE.(WIP)</a:t>
+            </a:r>
+          </a:p>
+          <a:p>
+            <a:endParaRPr lang="en-US" dirty="0"/>
+          </a:p>
+          <a:p>
+            <a:endParaRPr lang="en-US" dirty="0"/>
           </a:p>
         </p:txBody>
       </p:sp>
@@ -21163,37 +25874,8 @@
           <a:p>
             <a:fld id="{FE21D4C7-8630-4B98-978C-30388BBD4EE8}" type="datetime1">
               <a:rPr lang="en-US" smtClean="0"/>
-              <a:t>1/7/2026</a:t>
+              <a:t>1/8/2026</a:t>
             </a:fld>
-            <a:endParaRPr lang="en-US" dirty="0"/>
-          </a:p>
-        </p:txBody>
-      </p:sp>
-      <p:sp>
-        <p:nvSpPr>
-          <p:cNvPr id="5" name="Footer Placeholder 4">
-            <a:extLst>
-              <a:ext uri="{FF2B5EF4-FFF2-40B4-BE49-F238E27FC236}">
-                <a16:creationId xmlns:a16="http://schemas.microsoft.com/office/drawing/2014/main" id="{913572EE-69D4-2F92-B34A-D51C9219B80B}"/>
-              </a:ext>
-            </a:extLst>
-          </p:cNvPr>
-          <p:cNvSpPr>
-            <a:spLocks noGrp="1"/>
-          </p:cNvSpPr>
-          <p:nvPr>
-            <p:ph type="ftr" sz="quarter" idx="11"/>
-          </p:nvPr>
-        </p:nvSpPr>
-        <p:spPr/>
-        <p:txBody>
-          <a:bodyPr/>
-          <a:lstStyle/>
-          <a:p>
-            <a:r>
-              <a:rPr lang="en-US"/>
-              <a:t>Sample Footer Text</a:t>
-            </a:r>
             <a:endParaRPr lang="en-US" dirty="0"/>
           </a:p>
         </p:txBody>
@@ -21227,6 +25909,42 @@
           </a:p>
         </p:txBody>
       </p:sp>
+      <p:pic>
+        <p:nvPicPr>
+          <p:cNvPr id="10" name="Picture 9">
+            <a:extLst>
+              <a:ext uri="{FF2B5EF4-FFF2-40B4-BE49-F238E27FC236}">
+                <a16:creationId xmlns:a16="http://schemas.microsoft.com/office/drawing/2014/main" id="{D2987206-07B0-B0D5-9125-984D30B1C390}"/>
+              </a:ext>
+            </a:extLst>
+          </p:cNvPr>
+          <p:cNvPicPr>
+            <a:picLocks noChangeAspect="1"/>
+          </p:cNvPicPr>
+          <p:nvPr/>
+        </p:nvPicPr>
+        <p:blipFill>
+          <a:blip r:embed="rId2">
+            <a:extLst>
+              <a:ext uri="{28A0092B-C50C-407E-A947-70E740481C1C}">
+                <a14:useLocalDpi xmlns:a14="http://schemas.microsoft.com/office/drawing/2010/main" val="0"/>
+              </a:ext>
+            </a:extLst>
+          </a:blip>
+          <a:stretch>
+            <a:fillRect/>
+          </a:stretch>
+        </p:blipFill>
+        <p:spPr>
+          <a:xfrm>
+            <a:off x="4580776" y="1527463"/>
+            <a:ext cx="6667500" cy="4762500"/>
+          </a:xfrm>
+          <a:prstGeom prst="rect">
+            <a:avLst/>
+          </a:prstGeom>
+        </p:spPr>
+      </p:pic>
     </p:spTree>
     <p:extLst>
       <p:ext uri="{BB962C8B-B14F-4D97-AF65-F5344CB8AC3E}">
@@ -21273,9 +25991,16 @@
             <p:ph type="title"/>
           </p:nvPr>
         </p:nvSpPr>
-        <p:spPr/>
-        <p:txBody>
-          <a:bodyPr/>
+        <p:spPr>
+          <a:xfrm>
+            <a:off x="8321040" y="603504"/>
+            <a:ext cx="3401568" cy="1527048"/>
+          </a:xfrm>
+        </p:spPr>
+        <p:txBody>
+          <a:bodyPr anchor="b">
+            <a:normAutofit/>
+          </a:bodyPr>
           <a:lstStyle/>
           <a:p>
             <a:r>
@@ -21285,6 +26010,91 @@
           </a:p>
         </p:txBody>
       </p:sp>
+      <p:pic>
+        <p:nvPicPr>
+          <p:cNvPr id="8" name="Picture 7" descr="Person watching empty phone">
+            <a:extLst>
+              <a:ext uri="{FF2B5EF4-FFF2-40B4-BE49-F238E27FC236}">
+                <a16:creationId xmlns:a16="http://schemas.microsoft.com/office/drawing/2014/main" id="{2EBB1710-4154-8250-FB69-4F0CB29B96CF}"/>
+              </a:ext>
+            </a:extLst>
+          </p:cNvPr>
+          <p:cNvPicPr>
+            <a:picLocks noChangeAspect="1"/>
+          </p:cNvPicPr>
+          <p:nvPr/>
+        </p:nvPicPr>
+        <p:blipFill>
+          <a:blip r:embed="rId2"/>
+          <a:srcRect l="19323" r="1" b="1"/>
+          <a:stretch>
+            <a:fillRect/>
+          </a:stretch>
+        </p:blipFill>
+        <p:spPr>
+          <a:xfrm>
+            <a:off x="20" y="10"/>
+            <a:ext cx="7734280" cy="6399142"/>
+          </a:xfrm>
+          <a:custGeom>
+            <a:avLst/>
+            <a:gdLst>
+              <a:gd name="connsiteX0" fmla="*/ 0 w 7734300"/>
+              <a:gd name="connsiteY0" fmla="*/ 0 h 6399152"/>
+              <a:gd name="connsiteX1" fmla="*/ 7734300 w 7734300"/>
+              <a:gd name="connsiteY1" fmla="*/ 0 h 6399152"/>
+              <a:gd name="connsiteX2" fmla="*/ 7734300 w 7734300"/>
+              <a:gd name="connsiteY2" fmla="*/ 5797156 h 6399152"/>
+              <a:gd name="connsiteX3" fmla="*/ 7132304 w 7734300"/>
+              <a:gd name="connsiteY3" fmla="*/ 6399152 h 6399152"/>
+              <a:gd name="connsiteX4" fmla="*/ 0 w 7734300"/>
+              <a:gd name="connsiteY4" fmla="*/ 6399152 h 6399152"/>
+            </a:gdLst>
+            <a:ahLst/>
+            <a:cxnLst>
+              <a:cxn ang="0">
+                <a:pos x="connsiteX0" y="connsiteY0"/>
+              </a:cxn>
+              <a:cxn ang="0">
+                <a:pos x="connsiteX1" y="connsiteY1"/>
+              </a:cxn>
+              <a:cxn ang="0">
+                <a:pos x="connsiteX2" y="connsiteY2"/>
+              </a:cxn>
+              <a:cxn ang="0">
+                <a:pos x="connsiteX3" y="connsiteY3"/>
+              </a:cxn>
+              <a:cxn ang="0">
+                <a:pos x="connsiteX4" y="connsiteY4"/>
+              </a:cxn>
+            </a:cxnLst>
+            <a:rect l="l" t="t" r="r" b="b"/>
+            <a:pathLst>
+              <a:path w="7734300" h="6399152">
+                <a:moveTo>
+                  <a:pt x="0" y="0"/>
+                </a:moveTo>
+                <a:lnTo>
+                  <a:pt x="7734300" y="0"/>
+                </a:lnTo>
+                <a:lnTo>
+                  <a:pt x="7734300" y="5797156"/>
+                </a:lnTo>
+                <a:cubicBezTo>
+                  <a:pt x="7734300" y="6129629"/>
+                  <a:pt x="7464777" y="6399152"/>
+                  <a:pt x="7132304" y="6399152"/>
+                </a:cubicBezTo>
+                <a:lnTo>
+                  <a:pt x="0" y="6399152"/>
+                </a:lnTo>
+                <a:close/>
+              </a:path>
+            </a:pathLst>
+          </a:custGeom>
+          <a:noFill/>
+        </p:spPr>
+      </p:pic>
       <p:sp>
         <p:nvSpPr>
           <p:cNvPr id="3" name="Content Placeholder 2">
@@ -21298,51 +26108,103 @@
             <a:spLocks noGrp="1"/>
           </p:cNvSpPr>
           <p:nvPr>
-            <p:ph idx="1"/>
-          </p:nvPr>
-        </p:nvSpPr>
-        <p:spPr/>
-        <p:txBody>
-          <a:bodyPr/>
+            <p:ph sz="quarter" idx="14"/>
+          </p:nvPr>
+        </p:nvSpPr>
+        <p:spPr>
+          <a:xfrm>
+            <a:off x="8321040" y="2276856"/>
+            <a:ext cx="3401568" cy="4041648"/>
+          </a:xfrm>
+        </p:spPr>
+        <p:txBody>
+          <a:bodyPr>
+            <a:normAutofit/>
+          </a:bodyPr>
           <a:lstStyle/>
           <a:p>
-            <a:r>
-              <a:rPr lang="en-US" dirty="0"/>
+            <a:pPr>
+              <a:lnSpc>
+                <a:spcPct val="110000"/>
+              </a:lnSpc>
+            </a:pPr>
+            <a:r>
+              <a:rPr lang="en-US" sz="1300"/>
+              <a:t>Objective:</a:t>
+            </a:r>
+          </a:p>
+          <a:p>
+            <a:pPr lvl="1">
+              <a:lnSpc>
+                <a:spcPct val="110000"/>
+              </a:lnSpc>
+            </a:pPr>
+            <a:r>
+              <a:rPr lang="en-US" sz="1300"/>
               <a:t>Improve user experience by creating a mobile App with fashion predictability capabilities. This feature will analyze customer’s fashion trends and recommend similar styles based of body shape,  color preferences, trends and budget.</a:t>
             </a:r>
           </a:p>
           <a:p>
-            <a:r>
-              <a:rPr lang="en-US" dirty="0"/>
+            <a:pPr lvl="1">
+              <a:lnSpc>
+                <a:spcPct val="110000"/>
+              </a:lnSpc>
+            </a:pPr>
+            <a:endParaRPr lang="en-US" sz="1300"/>
+          </a:p>
+          <a:p>
+            <a:pPr>
+              <a:lnSpc>
+                <a:spcPct val="110000"/>
+              </a:lnSpc>
+            </a:pPr>
+            <a:r>
+              <a:rPr lang="en-US" sz="1300"/>
               <a:t>Benefits</a:t>
             </a:r>
           </a:p>
           <a:p>
-            <a:pPr lvl="1"/>
-            <a:r>
-              <a:rPr lang="en-US" dirty="0"/>
-              <a:t>Improved user experiences</a:t>
-            </a:r>
-          </a:p>
-          <a:p>
-            <a:pPr lvl="1"/>
-            <a:r>
-              <a:rPr lang="en-US" dirty="0"/>
-              <a:t>Short shopping times</a:t>
-            </a:r>
-          </a:p>
-          <a:p>
-            <a:pPr lvl="1"/>
-            <a:r>
-              <a:rPr lang="en-US" dirty="0"/>
-              <a:t>Increased sales</a:t>
-            </a:r>
-          </a:p>
-          <a:p>
-            <a:pPr lvl="1"/>
-            <a:r>
-              <a:rPr lang="en-US" dirty="0"/>
-              <a:t> Higher Customer retention</a:t>
+            <a:pPr lvl="1">
+              <a:lnSpc>
+                <a:spcPct val="110000"/>
+              </a:lnSpc>
+            </a:pPr>
+            <a:r>
+              <a:rPr lang="en-US" sz="1300"/>
+              <a:t>Improved user experiences.</a:t>
+            </a:r>
+          </a:p>
+          <a:p>
+            <a:pPr lvl="1">
+              <a:lnSpc>
+                <a:spcPct val="110000"/>
+              </a:lnSpc>
+            </a:pPr>
+            <a:r>
+              <a:rPr lang="en-US" sz="1300"/>
+              <a:t>Short shopping times.</a:t>
+            </a:r>
+          </a:p>
+          <a:p>
+            <a:pPr lvl="1">
+              <a:lnSpc>
+                <a:spcPct val="110000"/>
+              </a:lnSpc>
+            </a:pPr>
+            <a:r>
+              <a:rPr lang="en-US" sz="1300"/>
+              <a:t>Increased sales.</a:t>
+            </a:r>
+          </a:p>
+          <a:p>
+            <a:pPr lvl="1">
+              <a:lnSpc>
+                <a:spcPct val="110000"/>
+              </a:lnSpc>
+            </a:pPr>
+            <a:r>
+              <a:rPr lang="en-US" sz="1300"/>
+              <a:t>Higher Customer retention.</a:t>
             </a:r>
           </a:p>
         </p:txBody>
@@ -21363,74 +26225,79 @@
             <p:ph type="dt" sz="half" idx="10"/>
           </p:nvPr>
         </p:nvSpPr>
-        <p:spPr/>
-        <p:txBody>
-          <a:bodyPr/>
+        <p:spPr>
+          <a:xfrm>
+            <a:off x="431172" y="6490524"/>
+            <a:ext cx="2841959" cy="336141"/>
+          </a:xfrm>
+        </p:spPr>
+        <p:txBody>
+          <a:bodyPr anchor="ctr">
+            <a:normAutofit/>
+          </a:bodyPr>
           <a:lstStyle/>
           <a:p>
+            <a:pPr>
+              <a:spcAft>
+                <a:spcPts val="600"/>
+              </a:spcAft>
+            </a:pPr>
             <a:fld id="{FE21D4C7-8630-4B98-978C-30388BBD4EE8}" type="datetime1">
               <a:rPr lang="en-US" smtClean="0"/>
-              <a:t>1/7/2026</a:t>
+              <a:pPr>
+                <a:spcAft>
+                  <a:spcPts val="600"/>
+                </a:spcAft>
+              </a:pPr>
+              <a:t>1/8/2026</a:t>
             </a:fld>
-            <a:endParaRPr lang="en-US" dirty="0"/>
-          </a:p>
-        </p:txBody>
-      </p:sp>
-      <p:sp>
-        <p:nvSpPr>
-          <p:cNvPr id="5" name="Footer Placeholder 4">
-            <a:extLst>
-              <a:ext uri="{FF2B5EF4-FFF2-40B4-BE49-F238E27FC236}">
-                <a16:creationId xmlns:a16="http://schemas.microsoft.com/office/drawing/2014/main" id="{848F5FAF-4DA6-94F6-A307-761996FD7A60}"/>
-              </a:ext>
-            </a:extLst>
-          </p:cNvPr>
-          <p:cNvSpPr>
-            <a:spLocks noGrp="1"/>
-          </p:cNvSpPr>
-          <p:nvPr>
-            <p:ph type="ftr" sz="quarter" idx="11"/>
-          </p:nvPr>
-        </p:nvSpPr>
-        <p:spPr/>
-        <p:txBody>
-          <a:bodyPr/>
+            <a:endParaRPr lang="en-US"/>
+          </a:p>
+        </p:txBody>
+      </p:sp>
+      <p:sp>
+        <p:nvSpPr>
+          <p:cNvPr id="6" name="Slide Number Placeholder 5">
+            <a:extLst>
+              <a:ext uri="{FF2B5EF4-FFF2-40B4-BE49-F238E27FC236}">
+                <a16:creationId xmlns:a16="http://schemas.microsoft.com/office/drawing/2014/main" id="{AD1ABEB1-0A79-360E-587B-AEC2A047873A}"/>
+              </a:ext>
+            </a:extLst>
+          </p:cNvPr>
+          <p:cNvSpPr>
+            <a:spLocks noGrp="1"/>
+          </p:cNvSpPr>
+          <p:nvPr>
+            <p:ph type="sldNum" sz="quarter" idx="12"/>
+          </p:nvPr>
+        </p:nvSpPr>
+        <p:spPr>
+          <a:xfrm>
+            <a:off x="11648431" y="6490524"/>
+            <a:ext cx="457200" cy="336141"/>
+          </a:xfrm>
+        </p:spPr>
+        <p:txBody>
+          <a:bodyPr anchor="ctr">
+            <a:normAutofit/>
+          </a:bodyPr>
           <a:lstStyle/>
           <a:p>
-            <a:r>
-              <a:rPr lang="en-US"/>
-              <a:t>Sample Footer Text</a:t>
-            </a:r>
-            <a:endParaRPr lang="en-US" dirty="0"/>
-          </a:p>
-        </p:txBody>
-      </p:sp>
-      <p:sp>
-        <p:nvSpPr>
-          <p:cNvPr id="6" name="Slide Number Placeholder 5">
-            <a:extLst>
-              <a:ext uri="{FF2B5EF4-FFF2-40B4-BE49-F238E27FC236}">
-                <a16:creationId xmlns:a16="http://schemas.microsoft.com/office/drawing/2014/main" id="{AD1ABEB1-0A79-360E-587B-AEC2A047873A}"/>
-              </a:ext>
-            </a:extLst>
-          </p:cNvPr>
-          <p:cNvSpPr>
-            <a:spLocks noGrp="1"/>
-          </p:cNvSpPr>
-          <p:nvPr>
-            <p:ph type="sldNum" sz="quarter" idx="12"/>
-          </p:nvPr>
-        </p:nvSpPr>
-        <p:spPr/>
-        <p:txBody>
-          <a:bodyPr/>
-          <a:lstStyle/>
-          <a:p>
+            <a:pPr>
+              <a:spcAft>
+                <a:spcPts val="600"/>
+              </a:spcAft>
+            </a:pPr>
             <a:fld id="{84C450F2-3BB4-4AE4-8A35-A9D7AEA4C850}" type="slidenum">
               <a:rPr lang="en-US" smtClean="0"/>
+              <a:pPr>
+                <a:spcAft>
+                  <a:spcPts val="600"/>
+                </a:spcAft>
+              </a:pPr>
               <a:t>6</a:t>
             </a:fld>
-            <a:endParaRPr lang="en-US" dirty="0"/>
+            <a:endParaRPr lang="en-US"/>
           </a:p>
         </p:txBody>
       </p:sp>
@@ -21480,9 +26347,16 @@
             <p:ph type="title"/>
           </p:nvPr>
         </p:nvSpPr>
-        <p:spPr/>
-        <p:txBody>
-          <a:bodyPr/>
+        <p:spPr>
+          <a:xfrm>
+            <a:off x="429768" y="550218"/>
+            <a:ext cx="3827439" cy="1453896"/>
+          </a:xfrm>
+        </p:spPr>
+        <p:txBody>
+          <a:bodyPr anchor="t">
+            <a:normAutofit/>
+          </a:bodyPr>
           <a:lstStyle/>
           <a:p>
             <a:r>
@@ -21492,6 +26366,42 @@
           </a:p>
         </p:txBody>
       </p:sp>
+      <p:pic>
+        <p:nvPicPr>
+          <p:cNvPr id="13" name="Picture Placeholder 12" descr="Machine gears">
+            <a:extLst>
+              <a:ext uri="{FF2B5EF4-FFF2-40B4-BE49-F238E27FC236}">
+                <a16:creationId xmlns:a16="http://schemas.microsoft.com/office/drawing/2014/main" id="{C1B67CE9-0DFB-A400-B0F7-527868EB8A57}"/>
+              </a:ext>
+            </a:extLst>
+          </p:cNvPr>
+          <p:cNvPicPr>
+            <a:picLocks noGrp="1" noChangeAspect="1"/>
+          </p:cNvPicPr>
+          <p:nvPr>
+            <p:ph type="pic" sz="quarter" idx="15"/>
+          </p:nvPr>
+        </p:nvPicPr>
+        <p:blipFill>
+          <a:blip r:embed="rId2">
+            <a:extLst>
+              <a:ext uri="{28A0092B-C50C-407E-A947-70E740481C1C}">
+                <a14:useLocalDpi xmlns:a14="http://schemas.microsoft.com/office/drawing/2010/main" val="0"/>
+              </a:ext>
+            </a:extLst>
+          </a:blip>
+          <a:srcRect l="19503" r="19503"/>
+          <a:stretch>
+            <a:fillRect/>
+          </a:stretch>
+        </p:blipFill>
+        <p:spPr>
+          <a:xfrm>
+            <a:off x="0" y="2293938"/>
+            <a:ext cx="4176713" cy="4564062"/>
+          </a:xfrm>
+        </p:spPr>
+      </p:pic>
       <p:sp>
         <p:nvSpPr>
           <p:cNvPr id="3" name="Content Placeholder 2">
@@ -21505,39 +26415,203 @@
             <a:spLocks noGrp="1"/>
           </p:cNvSpPr>
           <p:nvPr>
-            <p:ph idx="1"/>
-          </p:nvPr>
-        </p:nvSpPr>
-        <p:spPr/>
-        <p:txBody>
-          <a:bodyPr/>
+            <p:ph sz="quarter" idx="14"/>
+          </p:nvPr>
+        </p:nvSpPr>
+        <p:spPr>
+          <a:xfrm>
+            <a:off x="5120787" y="549275"/>
+            <a:ext cx="6561138" cy="5788152"/>
+          </a:xfrm>
+        </p:spPr>
+        <p:txBody>
+          <a:bodyPr>
+            <a:normAutofit/>
+          </a:bodyPr>
           <a:lstStyle/>
           <a:p>
-            <a:r>
-              <a:rPr lang="en-US" dirty="0"/>
+            <a:pPr>
+              <a:lnSpc>
+                <a:spcPct val="110000"/>
+              </a:lnSpc>
+            </a:pPr>
+            <a:r>
+              <a:rPr lang="en-US" sz="1300" b="1"/>
               <a:t>Engineering</a:t>
             </a:r>
           </a:p>
           <a:p>
-            <a:r>
-              <a:rPr lang="en-US" dirty="0"/>
+            <a:pPr lvl="1">
+              <a:lnSpc>
+                <a:spcPct val="110000"/>
+              </a:lnSpc>
+            </a:pPr>
+            <a:r>
+              <a:rPr lang="en-US" sz="1300"/>
+              <a:t>Mobile app development frameworks (e.g. React Native, Flutter, Swift, Kotlin)</a:t>
+            </a:r>
+          </a:p>
+          <a:p>
+            <a:pPr lvl="1">
+              <a:lnSpc>
+                <a:spcPct val="110000"/>
+              </a:lnSpc>
+            </a:pPr>
+            <a:r>
+              <a:rPr lang="en-US" sz="1300"/>
+              <a:t>Backend infrastructure for user accounts, product catalog, and order management.</a:t>
+            </a:r>
+          </a:p>
+          <a:p>
+            <a:pPr lvl="1">
+              <a:lnSpc>
+                <a:spcPct val="110000"/>
+              </a:lnSpc>
+            </a:pPr>
+            <a:r>
+              <a:rPr lang="en-US" sz="1300"/>
+              <a:t>API integration for payment gateways and third-party services.</a:t>
+            </a:r>
+          </a:p>
+          <a:p>
+            <a:pPr>
+              <a:lnSpc>
+                <a:spcPct val="110000"/>
+              </a:lnSpc>
+            </a:pPr>
+            <a:r>
+              <a:rPr lang="en-US" sz="1300" b="1"/>
               <a:t>Data Team</a:t>
             </a:r>
           </a:p>
           <a:p>
-            <a:r>
-              <a:rPr lang="en-US" dirty="0"/>
+            <a:pPr lvl="1">
+              <a:lnSpc>
+                <a:spcPct val="110000"/>
+              </a:lnSpc>
+            </a:pPr>
+            <a:r>
+              <a:rPr lang="en-US" sz="1300"/>
+              <a:t>Database design for storing user profiles, product information, and transaction history.</a:t>
+            </a:r>
+          </a:p>
+          <a:p>
+            <a:pPr lvl="1">
+              <a:lnSpc>
+                <a:spcPct val="110000"/>
+              </a:lnSpc>
+            </a:pPr>
+            <a:r>
+              <a:rPr lang="en-US" sz="1300"/>
+              <a:t>Data analytics for tracking user behavior and app performance.</a:t>
+            </a:r>
+          </a:p>
+          <a:p>
+            <a:pPr lvl="1">
+              <a:lnSpc>
+                <a:spcPct val="110000"/>
+              </a:lnSpc>
+            </a:pPr>
+            <a:r>
+              <a:rPr lang="en-US" sz="1300"/>
+              <a:t>Machine learning models for personalized recommendations and fashion trend analysis.</a:t>
+            </a:r>
+          </a:p>
+          <a:p>
+            <a:pPr>
+              <a:lnSpc>
+                <a:spcPct val="110000"/>
+              </a:lnSpc>
+            </a:pPr>
+            <a:r>
+              <a:rPr lang="en-US" sz="1300" b="1"/>
               <a:t>UX</a:t>
             </a:r>
           </a:p>
           <a:p>
-            <a:r>
-              <a:rPr lang="en-US" dirty="0"/>
-              <a:t>Software </a:t>
-            </a:r>
-          </a:p>
-          <a:p>
-            <a:endParaRPr lang="en-US" dirty="0"/>
+            <a:pPr lvl="1">
+              <a:lnSpc>
+                <a:spcPct val="110000"/>
+              </a:lnSpc>
+            </a:pPr>
+            <a:r>
+              <a:rPr lang="en-US" sz="1300"/>
+              <a:t>Intuitive and user-friendly interface design.</a:t>
+            </a:r>
+          </a:p>
+          <a:p>
+            <a:pPr lvl="1">
+              <a:lnSpc>
+                <a:spcPct val="110000"/>
+              </a:lnSpc>
+            </a:pPr>
+            <a:r>
+              <a:rPr lang="en-US" sz="1300"/>
+              <a:t>Responsive layouts for various device sizes.</a:t>
+            </a:r>
+          </a:p>
+          <a:p>
+            <a:pPr lvl="1">
+              <a:lnSpc>
+                <a:spcPct val="110000"/>
+              </a:lnSpc>
+            </a:pPr>
+            <a:r>
+              <a:rPr lang="en-US" sz="1300"/>
+              <a:t>Acceptability features for inclusive shopping experiences.</a:t>
+            </a:r>
+          </a:p>
+          <a:p>
+            <a:pPr>
+              <a:lnSpc>
+                <a:spcPct val="110000"/>
+              </a:lnSpc>
+            </a:pPr>
+            <a:r>
+              <a:rPr lang="en-US" sz="1300" b="1"/>
+              <a:t>Software</a:t>
+            </a:r>
+          </a:p>
+          <a:p>
+            <a:pPr lvl="1">
+              <a:lnSpc>
+                <a:spcPct val="110000"/>
+              </a:lnSpc>
+            </a:pPr>
+            <a:r>
+              <a:rPr lang="en-US" sz="1300"/>
+              <a:t>Secure authentication and authorization mechanisms.</a:t>
+            </a:r>
+          </a:p>
+          <a:p>
+            <a:pPr lvl="1">
+              <a:lnSpc>
+                <a:spcPct val="110000"/>
+              </a:lnSpc>
+            </a:pPr>
+            <a:r>
+              <a:rPr lang="en-US" sz="1300"/>
+              <a:t>Reliable cloud hosting and scalability solutions.</a:t>
+            </a:r>
+          </a:p>
+          <a:p>
+            <a:pPr lvl="1">
+              <a:lnSpc>
+                <a:spcPct val="110000"/>
+              </a:lnSpc>
+            </a:pPr>
+            <a:r>
+              <a:rPr lang="en-US" sz="1300"/>
+              <a:t>Continuous integration and deployment pipelines for app updates.</a:t>
+            </a:r>
+          </a:p>
+          <a:p>
+            <a:pPr>
+              <a:lnSpc>
+                <a:spcPct val="110000"/>
+              </a:lnSpc>
+            </a:pPr>
+            <a:endParaRPr lang="en-US" sz="1300"/>
           </a:p>
         </p:txBody>
       </p:sp>
@@ -21557,74 +26631,79 @@
             <p:ph type="dt" sz="half" idx="10"/>
           </p:nvPr>
         </p:nvSpPr>
-        <p:spPr/>
-        <p:txBody>
-          <a:bodyPr/>
+        <p:spPr>
+          <a:xfrm>
+            <a:off x="5115073" y="6492240"/>
+            <a:ext cx="2843784" cy="338328"/>
+          </a:xfrm>
+        </p:spPr>
+        <p:txBody>
+          <a:bodyPr anchor="ctr">
+            <a:normAutofit/>
+          </a:bodyPr>
           <a:lstStyle/>
           <a:p>
+            <a:pPr>
+              <a:spcAft>
+                <a:spcPts val="600"/>
+              </a:spcAft>
+            </a:pPr>
             <a:fld id="{FE21D4C7-8630-4B98-978C-30388BBD4EE8}" type="datetime1">
               <a:rPr lang="en-US" smtClean="0"/>
-              <a:t>1/7/2026</a:t>
+              <a:pPr>
+                <a:spcAft>
+                  <a:spcPts val="600"/>
+                </a:spcAft>
+              </a:pPr>
+              <a:t>1/8/2026</a:t>
             </a:fld>
-            <a:endParaRPr lang="en-US" dirty="0"/>
-          </a:p>
-        </p:txBody>
-      </p:sp>
-      <p:sp>
-        <p:nvSpPr>
-          <p:cNvPr id="5" name="Footer Placeholder 4">
-            <a:extLst>
-              <a:ext uri="{FF2B5EF4-FFF2-40B4-BE49-F238E27FC236}">
-                <a16:creationId xmlns:a16="http://schemas.microsoft.com/office/drawing/2014/main" id="{F9E75F5A-4CEF-B90E-1E8D-A2D31E23FA3C}"/>
-              </a:ext>
-            </a:extLst>
-          </p:cNvPr>
-          <p:cNvSpPr>
-            <a:spLocks noGrp="1"/>
-          </p:cNvSpPr>
-          <p:nvPr>
-            <p:ph type="ftr" sz="quarter" idx="11"/>
-          </p:nvPr>
-        </p:nvSpPr>
-        <p:spPr/>
-        <p:txBody>
-          <a:bodyPr/>
+            <a:endParaRPr lang="en-US"/>
+          </a:p>
+        </p:txBody>
+      </p:sp>
+      <p:sp>
+        <p:nvSpPr>
+          <p:cNvPr id="6" name="Slide Number Placeholder 5">
+            <a:extLst>
+              <a:ext uri="{FF2B5EF4-FFF2-40B4-BE49-F238E27FC236}">
+                <a16:creationId xmlns:a16="http://schemas.microsoft.com/office/drawing/2014/main" id="{5AE688A1-EDB2-0AFA-ED9D-202BD4E83F25}"/>
+              </a:ext>
+            </a:extLst>
+          </p:cNvPr>
+          <p:cNvSpPr>
+            <a:spLocks noGrp="1"/>
+          </p:cNvSpPr>
+          <p:nvPr>
+            <p:ph type="sldNum" sz="quarter" idx="12"/>
+          </p:nvPr>
+        </p:nvSpPr>
+        <p:spPr>
+          <a:xfrm>
+            <a:off x="11648431" y="6490524"/>
+            <a:ext cx="457200" cy="336141"/>
+          </a:xfrm>
+        </p:spPr>
+        <p:txBody>
+          <a:bodyPr anchor="ctr">
+            <a:normAutofit/>
+          </a:bodyPr>
           <a:lstStyle/>
           <a:p>
-            <a:r>
-              <a:rPr lang="en-US"/>
-              <a:t>Sample Footer Text</a:t>
-            </a:r>
-            <a:endParaRPr lang="en-US" dirty="0"/>
-          </a:p>
-        </p:txBody>
-      </p:sp>
-      <p:sp>
-        <p:nvSpPr>
-          <p:cNvPr id="6" name="Slide Number Placeholder 5">
-            <a:extLst>
-              <a:ext uri="{FF2B5EF4-FFF2-40B4-BE49-F238E27FC236}">
-                <a16:creationId xmlns:a16="http://schemas.microsoft.com/office/drawing/2014/main" id="{5AE688A1-EDB2-0AFA-ED9D-202BD4E83F25}"/>
-              </a:ext>
-            </a:extLst>
-          </p:cNvPr>
-          <p:cNvSpPr>
-            <a:spLocks noGrp="1"/>
-          </p:cNvSpPr>
-          <p:nvPr>
-            <p:ph type="sldNum" sz="quarter" idx="12"/>
-          </p:nvPr>
-        </p:nvSpPr>
-        <p:spPr/>
-        <p:txBody>
-          <a:bodyPr/>
-          <a:lstStyle/>
-          <a:p>
+            <a:pPr>
+              <a:spcAft>
+                <a:spcPts val="600"/>
+              </a:spcAft>
+            </a:pPr>
             <a:fld id="{84C450F2-3BB4-4AE4-8A35-A9D7AEA4C850}" type="slidenum">
               <a:rPr lang="en-US" smtClean="0"/>
+              <a:pPr>
+                <a:spcAft>
+                  <a:spcPts val="600"/>
+                </a:spcAft>
+              </a:pPr>
               <a:t>7</a:t>
             </a:fld>
-            <a:endParaRPr lang="en-US" dirty="0"/>
+            <a:endParaRPr lang="en-US"/>
           </a:p>
         </p:txBody>
       </p:sp>
@@ -21674,9 +26753,16 @@
             <p:ph type="title"/>
           </p:nvPr>
         </p:nvSpPr>
-        <p:spPr/>
-        <p:txBody>
-          <a:bodyPr/>
+        <p:spPr>
+          <a:xfrm>
+            <a:off x="4820076" y="320040"/>
+            <a:ext cx="6766560" cy="932688"/>
+          </a:xfrm>
+        </p:spPr>
+        <p:txBody>
+          <a:bodyPr anchor="b">
+            <a:normAutofit/>
+          </a:bodyPr>
           <a:lstStyle/>
           <a:p>
             <a:r>
@@ -21686,6 +26772,42 @@
           </a:p>
         </p:txBody>
       </p:sp>
+      <p:pic>
+        <p:nvPicPr>
+          <p:cNvPr id="17" name="Picture Placeholder 16" descr="Businessman using digital tablet in meeting">
+            <a:extLst>
+              <a:ext uri="{FF2B5EF4-FFF2-40B4-BE49-F238E27FC236}">
+                <a16:creationId xmlns:a16="http://schemas.microsoft.com/office/drawing/2014/main" id="{A88AC544-7A2B-C56C-3744-1E708396177F}"/>
+              </a:ext>
+            </a:extLst>
+          </p:cNvPr>
+          <p:cNvPicPr>
+            <a:picLocks noGrp="1" noChangeAspect="1"/>
+          </p:cNvPicPr>
+          <p:nvPr>
+            <p:ph type="pic" sz="quarter" idx="15"/>
+          </p:nvPr>
+        </p:nvPicPr>
+        <p:blipFill>
+          <a:blip r:embed="rId2">
+            <a:extLst>
+              <a:ext uri="{28A0092B-C50C-407E-A947-70E740481C1C}">
+                <a14:useLocalDpi xmlns:a14="http://schemas.microsoft.com/office/drawing/2010/main" val="0"/>
+              </a:ext>
+            </a:extLst>
+          </a:blip>
+          <a:srcRect l="28398" r="28398"/>
+          <a:stretch>
+            <a:fillRect/>
+          </a:stretch>
+        </p:blipFill>
+        <p:spPr>
+          <a:xfrm>
+            <a:off x="0" y="0"/>
+            <a:ext cx="4148138" cy="6399213"/>
+          </a:xfrm>
+        </p:spPr>
+      </p:pic>
       <p:sp>
         <p:nvSpPr>
           <p:cNvPr id="3" name="Content Placeholder 2">
@@ -21699,129 +26821,175 @@
             <a:spLocks noGrp="1"/>
           </p:cNvSpPr>
           <p:nvPr>
-            <p:ph idx="1"/>
-          </p:nvPr>
-        </p:nvSpPr>
-        <p:spPr/>
-        <p:txBody>
-          <a:bodyPr/>
+            <p:ph sz="quarter" idx="14"/>
+          </p:nvPr>
+        </p:nvSpPr>
+        <p:spPr>
+          <a:xfrm>
+            <a:off x="4820076" y="1380744"/>
+            <a:ext cx="6766560" cy="4983480"/>
+          </a:xfrm>
+        </p:spPr>
+        <p:txBody>
+          <a:bodyPr>
+            <a:normAutofit/>
+          </a:bodyPr>
           <a:lstStyle/>
           <a:p>
-            <a:r>
-              <a:rPr lang="en-US" dirty="0"/>
+            <a:pPr>
+              <a:lnSpc>
+                <a:spcPct val="110000"/>
+              </a:lnSpc>
+            </a:pPr>
+            <a:r>
+              <a:rPr lang="en-US" sz="1500"/>
               <a:t>Software Engineers</a:t>
             </a:r>
           </a:p>
           <a:p>
-            <a:r>
-              <a:rPr lang="en-US" dirty="0"/>
+            <a:pPr lvl="1">
+              <a:lnSpc>
+                <a:spcPct val="110000"/>
+              </a:lnSpc>
+            </a:pPr>
+            <a:r>
+              <a:rPr lang="en-US" sz="1500"/>
+              <a:t>Responsible for developing the mobile app, backend systems, and integrating APIs for payments and third-party services.</a:t>
+            </a:r>
+          </a:p>
+          <a:p>
+            <a:pPr>
+              <a:lnSpc>
+                <a:spcPct val="110000"/>
+              </a:lnSpc>
+            </a:pPr>
+            <a:r>
+              <a:rPr lang="en-US" sz="1500"/>
               <a:t>Data Analysts/ Scientists</a:t>
             </a:r>
           </a:p>
           <a:p>
-            <a:r>
-              <a:rPr lang="en-US" dirty="0"/>
+            <a:pPr lvl="1">
+              <a:lnSpc>
+                <a:spcPct val="110000"/>
+              </a:lnSpc>
+            </a:pPr>
+            <a:r>
+              <a:rPr lang="en-US" sz="1500"/>
+              <a:t>Design and manage databases, analyze user behavior, and build machine learning models for personalized recommendations and fashion trend analysis.</a:t>
+            </a:r>
+          </a:p>
+          <a:p>
+            <a:pPr>
+              <a:lnSpc>
+                <a:spcPct val="110000"/>
+              </a:lnSpc>
+            </a:pPr>
+            <a:r>
+              <a:rPr lang="en-US" sz="1500"/>
               <a:t>Product Managers</a:t>
             </a:r>
           </a:p>
           <a:p>
-            <a:r>
-              <a:rPr lang="en-US" dirty="0"/>
+            <a:pPr lvl="1">
+              <a:lnSpc>
+                <a:spcPct val="110000"/>
+              </a:lnSpc>
+            </a:pPr>
+            <a:r>
+              <a:rPr lang="en-US" sz="1500"/>
+              <a:t>Oversee project scope, timeline, and ensure alignment with business goals and user needs.</a:t>
+            </a:r>
+          </a:p>
+          <a:p>
+            <a:pPr>
+              <a:lnSpc>
+                <a:spcPct val="110000"/>
+              </a:lnSpc>
+            </a:pPr>
+            <a:r>
+              <a:rPr lang="en-US" sz="1500"/>
               <a:t>AI/ML Engineers</a:t>
             </a:r>
           </a:p>
           <a:p>
-            <a:r>
-              <a:rPr lang="en-US" dirty="0"/>
+            <a:pPr lvl="1">
+              <a:lnSpc>
+                <a:spcPct val="110000"/>
+              </a:lnSpc>
+            </a:pPr>
+            <a:r>
+              <a:rPr lang="en-US" sz="1500"/>
+              <a:t>Develop and implement machine learning algorithms for predictability and recommendation features.</a:t>
+            </a:r>
+          </a:p>
+          <a:p>
+            <a:pPr>
+              <a:lnSpc>
+                <a:spcPct val="110000"/>
+              </a:lnSpc>
+            </a:pPr>
+            <a:r>
+              <a:rPr lang="en-US" sz="1500"/>
               <a:t>UX Engineers</a:t>
             </a:r>
           </a:p>
-        </p:txBody>
-      </p:sp>
-      <p:sp>
-        <p:nvSpPr>
-          <p:cNvPr id="4" name="Date Placeholder 3">
-            <a:extLst>
-              <a:ext uri="{FF2B5EF4-FFF2-40B4-BE49-F238E27FC236}">
-                <a16:creationId xmlns:a16="http://schemas.microsoft.com/office/drawing/2014/main" id="{E79485FA-23BA-D6E5-4C09-688226111099}"/>
-              </a:ext>
-            </a:extLst>
-          </p:cNvPr>
-          <p:cNvSpPr>
-            <a:spLocks noGrp="1"/>
-          </p:cNvSpPr>
-          <p:nvPr>
-            <p:ph type="dt" sz="half" idx="10"/>
-          </p:nvPr>
-        </p:nvSpPr>
-        <p:spPr/>
-        <p:txBody>
-          <a:bodyPr/>
+          <a:p>
+            <a:pPr lvl="1">
+              <a:lnSpc>
+                <a:spcPct val="110000"/>
+              </a:lnSpc>
+            </a:pPr>
+            <a:r>
+              <a:rPr lang="en-US" sz="1500"/>
+              <a:t>Desing intuitive, user-friendly, and accessible interfaces for seamless shopping experience.</a:t>
+            </a:r>
+          </a:p>
+        </p:txBody>
+      </p:sp>
+      <p:sp>
+        <p:nvSpPr>
+          <p:cNvPr id="6" name="Slide Number Placeholder 5">
+            <a:extLst>
+              <a:ext uri="{FF2B5EF4-FFF2-40B4-BE49-F238E27FC236}">
+                <a16:creationId xmlns:a16="http://schemas.microsoft.com/office/drawing/2014/main" id="{DD83D7A2-7377-7F8C-F710-B2AA5BD35D1B}"/>
+              </a:ext>
+            </a:extLst>
+          </p:cNvPr>
+          <p:cNvSpPr>
+            <a:spLocks noGrp="1"/>
+          </p:cNvSpPr>
+          <p:nvPr>
+            <p:ph type="sldNum" sz="quarter" idx="12"/>
+          </p:nvPr>
+        </p:nvSpPr>
+        <p:spPr>
+          <a:xfrm>
+            <a:off x="11648431" y="6490524"/>
+            <a:ext cx="457200" cy="336141"/>
+          </a:xfrm>
+        </p:spPr>
+        <p:txBody>
+          <a:bodyPr anchor="ctr">
+            <a:normAutofit/>
+          </a:bodyPr>
           <a:lstStyle/>
           <a:p>
-            <a:fld id="{FE21D4C7-8630-4B98-978C-30388BBD4EE8}" type="datetime1">
-              <a:rPr lang="en-US" smtClean="0"/>
-              <a:t>1/7/2026</a:t>
-            </a:fld>
-            <a:endParaRPr lang="en-US" dirty="0"/>
-          </a:p>
-        </p:txBody>
-      </p:sp>
-      <p:sp>
-        <p:nvSpPr>
-          <p:cNvPr id="5" name="Footer Placeholder 4">
-            <a:extLst>
-              <a:ext uri="{FF2B5EF4-FFF2-40B4-BE49-F238E27FC236}">
-                <a16:creationId xmlns:a16="http://schemas.microsoft.com/office/drawing/2014/main" id="{6871D610-9E0C-0232-354D-EBBD4A98E560}"/>
-              </a:ext>
-            </a:extLst>
-          </p:cNvPr>
-          <p:cNvSpPr>
-            <a:spLocks noGrp="1"/>
-          </p:cNvSpPr>
-          <p:nvPr>
-            <p:ph type="ftr" sz="quarter" idx="11"/>
-          </p:nvPr>
-        </p:nvSpPr>
-        <p:spPr/>
-        <p:txBody>
-          <a:bodyPr/>
-          <a:lstStyle/>
-          <a:p>
-            <a:r>
-              <a:rPr lang="en-US"/>
-              <a:t>Sample Footer Text</a:t>
-            </a:r>
-            <a:endParaRPr lang="en-US" dirty="0"/>
-          </a:p>
-        </p:txBody>
-      </p:sp>
-      <p:sp>
-        <p:nvSpPr>
-          <p:cNvPr id="6" name="Slide Number Placeholder 5">
-            <a:extLst>
-              <a:ext uri="{FF2B5EF4-FFF2-40B4-BE49-F238E27FC236}">
-                <a16:creationId xmlns:a16="http://schemas.microsoft.com/office/drawing/2014/main" id="{DD83D7A2-7377-7F8C-F710-B2AA5BD35D1B}"/>
-              </a:ext>
-            </a:extLst>
-          </p:cNvPr>
-          <p:cNvSpPr>
-            <a:spLocks noGrp="1"/>
-          </p:cNvSpPr>
-          <p:nvPr>
-            <p:ph type="sldNum" sz="quarter" idx="12"/>
-          </p:nvPr>
-        </p:nvSpPr>
-        <p:spPr/>
-        <p:txBody>
-          <a:bodyPr/>
-          <a:lstStyle/>
-          <a:p>
+            <a:pPr>
+              <a:spcAft>
+                <a:spcPts val="600"/>
+              </a:spcAft>
+            </a:pPr>
             <a:fld id="{84C450F2-3BB4-4AE4-8A35-A9D7AEA4C850}" type="slidenum">
               <a:rPr lang="en-US" smtClean="0"/>
+              <a:pPr>
+                <a:spcAft>
+                  <a:spcPts val="600"/>
+                </a:spcAft>
+              </a:pPr>
               <a:t>8</a:t>
             </a:fld>
-            <a:endParaRPr lang="en-US" dirty="0"/>
+            <a:endParaRPr lang="en-US"/>
           </a:p>
         </p:txBody>
       </p:sp>
@@ -21871,9 +27039,16 @@
             <p:ph type="title"/>
           </p:nvPr>
         </p:nvSpPr>
-        <p:spPr/>
-        <p:txBody>
-          <a:bodyPr/>
+        <p:spPr>
+          <a:xfrm>
+            <a:off x="429768" y="550218"/>
+            <a:ext cx="3827439" cy="1453896"/>
+          </a:xfrm>
+        </p:spPr>
+        <p:txBody>
+          <a:bodyPr anchor="t">
+            <a:normAutofit/>
+          </a:bodyPr>
           <a:lstStyle/>
           <a:p>
             <a:r>
@@ -21883,6 +27058,42 @@
           </a:p>
         </p:txBody>
       </p:sp>
+      <p:pic>
+        <p:nvPicPr>
+          <p:cNvPr id="8" name="Picture Placeholder 7" descr="Financial graphs on a dark display">
+            <a:extLst>
+              <a:ext uri="{FF2B5EF4-FFF2-40B4-BE49-F238E27FC236}">
+                <a16:creationId xmlns:a16="http://schemas.microsoft.com/office/drawing/2014/main" id="{65C489FB-07BC-BF98-A796-C8E64631B28A}"/>
+              </a:ext>
+            </a:extLst>
+          </p:cNvPr>
+          <p:cNvPicPr>
+            <a:picLocks noGrp="1" noChangeAspect="1"/>
+          </p:cNvPicPr>
+          <p:nvPr>
+            <p:ph type="pic" sz="quarter" idx="15"/>
+          </p:nvPr>
+        </p:nvPicPr>
+        <p:blipFill>
+          <a:blip r:embed="rId2">
+            <a:extLst>
+              <a:ext uri="{28A0092B-C50C-407E-A947-70E740481C1C}">
+                <a14:useLocalDpi xmlns:a14="http://schemas.microsoft.com/office/drawing/2010/main" val="0"/>
+              </a:ext>
+            </a:extLst>
+          </a:blip>
+          <a:srcRect l="21402" r="21402"/>
+          <a:stretch>
+            <a:fillRect/>
+          </a:stretch>
+        </p:blipFill>
+        <p:spPr>
+          <a:xfrm>
+            <a:off x="0" y="2293938"/>
+            <a:ext cx="4176713" cy="4564062"/>
+          </a:xfrm>
+        </p:spPr>
+      </p:pic>
       <p:sp>
         <p:nvSpPr>
           <p:cNvPr id="3" name="Content Placeholder 2">
@@ -21896,15 +27107,278 @@
             <a:spLocks noGrp="1"/>
           </p:cNvSpPr>
           <p:nvPr>
-            <p:ph idx="1"/>
-          </p:nvPr>
-        </p:nvSpPr>
-        <p:spPr/>
-        <p:txBody>
-          <a:bodyPr/>
+            <p:ph sz="quarter" idx="14"/>
+          </p:nvPr>
+        </p:nvSpPr>
+        <p:spPr>
+          <a:xfrm>
+            <a:off x="5120787" y="549275"/>
+            <a:ext cx="6561138" cy="5788152"/>
+          </a:xfrm>
+        </p:spPr>
+        <p:txBody>
+          <a:bodyPr>
+            <a:normAutofit lnSpcReduction="10000"/>
+          </a:bodyPr>
           <a:lstStyle/>
           <a:p>
-            <a:endParaRPr lang="en-US"/>
+            <a:pPr>
+              <a:lnSpc>
+                <a:spcPct val="110000"/>
+              </a:lnSpc>
+            </a:pPr>
+            <a:r>
+              <a:rPr lang="en-US" sz="1050" dirty="0"/>
+              <a:t>Development Costs</a:t>
+            </a:r>
+          </a:p>
+          <a:p>
+            <a:pPr lvl="1">
+              <a:lnSpc>
+                <a:spcPct val="110000"/>
+              </a:lnSpc>
+            </a:pPr>
+            <a:r>
+              <a:rPr lang="en-US" sz="1050" dirty="0"/>
+              <a:t>Mobile App development $40,000-$80,000</a:t>
+            </a:r>
+          </a:p>
+          <a:p>
+            <a:pPr lvl="1">
+              <a:lnSpc>
+                <a:spcPct val="110000"/>
+              </a:lnSpc>
+            </a:pPr>
+            <a:r>
+              <a:rPr lang="en-US" sz="1050" dirty="0"/>
+              <a:t>Backend infrastructure &amp; APIs $20,000-$40,000</a:t>
+            </a:r>
+          </a:p>
+          <a:p>
+            <a:pPr lvl="1">
+              <a:lnSpc>
+                <a:spcPct val="110000"/>
+              </a:lnSpc>
+            </a:pPr>
+            <a:r>
+              <a:rPr lang="en-US" sz="1050" dirty="0"/>
+              <a:t>Database design &amp; integration $10,000-$20,000</a:t>
+            </a:r>
+          </a:p>
+          <a:p>
+            <a:pPr>
+              <a:lnSpc>
+                <a:spcPct val="110000"/>
+              </a:lnSpc>
+            </a:pPr>
+            <a:r>
+              <a:rPr lang="en-US" sz="1050" dirty="0"/>
+              <a:t>Data and AI/ML Costs</a:t>
+            </a:r>
+          </a:p>
+          <a:p>
+            <a:pPr lvl="1">
+              <a:lnSpc>
+                <a:spcPct val="110000"/>
+              </a:lnSpc>
+            </a:pPr>
+            <a:r>
+              <a:rPr lang="en-US" sz="1050" dirty="0"/>
+              <a:t>Data Analytics setup $5,000-$10,000</a:t>
+            </a:r>
+          </a:p>
+          <a:p>
+            <a:pPr lvl="1">
+              <a:lnSpc>
+                <a:spcPct val="110000"/>
+              </a:lnSpc>
+            </a:pPr>
+            <a:r>
+              <a:rPr lang="en-US" sz="1050" dirty="0"/>
+              <a:t>ML model development $15,000-$30,000</a:t>
+            </a:r>
+          </a:p>
+          <a:p>
+            <a:pPr>
+              <a:lnSpc>
+                <a:spcPct val="110000"/>
+              </a:lnSpc>
+            </a:pPr>
+            <a:r>
+              <a:rPr lang="en-US" sz="1050" dirty="0"/>
+              <a:t>UX/UI Design</a:t>
+            </a:r>
+          </a:p>
+          <a:p>
+            <a:pPr lvl="1">
+              <a:lnSpc>
+                <a:spcPct val="110000"/>
+              </a:lnSpc>
+            </a:pPr>
+            <a:r>
+              <a:rPr lang="en-US" sz="1050" dirty="0"/>
+              <a:t>User Interface &amp; experience design $10,000-$20,000</a:t>
+            </a:r>
+          </a:p>
+          <a:p>
+            <a:pPr lvl="1">
+              <a:lnSpc>
+                <a:spcPct val="110000"/>
+              </a:lnSpc>
+            </a:pPr>
+            <a:r>
+              <a:rPr lang="en-US" sz="1050" dirty="0"/>
+              <a:t>Accessibility &amp; responsive design $5,000-$10,000</a:t>
+            </a:r>
+          </a:p>
+          <a:p>
+            <a:pPr>
+              <a:lnSpc>
+                <a:spcPct val="110000"/>
+              </a:lnSpc>
+            </a:pPr>
+            <a:r>
+              <a:rPr lang="en-US" sz="1050" dirty="0"/>
+              <a:t>Cloud Hosting and Software </a:t>
+            </a:r>
+          </a:p>
+          <a:p>
+            <a:pPr lvl="1">
+              <a:lnSpc>
+                <a:spcPct val="110000"/>
+              </a:lnSpc>
+            </a:pPr>
+            <a:r>
+              <a:rPr lang="en-US" sz="1050" dirty="0"/>
+              <a:t>Cloud hosting &amp; scalability $5,000-$10,000</a:t>
+            </a:r>
+          </a:p>
+          <a:p>
+            <a:pPr lvl="1">
+              <a:lnSpc>
+                <a:spcPct val="110000"/>
+              </a:lnSpc>
+            </a:pPr>
+            <a:r>
+              <a:rPr lang="en-US" sz="1050" dirty="0"/>
+              <a:t>Security, authentication, and compliance $5,000-$10,000</a:t>
+            </a:r>
+          </a:p>
+          <a:p>
+            <a:pPr>
+              <a:lnSpc>
+                <a:spcPct val="110000"/>
+              </a:lnSpc>
+            </a:pPr>
+            <a:r>
+              <a:rPr lang="en-US" sz="1050" dirty="0"/>
+              <a:t>Testing and Deployment</a:t>
+            </a:r>
+          </a:p>
+          <a:p>
+            <a:pPr lvl="1">
+              <a:lnSpc>
+                <a:spcPct val="110000"/>
+              </a:lnSpc>
+            </a:pPr>
+            <a:r>
+              <a:rPr lang="en-US" sz="1050" dirty="0"/>
+              <a:t>QA testing &amp; bug fixing $5,000-$10,000</a:t>
+            </a:r>
+          </a:p>
+          <a:p>
+            <a:pPr lvl="1">
+              <a:lnSpc>
+                <a:spcPct val="110000"/>
+              </a:lnSpc>
+            </a:pPr>
+            <a:r>
+              <a:rPr lang="en-US" sz="1050" dirty="0"/>
+              <a:t>Continuous integration &amp; deployment $3,000-$7,000</a:t>
+            </a:r>
+          </a:p>
+          <a:p>
+            <a:pPr>
+              <a:lnSpc>
+                <a:spcPct val="110000"/>
+              </a:lnSpc>
+            </a:pPr>
+            <a:r>
+              <a:rPr lang="en-US" sz="1050" dirty="0"/>
+              <a:t>Human Resources</a:t>
+            </a:r>
+          </a:p>
+          <a:p>
+            <a:pPr lvl="1">
+              <a:lnSpc>
+                <a:spcPct val="110000"/>
+              </a:lnSpc>
+            </a:pPr>
+            <a:r>
+              <a:rPr lang="en-US" sz="1050" dirty="0"/>
+              <a:t>Salaries for engineers, data scientists, product managers, UX designers, </a:t>
+            </a:r>
+            <a:r>
+              <a:rPr lang="en-US" sz="1050" dirty="0" err="1"/>
+              <a:t>etc</a:t>
+            </a:r>
+            <a:r>
+              <a:rPr lang="en-US" sz="1050" dirty="0"/>
+              <a:t> $100,000-$250,000(annual)</a:t>
+            </a:r>
+          </a:p>
+          <a:p>
+            <a:pPr>
+              <a:lnSpc>
+                <a:spcPct val="110000"/>
+              </a:lnSpc>
+            </a:pPr>
+            <a:r>
+              <a:rPr lang="en-US" sz="1050" dirty="0"/>
+              <a:t>Miscellaneous</a:t>
+            </a:r>
+          </a:p>
+          <a:p>
+            <a:pPr lvl="1">
+              <a:lnSpc>
+                <a:spcPct val="110000"/>
+              </a:lnSpc>
+            </a:pPr>
+            <a:r>
+              <a:rPr lang="en-US" sz="1050" dirty="0"/>
+              <a:t>Legal &amp; Ethical compliance $3,000-$8,000</a:t>
+            </a:r>
+          </a:p>
+          <a:p>
+            <a:pPr lvl="1">
+              <a:lnSpc>
+                <a:spcPct val="110000"/>
+              </a:lnSpc>
+            </a:pPr>
+            <a:r>
+              <a:rPr lang="en-US" sz="1050" dirty="0"/>
+              <a:t>Marketing &amp; launch $10,000-$30,000</a:t>
+            </a:r>
+          </a:p>
+          <a:p>
+            <a:pPr lvl="1">
+              <a:lnSpc>
+                <a:spcPct val="110000"/>
+              </a:lnSpc>
+            </a:pPr>
+            <a:endParaRPr lang="en-US" sz="1050" dirty="0"/>
+          </a:p>
+          <a:p>
+            <a:pPr marL="0" indent="0">
+              <a:lnSpc>
+                <a:spcPct val="110000"/>
+              </a:lnSpc>
+              <a:buNone/>
+            </a:pPr>
+            <a:r>
+              <a:rPr lang="en-US" sz="1050" dirty="0"/>
+              <a:t>Estimated Total Budget $221,000-$520,000</a:t>
+            </a:r>
           </a:p>
         </p:txBody>
       </p:sp>
@@ -21924,74 +27398,79 @@
             <p:ph type="dt" sz="half" idx="10"/>
           </p:nvPr>
         </p:nvSpPr>
-        <p:spPr/>
-        <p:txBody>
-          <a:bodyPr/>
+        <p:spPr>
+          <a:xfrm>
+            <a:off x="5115073" y="6492240"/>
+            <a:ext cx="2843784" cy="338328"/>
+          </a:xfrm>
+        </p:spPr>
+        <p:txBody>
+          <a:bodyPr anchor="ctr">
+            <a:normAutofit/>
+          </a:bodyPr>
           <a:lstStyle/>
           <a:p>
+            <a:pPr>
+              <a:spcAft>
+                <a:spcPts val="600"/>
+              </a:spcAft>
+            </a:pPr>
             <a:fld id="{FE21D4C7-8630-4B98-978C-30388BBD4EE8}" type="datetime1">
               <a:rPr lang="en-US" smtClean="0"/>
-              <a:t>1/7/2026</a:t>
+              <a:pPr>
+                <a:spcAft>
+                  <a:spcPts val="600"/>
+                </a:spcAft>
+              </a:pPr>
+              <a:t>1/8/2026</a:t>
             </a:fld>
-            <a:endParaRPr lang="en-US" dirty="0"/>
-          </a:p>
-        </p:txBody>
-      </p:sp>
-      <p:sp>
-        <p:nvSpPr>
-          <p:cNvPr id="5" name="Footer Placeholder 4">
-            <a:extLst>
-              <a:ext uri="{FF2B5EF4-FFF2-40B4-BE49-F238E27FC236}">
-                <a16:creationId xmlns:a16="http://schemas.microsoft.com/office/drawing/2014/main" id="{3844FE87-CAD7-3116-98DC-3FB096DFFB5A}"/>
-              </a:ext>
-            </a:extLst>
-          </p:cNvPr>
-          <p:cNvSpPr>
-            <a:spLocks noGrp="1"/>
-          </p:cNvSpPr>
-          <p:nvPr>
-            <p:ph type="ftr" sz="quarter" idx="11"/>
-          </p:nvPr>
-        </p:nvSpPr>
-        <p:spPr/>
-        <p:txBody>
-          <a:bodyPr/>
+            <a:endParaRPr lang="en-US"/>
+          </a:p>
+        </p:txBody>
+      </p:sp>
+      <p:sp>
+        <p:nvSpPr>
+          <p:cNvPr id="6" name="Slide Number Placeholder 5">
+            <a:extLst>
+              <a:ext uri="{FF2B5EF4-FFF2-40B4-BE49-F238E27FC236}">
+                <a16:creationId xmlns:a16="http://schemas.microsoft.com/office/drawing/2014/main" id="{A440D642-9F56-062D-1D8B-826A39D9D728}"/>
+              </a:ext>
+            </a:extLst>
+          </p:cNvPr>
+          <p:cNvSpPr>
+            <a:spLocks noGrp="1"/>
+          </p:cNvSpPr>
+          <p:nvPr>
+            <p:ph type="sldNum" sz="quarter" idx="12"/>
+          </p:nvPr>
+        </p:nvSpPr>
+        <p:spPr>
+          <a:xfrm>
+            <a:off x="11648431" y="6490524"/>
+            <a:ext cx="457200" cy="336141"/>
+          </a:xfrm>
+        </p:spPr>
+        <p:txBody>
+          <a:bodyPr anchor="ctr">
+            <a:normAutofit/>
+          </a:bodyPr>
           <a:lstStyle/>
           <a:p>
-            <a:r>
-              <a:rPr lang="en-US"/>
-              <a:t>Sample Footer Text</a:t>
-            </a:r>
-            <a:endParaRPr lang="en-US" dirty="0"/>
-          </a:p>
-        </p:txBody>
-      </p:sp>
-      <p:sp>
-        <p:nvSpPr>
-          <p:cNvPr id="6" name="Slide Number Placeholder 5">
-            <a:extLst>
-              <a:ext uri="{FF2B5EF4-FFF2-40B4-BE49-F238E27FC236}">
-                <a16:creationId xmlns:a16="http://schemas.microsoft.com/office/drawing/2014/main" id="{A440D642-9F56-062D-1D8B-826A39D9D728}"/>
-              </a:ext>
-            </a:extLst>
-          </p:cNvPr>
-          <p:cNvSpPr>
-            <a:spLocks noGrp="1"/>
-          </p:cNvSpPr>
-          <p:nvPr>
-            <p:ph type="sldNum" sz="quarter" idx="12"/>
-          </p:nvPr>
-        </p:nvSpPr>
-        <p:spPr/>
-        <p:txBody>
-          <a:bodyPr/>
-          <a:lstStyle/>
-          <a:p>
+            <a:pPr>
+              <a:spcAft>
+                <a:spcPts val="600"/>
+              </a:spcAft>
+            </a:pPr>
             <a:fld id="{84C450F2-3BB4-4AE4-8A35-A9D7AEA4C850}" type="slidenum">
               <a:rPr lang="en-US" smtClean="0"/>
+              <a:pPr>
+                <a:spcAft>
+                  <a:spcPts val="600"/>
+                </a:spcAft>
+              </a:pPr>
               <a:t>9</a:t>
             </a:fld>
-            <a:endParaRPr lang="en-US" dirty="0"/>
+            <a:endParaRPr lang="en-US"/>
           </a:p>
         </p:txBody>
       </p:sp>
